--- a/Web/JavaEE.pptx
+++ b/Web/JavaEE.pptx
@@ -4,6 +4,12 @@
   <p:sldMasterIdLst>
     <p:sldMasterId id="2147483648" r:id="rId1"/>
   </p:sldMasterIdLst>
+  <p:notesMasterIdLst>
+    <p:notesMasterId r:id="rId21"/>
+  </p:notesMasterIdLst>
+  <p:handoutMasterIdLst>
+    <p:handoutMasterId r:id="rId22"/>
+  </p:handoutMasterIdLst>
   <p:sldIdLst>
     <p:sldId id="409" r:id="rId3"/>
     <p:sldId id="410" r:id="rId4"/>
@@ -11,13 +17,24 @@
     <p:sldId id="415" r:id="rId6"/>
     <p:sldId id="412" r:id="rId7"/>
     <p:sldId id="413" r:id="rId8"/>
-    <p:sldId id="417" r:id="rId9"/>
-    <p:sldId id="414" r:id="rId10"/>
-    <p:sldId id="416" r:id="rId11"/>
-    <p:sldId id="418" r:id="rId12"/>
+    <p:sldId id="431" r:id="rId9"/>
+    <p:sldId id="417" r:id="rId10"/>
+    <p:sldId id="414" r:id="rId11"/>
+    <p:sldId id="416" r:id="rId12"/>
+    <p:sldId id="418" r:id="rId13"/>
+    <p:sldId id="422" r:id="rId14"/>
+    <p:sldId id="425" r:id="rId15"/>
+    <p:sldId id="424" r:id="rId16"/>
+    <p:sldId id="423" r:id="rId17"/>
+    <p:sldId id="428" r:id="rId18"/>
+    <p:sldId id="429" r:id="rId19"/>
+    <p:sldId id="430" r:id="rId20"/>
   </p:sldIdLst>
   <p:sldSz cx="12192000" cy="6858000"/>
   <p:notesSz cx="6858000" cy="9144000"/>
+  <p:custDataLst>
+    <p:tags r:id="rId26"/>
+  </p:custDataLst>
   <p:defaultTextStyle>
     <a:defPPr>
       <a:defRPr lang="zh-CN"/>
@@ -114,6 +131,511 @@
     </a:lvl9pPr>
   </p:defaultTextStyle>
 </p:presentation>
+</file>
+
+<file path=ppt/handoutMasters/handoutMaster1.xml><?xml version="1.0" encoding="utf-8"?>
+<p:handoutMaster xmlns:a="http://schemas.openxmlformats.org/drawingml/2006/main" xmlns:r="http://schemas.openxmlformats.org/officeDocument/2006/relationships" xmlns:p="http://schemas.openxmlformats.org/presentationml/2006/main">
+  <p:cSld>
+    <p:bg>
+      <p:bgRef idx="1001">
+        <a:schemeClr val="bg1"/>
+      </p:bgRef>
+    </p:bg>
+    <p:spTree>
+      <p:nvGrpSpPr>
+        <p:cNvPr id="1" name=""/>
+        <p:cNvGrpSpPr/>
+        <p:nvPr/>
+      </p:nvGrpSpPr>
+      <p:grpSpPr>
+        <a:xfrm>
+          <a:off x="0" y="0"/>
+          <a:ext cx="0" cy="0"/>
+          <a:chOff x="0" y="0"/>
+          <a:chExt cx="0" cy="0"/>
+        </a:xfrm>
+      </p:grpSpPr>
+      <p:sp>
+        <p:nvSpPr>
+          <p:cNvPr id="2" name="页眉占位符 1"/>
+          <p:cNvSpPr>
+            <a:spLocks noGrp="1"/>
+          </p:cNvSpPr>
+          <p:nvPr>
+            <p:ph type="hdr" sz="quarter"/>
+          </p:nvPr>
+        </p:nvSpPr>
+        <p:spPr>
+          <a:xfrm>
+            <a:off x="0" y="0"/>
+            <a:ext cx="2971800" cy="458788"/>
+          </a:xfrm>
+          <a:prstGeom prst="rect">
+            <a:avLst/>
+          </a:prstGeom>
+        </p:spPr>
+        <p:txBody>
+          <a:bodyPr vert="horz" lIns="91440" tIns="45720" rIns="91440" bIns="45720" rtlCol="0"/>
+          <a:lstStyle>
+            <a:lvl1pPr algn="l">
+              <a:defRPr sz="1200"/>
+            </a:lvl1pPr>
+          </a:lstStyle>
+          <a:p>
+            <a:endParaRPr lang="zh-CN" altLang="en-US"/>
+          </a:p>
+        </p:txBody>
+      </p:sp>
+      <p:sp>
+        <p:nvSpPr>
+          <p:cNvPr id="3" name="日期占位符 2"/>
+          <p:cNvSpPr>
+            <a:spLocks noGrp="1"/>
+          </p:cNvSpPr>
+          <p:nvPr>
+            <p:ph type="dt" sz="quarter" idx="1"/>
+          </p:nvPr>
+        </p:nvSpPr>
+        <p:spPr>
+          <a:xfrm>
+            <a:off x="3884613" y="0"/>
+            <a:ext cx="2971800" cy="458788"/>
+          </a:xfrm>
+          <a:prstGeom prst="rect">
+            <a:avLst/>
+          </a:prstGeom>
+        </p:spPr>
+        <p:txBody>
+          <a:bodyPr vert="horz" lIns="91440" tIns="45720" rIns="91440" bIns="45720" rtlCol="0"/>
+          <a:lstStyle>
+            <a:lvl1pPr algn="r">
+              <a:defRPr sz="1200"/>
+            </a:lvl1pPr>
+          </a:lstStyle>
+          <a:p>
+            <a:fld id="{0F9B84EA-7D68-4D60-9CB1-D50884785D1C}" type="datetimeFigureOut">
+              <a:rPr lang="zh-CN" altLang="en-US" smtClean="0"/>
+            </a:fld>
+            <a:endParaRPr lang="zh-CN" altLang="en-US"/>
+          </a:p>
+        </p:txBody>
+      </p:sp>
+      <p:sp>
+        <p:nvSpPr>
+          <p:cNvPr id="4" name="页脚占位符 3"/>
+          <p:cNvSpPr>
+            <a:spLocks noGrp="1"/>
+          </p:cNvSpPr>
+          <p:nvPr>
+            <p:ph type="ftr" sz="quarter" idx="2"/>
+          </p:nvPr>
+        </p:nvSpPr>
+        <p:spPr>
+          <a:xfrm>
+            <a:off x="0" y="8685213"/>
+            <a:ext cx="2971800" cy="458787"/>
+          </a:xfrm>
+          <a:prstGeom prst="rect">
+            <a:avLst/>
+          </a:prstGeom>
+        </p:spPr>
+        <p:txBody>
+          <a:bodyPr vert="horz" lIns="91440" tIns="45720" rIns="91440" bIns="45720" rtlCol="0" anchor="b"/>
+          <a:lstStyle>
+            <a:lvl1pPr algn="l">
+              <a:defRPr sz="1200"/>
+            </a:lvl1pPr>
+          </a:lstStyle>
+          <a:p>
+            <a:endParaRPr lang="zh-CN" altLang="en-US"/>
+          </a:p>
+        </p:txBody>
+      </p:sp>
+      <p:sp>
+        <p:nvSpPr>
+          <p:cNvPr id="5" name="灯片编号占位符 4"/>
+          <p:cNvSpPr>
+            <a:spLocks noGrp="1"/>
+          </p:cNvSpPr>
+          <p:nvPr>
+            <p:ph type="sldNum" sz="quarter" idx="3"/>
+          </p:nvPr>
+        </p:nvSpPr>
+        <p:spPr>
+          <a:xfrm>
+            <a:off x="3884613" y="8685213"/>
+            <a:ext cx="2971800" cy="458787"/>
+          </a:xfrm>
+          <a:prstGeom prst="rect">
+            <a:avLst/>
+          </a:prstGeom>
+        </p:spPr>
+        <p:txBody>
+          <a:bodyPr vert="horz" lIns="91440" tIns="45720" rIns="91440" bIns="45720" rtlCol="0" anchor="b"/>
+          <a:lstStyle>
+            <a:lvl1pPr algn="r">
+              <a:defRPr sz="1200"/>
+            </a:lvl1pPr>
+          </a:lstStyle>
+          <a:p>
+            <a:fld id="{8D4E0FC9-F1F8-4FAE-9988-3BA365CFD46F}" type="slidenum">
+              <a:rPr lang="zh-CN" altLang="en-US" smtClean="0"/>
+            </a:fld>
+            <a:endParaRPr lang="zh-CN" altLang="en-US"/>
+          </a:p>
+        </p:txBody>
+      </p:sp>
+    </p:spTree>
+  </p:cSld>
+  <p:clrMap bg1="lt1" tx1="dk1" bg2="lt2" tx2="dk2" accent1="accent1" accent2="accent2" accent3="accent3" accent4="accent4" accent5="accent5" accent6="accent6" hlink="hlink" folHlink="folHlink"/>
+</p:handoutMaster>
+</file>
+
+<file path=ppt/notesMasters/notesMaster1.xml><?xml version="1.0" encoding="utf-8"?>
+<p:notesMaster xmlns:a="http://schemas.openxmlformats.org/drawingml/2006/main" xmlns:r="http://schemas.openxmlformats.org/officeDocument/2006/relationships" xmlns:p="http://schemas.openxmlformats.org/presentationml/2006/main">
+  <p:cSld>
+    <p:bg>
+      <p:bgRef idx="1001">
+        <a:schemeClr val="bg1"/>
+      </p:bgRef>
+    </p:bg>
+    <p:spTree>
+      <p:nvGrpSpPr>
+        <p:cNvPr id="1" name=""/>
+        <p:cNvGrpSpPr/>
+        <p:nvPr/>
+      </p:nvGrpSpPr>
+      <p:grpSpPr>
+        <a:xfrm>
+          <a:off x="0" y="0"/>
+          <a:ext cx="0" cy="0"/>
+          <a:chOff x="0" y="0"/>
+          <a:chExt cx="0" cy="0"/>
+        </a:xfrm>
+      </p:grpSpPr>
+      <p:sp>
+        <p:nvSpPr>
+          <p:cNvPr id="2" name="页眉占位符 1"/>
+          <p:cNvSpPr>
+            <a:spLocks noGrp="1"/>
+          </p:cNvSpPr>
+          <p:nvPr>
+            <p:ph type="hdr" sz="quarter"/>
+          </p:nvPr>
+        </p:nvSpPr>
+        <p:spPr>
+          <a:xfrm>
+            <a:off x="0" y="0"/>
+            <a:ext cx="2971800" cy="458788"/>
+          </a:xfrm>
+          <a:prstGeom prst="rect">
+            <a:avLst/>
+          </a:prstGeom>
+        </p:spPr>
+        <p:txBody>
+          <a:bodyPr vert="horz" lIns="91440" tIns="45720" rIns="91440" bIns="45720" rtlCol="0"/>
+          <a:lstStyle>
+            <a:lvl1pPr algn="l">
+              <a:defRPr sz="1200"/>
+            </a:lvl1pPr>
+          </a:lstStyle>
+          <a:p>
+            <a:endParaRPr lang="zh-CN" altLang="en-US"/>
+          </a:p>
+        </p:txBody>
+      </p:sp>
+      <p:sp>
+        <p:nvSpPr>
+          <p:cNvPr id="3" name="日期占位符 2"/>
+          <p:cNvSpPr>
+            <a:spLocks noGrp="1"/>
+          </p:cNvSpPr>
+          <p:nvPr>
+            <p:ph type="dt" idx="1"/>
+          </p:nvPr>
+        </p:nvSpPr>
+        <p:spPr>
+          <a:xfrm>
+            <a:off x="3884613" y="0"/>
+            <a:ext cx="2971800" cy="458788"/>
+          </a:xfrm>
+          <a:prstGeom prst="rect">
+            <a:avLst/>
+          </a:prstGeom>
+        </p:spPr>
+        <p:txBody>
+          <a:bodyPr vert="horz" lIns="91440" tIns="45720" rIns="91440" bIns="45720" rtlCol="0"/>
+          <a:lstStyle>
+            <a:lvl1pPr algn="r">
+              <a:defRPr sz="1200"/>
+            </a:lvl1pPr>
+          </a:lstStyle>
+          <a:p>
+            <a:fld id="{D2A48B96-639E-45A3-A0BA-2464DFDB1FAA}" type="datetimeFigureOut">
+              <a:rPr lang="zh-CN" altLang="en-US" smtClean="0"/>
+            </a:fld>
+            <a:endParaRPr lang="zh-CN" altLang="en-US"/>
+          </a:p>
+        </p:txBody>
+      </p:sp>
+      <p:sp>
+        <p:nvSpPr>
+          <p:cNvPr id="4" name="幻灯片图像占位符 3"/>
+          <p:cNvSpPr>
+            <a:spLocks noGrp="1" noRot="1" noChangeAspect="1"/>
+          </p:cNvSpPr>
+          <p:nvPr>
+            <p:ph type="sldImg" idx="2"/>
+          </p:nvPr>
+        </p:nvSpPr>
+        <p:spPr>
+          <a:xfrm>
+            <a:off x="685800" y="1143000"/>
+            <a:ext cx="5486400" cy="3086100"/>
+          </a:xfrm>
+          <a:prstGeom prst="rect">
+            <a:avLst/>
+          </a:prstGeom>
+          <a:noFill/>
+          <a:ln w="12700">
+            <a:solidFill>
+              <a:prstClr val="black"/>
+            </a:solidFill>
+          </a:ln>
+        </p:spPr>
+        <p:txBody>
+          <a:bodyPr vert="horz" lIns="91440" tIns="45720" rIns="91440" bIns="45720" rtlCol="0" anchor="ctr"/>
+          <a:lstStyle/>
+          <a:p>
+            <a:endParaRPr lang="zh-CN" altLang="en-US"/>
+          </a:p>
+        </p:txBody>
+      </p:sp>
+      <p:sp>
+        <p:nvSpPr>
+          <p:cNvPr id="5" name="备注占位符 4"/>
+          <p:cNvSpPr>
+            <a:spLocks noGrp="1"/>
+          </p:cNvSpPr>
+          <p:nvPr>
+            <p:ph type="body" sz="quarter" idx="3"/>
+          </p:nvPr>
+        </p:nvSpPr>
+        <p:spPr>
+          <a:xfrm>
+            <a:off x="685800" y="4400550"/>
+            <a:ext cx="5486400" cy="3600450"/>
+          </a:xfrm>
+          <a:prstGeom prst="rect">
+            <a:avLst/>
+          </a:prstGeom>
+        </p:spPr>
+        <p:txBody>
+          <a:bodyPr vert="horz" lIns="91440" tIns="45720" rIns="91440" bIns="45720" rtlCol="0"/>
+          <a:lstStyle/>
+          <a:p>
+            <a:pPr lvl="0"/>
+            <a:r>
+              <a:rPr lang="zh-CN" altLang="en-US" smtClean="0"/>
+              <a:t>单击此处编辑母版文本样式</a:t>
+            </a:r>
+            <a:endParaRPr lang="zh-CN" altLang="en-US" smtClean="0"/>
+          </a:p>
+          <a:p>
+            <a:pPr lvl="1"/>
+            <a:r>
+              <a:rPr lang="zh-CN" altLang="en-US" smtClean="0"/>
+              <a:t>第二级</a:t>
+            </a:r>
+            <a:endParaRPr lang="zh-CN" altLang="en-US" smtClean="0"/>
+          </a:p>
+          <a:p>
+            <a:pPr lvl="2"/>
+            <a:r>
+              <a:rPr lang="zh-CN" altLang="en-US" smtClean="0"/>
+              <a:t>第三级</a:t>
+            </a:r>
+            <a:endParaRPr lang="zh-CN" altLang="en-US" smtClean="0"/>
+          </a:p>
+          <a:p>
+            <a:pPr lvl="3"/>
+            <a:r>
+              <a:rPr lang="zh-CN" altLang="en-US" smtClean="0"/>
+              <a:t>第四级</a:t>
+            </a:r>
+            <a:endParaRPr lang="zh-CN" altLang="en-US" smtClean="0"/>
+          </a:p>
+          <a:p>
+            <a:pPr lvl="4"/>
+            <a:r>
+              <a:rPr lang="zh-CN" altLang="en-US" smtClean="0"/>
+              <a:t>第五级</a:t>
+            </a:r>
+            <a:endParaRPr lang="zh-CN" altLang="en-US"/>
+          </a:p>
+        </p:txBody>
+      </p:sp>
+      <p:sp>
+        <p:nvSpPr>
+          <p:cNvPr id="6" name="页脚占位符 5"/>
+          <p:cNvSpPr>
+            <a:spLocks noGrp="1"/>
+          </p:cNvSpPr>
+          <p:nvPr>
+            <p:ph type="ftr" sz="quarter" idx="4"/>
+          </p:nvPr>
+        </p:nvSpPr>
+        <p:spPr>
+          <a:xfrm>
+            <a:off x="0" y="8685213"/>
+            <a:ext cx="2971800" cy="458787"/>
+          </a:xfrm>
+          <a:prstGeom prst="rect">
+            <a:avLst/>
+          </a:prstGeom>
+        </p:spPr>
+        <p:txBody>
+          <a:bodyPr vert="horz" lIns="91440" tIns="45720" rIns="91440" bIns="45720" rtlCol="0" anchor="b"/>
+          <a:lstStyle>
+            <a:lvl1pPr algn="l">
+              <a:defRPr sz="1200"/>
+            </a:lvl1pPr>
+          </a:lstStyle>
+          <a:p>
+            <a:endParaRPr lang="zh-CN" altLang="en-US"/>
+          </a:p>
+        </p:txBody>
+      </p:sp>
+      <p:sp>
+        <p:nvSpPr>
+          <p:cNvPr id="7" name="灯片编号占位符 6"/>
+          <p:cNvSpPr>
+            <a:spLocks noGrp="1"/>
+          </p:cNvSpPr>
+          <p:nvPr>
+            <p:ph type="sldNum" sz="quarter" idx="5"/>
+          </p:nvPr>
+        </p:nvSpPr>
+        <p:spPr>
+          <a:xfrm>
+            <a:off x="3884613" y="8685213"/>
+            <a:ext cx="2971800" cy="458787"/>
+          </a:xfrm>
+          <a:prstGeom prst="rect">
+            <a:avLst/>
+          </a:prstGeom>
+        </p:spPr>
+        <p:txBody>
+          <a:bodyPr vert="horz" lIns="91440" tIns="45720" rIns="91440" bIns="45720" rtlCol="0" anchor="b"/>
+          <a:lstStyle>
+            <a:lvl1pPr algn="r">
+              <a:defRPr sz="1200"/>
+            </a:lvl1pPr>
+          </a:lstStyle>
+          <a:p>
+            <a:fld id="{A6837353-30EB-4A48-80EB-173D804AEFBD}" type="slidenum">
+              <a:rPr lang="zh-CN" altLang="en-US" smtClean="0"/>
+            </a:fld>
+            <a:endParaRPr lang="zh-CN" altLang="en-US"/>
+          </a:p>
+        </p:txBody>
+      </p:sp>
+    </p:spTree>
+  </p:cSld>
+  <p:clrMap bg1="lt1" tx1="dk1" bg2="lt2" tx2="dk2" accent1="accent1" accent2="accent2" accent3="accent3" accent4="accent4" accent5="accent5" accent6="accent6" hlink="hlink" folHlink="folHlink"/>
+  <p:notesStyle>
+    <a:lvl1pPr marL="0" algn="l" defTabSz="914400" rtl="0" eaLnBrk="1" latinLnBrk="0" hangingPunct="1">
+      <a:defRPr sz="1200" kern="1200">
+        <a:solidFill>
+          <a:schemeClr val="tx1"/>
+        </a:solidFill>
+        <a:latin typeface="+mn-lt"/>
+        <a:ea typeface="+mn-ea"/>
+        <a:cs typeface="+mn-cs"/>
+      </a:defRPr>
+    </a:lvl1pPr>
+    <a:lvl2pPr marL="457200" algn="l" defTabSz="914400" rtl="0" eaLnBrk="1" latinLnBrk="0" hangingPunct="1">
+      <a:defRPr sz="1200" kern="1200">
+        <a:solidFill>
+          <a:schemeClr val="tx1"/>
+        </a:solidFill>
+        <a:latin typeface="+mn-lt"/>
+        <a:ea typeface="+mn-ea"/>
+        <a:cs typeface="+mn-cs"/>
+      </a:defRPr>
+    </a:lvl2pPr>
+    <a:lvl3pPr marL="914400" algn="l" defTabSz="914400" rtl="0" eaLnBrk="1" latinLnBrk="0" hangingPunct="1">
+      <a:defRPr sz="1200" kern="1200">
+        <a:solidFill>
+          <a:schemeClr val="tx1"/>
+        </a:solidFill>
+        <a:latin typeface="+mn-lt"/>
+        <a:ea typeface="+mn-ea"/>
+        <a:cs typeface="+mn-cs"/>
+      </a:defRPr>
+    </a:lvl3pPr>
+    <a:lvl4pPr marL="1371600" algn="l" defTabSz="914400" rtl="0" eaLnBrk="1" latinLnBrk="0" hangingPunct="1">
+      <a:defRPr sz="1200" kern="1200">
+        <a:solidFill>
+          <a:schemeClr val="tx1"/>
+        </a:solidFill>
+        <a:latin typeface="+mn-lt"/>
+        <a:ea typeface="+mn-ea"/>
+        <a:cs typeface="+mn-cs"/>
+      </a:defRPr>
+    </a:lvl4pPr>
+    <a:lvl5pPr marL="1828800" algn="l" defTabSz="914400" rtl="0" eaLnBrk="1" latinLnBrk="0" hangingPunct="1">
+      <a:defRPr sz="1200" kern="1200">
+        <a:solidFill>
+          <a:schemeClr val="tx1"/>
+        </a:solidFill>
+        <a:latin typeface="+mn-lt"/>
+        <a:ea typeface="+mn-ea"/>
+        <a:cs typeface="+mn-cs"/>
+      </a:defRPr>
+    </a:lvl5pPr>
+    <a:lvl6pPr marL="2286000" algn="l" defTabSz="914400" rtl="0" eaLnBrk="1" latinLnBrk="0" hangingPunct="1">
+      <a:defRPr sz="1200" kern="1200">
+        <a:solidFill>
+          <a:schemeClr val="tx1"/>
+        </a:solidFill>
+        <a:latin typeface="+mn-lt"/>
+        <a:ea typeface="+mn-ea"/>
+        <a:cs typeface="+mn-cs"/>
+      </a:defRPr>
+    </a:lvl6pPr>
+    <a:lvl7pPr marL="2743200" algn="l" defTabSz="914400" rtl="0" eaLnBrk="1" latinLnBrk="0" hangingPunct="1">
+      <a:defRPr sz="1200" kern="1200">
+        <a:solidFill>
+          <a:schemeClr val="tx1"/>
+        </a:solidFill>
+        <a:latin typeface="+mn-lt"/>
+        <a:ea typeface="+mn-ea"/>
+        <a:cs typeface="+mn-cs"/>
+      </a:defRPr>
+    </a:lvl7pPr>
+    <a:lvl8pPr marL="3200400" algn="l" defTabSz="914400" rtl="0" eaLnBrk="1" latinLnBrk="0" hangingPunct="1">
+      <a:defRPr sz="1200" kern="1200">
+        <a:solidFill>
+          <a:schemeClr val="tx1"/>
+        </a:solidFill>
+        <a:latin typeface="+mn-lt"/>
+        <a:ea typeface="+mn-ea"/>
+        <a:cs typeface="+mn-cs"/>
+      </a:defRPr>
+    </a:lvl8pPr>
+    <a:lvl9pPr marL="3657600" algn="l" defTabSz="914400" rtl="0" eaLnBrk="1" latinLnBrk="0" hangingPunct="1">
+      <a:defRPr sz="1200" kern="1200">
+        <a:solidFill>
+          <a:schemeClr val="tx1"/>
+        </a:solidFill>
+        <a:latin typeface="+mn-lt"/>
+        <a:ea typeface="+mn-ea"/>
+        <a:cs typeface="+mn-cs"/>
+      </a:defRPr>
+    </a:lvl9pPr>
+  </p:notesStyle>
+</p:notesMaster>
 </file>
 
 <file path=ppt/slideLayouts/slideLayout1.xml><?xml version="1.0" encoding="utf-8"?>
@@ -3175,6 +3697,118 @@
           <a:p>
             <a:r>
               <a:rPr lang="en-US" altLang="zh-CN"/>
+              <a:t>Install</a:t>
+            </a:r>
+            <a:endParaRPr lang="en-US" altLang="zh-CN"/>
+          </a:p>
+        </p:txBody>
+      </p:sp>
+      <p:sp>
+        <p:nvSpPr>
+          <p:cNvPr id="3" name="内容占位符 2"/>
+          <p:cNvSpPr>
+            <a:spLocks noGrp="1"/>
+          </p:cNvSpPr>
+          <p:nvPr>
+            <p:ph idx="1"/>
+          </p:nvPr>
+        </p:nvSpPr>
+        <p:spPr/>
+        <p:txBody>
+          <a:bodyPr/>
+          <a:p>
+            <a:r>
+              <a:rPr lang="en-US" altLang="zh-CN"/>
+              <a:t>Reference</a:t>
+            </a:r>
+            <a:endParaRPr lang="en-US" altLang="zh-CN"/>
+          </a:p>
+          <a:p>
+            <a:pPr lvl="1"/>
+            <a:r>
+              <a:rPr lang="en-US" altLang="zh-CN"/>
+              <a:t>https://docs.spring.io/spring-boot/docs/current-SNAPSHOT/reference/html/getting-started.html</a:t>
+            </a:r>
+            <a:endParaRPr lang="en-US" altLang="zh-CN"/>
+          </a:p>
+          <a:p>
+            <a:r>
+              <a:rPr lang="en-US" altLang="zh-CN"/>
+              <a:t>Install</a:t>
+            </a:r>
+            <a:endParaRPr lang="en-US" altLang="zh-CN"/>
+          </a:p>
+          <a:p>
+            <a:pPr lvl="1"/>
+            <a:r>
+              <a:rPr lang="en-US" altLang="zh-CN"/>
+              <a:t>maven</a:t>
+            </a:r>
+            <a:endParaRPr lang="en-US" altLang="zh-CN"/>
+          </a:p>
+          <a:p>
+            <a:pPr lvl="1"/>
+            <a:r>
+              <a:rPr lang="en-US" altLang="zh-CN"/>
+              <a:t>gradle</a:t>
+            </a:r>
+            <a:endParaRPr lang="en-US" altLang="zh-CN"/>
+          </a:p>
+          <a:p>
+            <a:pPr lvl="1"/>
+            <a:r>
+              <a:rPr lang="en-US" altLang="zh-CN"/>
+              <a:t>Spring Boot CLI</a:t>
+            </a:r>
+            <a:endParaRPr lang="en-US" altLang="zh-CN"/>
+          </a:p>
+          <a:p>
+            <a:pPr lvl="2"/>
+            <a:r>
+              <a:rPr lang="en-US" altLang="zh-CN"/>
+              <a:t>spring --version</a:t>
+            </a:r>
+            <a:endParaRPr lang="en-US" altLang="zh-CN"/>
+          </a:p>
+        </p:txBody>
+      </p:sp>
+    </p:spTree>
+    <p:custDataLst>
+      <p:tags r:id="rId1"/>
+    </p:custDataLst>
+  </p:cSld>
+  <p:clrMapOvr>
+    <a:masterClrMapping/>
+  </p:clrMapOvr>
+</p:sld>
+</file>
+
+<file path=ppt/slides/slide11.xml><?xml version="1.0" encoding="utf-8"?>
+<p:sld xmlns:a="http://schemas.openxmlformats.org/drawingml/2006/main" xmlns:r="http://schemas.openxmlformats.org/officeDocument/2006/relationships" xmlns:p="http://schemas.openxmlformats.org/presentationml/2006/main">
+  <p:cSld>
+    <p:spTree>
+      <p:nvGrpSpPr>
+        <p:cNvPr id="1" name=""/>
+        <p:cNvGrpSpPr/>
+        <p:nvPr/>
+      </p:nvGrpSpPr>
+      <p:grpSpPr/>
+      <p:sp>
+        <p:nvSpPr>
+          <p:cNvPr id="2" name="标题 1"/>
+          <p:cNvSpPr>
+            <a:spLocks noGrp="1"/>
+          </p:cNvSpPr>
+          <p:nvPr>
+            <p:ph type="title"/>
+          </p:nvPr>
+        </p:nvSpPr>
+        <p:spPr/>
+        <p:txBody>
+          <a:bodyPr/>
+          <a:p>
+            <a:r>
+              <a:rPr lang="en-US" altLang="zh-CN"/>
               <a:t>First App</a:t>
             </a:r>
             <a:endParaRPr lang="en-US" altLang="zh-CN"/>
@@ -3252,6 +3886,837 @@
             <a:r>
               <a:rPr lang="en-US" altLang="zh-CN"/>
               <a:t>Run “mvn spring-boot:run”</a:t>
+            </a:r>
+            <a:endParaRPr lang="en-US" altLang="zh-CN"/>
+          </a:p>
+        </p:txBody>
+      </p:sp>
+    </p:spTree>
+    <p:custDataLst>
+      <p:tags r:id="rId1"/>
+    </p:custDataLst>
+  </p:cSld>
+  <p:clrMapOvr>
+    <a:masterClrMapping/>
+  </p:clrMapOvr>
+</p:sld>
+</file>
+
+<file path=ppt/slides/slide12.xml><?xml version="1.0" encoding="utf-8"?>
+<p:sld xmlns:a="http://schemas.openxmlformats.org/drawingml/2006/main" xmlns:r="http://schemas.openxmlformats.org/officeDocument/2006/relationships" xmlns:p="http://schemas.openxmlformats.org/presentationml/2006/main">
+  <p:cSld>
+    <p:spTree>
+      <p:nvGrpSpPr>
+        <p:cNvPr id="1" name=""/>
+        <p:cNvGrpSpPr/>
+        <p:nvPr/>
+      </p:nvGrpSpPr>
+      <p:grpSpPr/>
+      <p:sp>
+        <p:nvSpPr>
+          <p:cNvPr id="4" name="标题 3"/>
+          <p:cNvSpPr>
+            <a:spLocks noGrp="1"/>
+          </p:cNvSpPr>
+          <p:nvPr>
+            <p:ph type="title"/>
+          </p:nvPr>
+        </p:nvSpPr>
+        <p:spPr/>
+        <p:txBody>
+          <a:bodyPr/>
+          <a:p>
+            <a:r>
+              <a:rPr lang="en-US" altLang="zh-CN"/>
+              <a:t>DB</a:t>
+            </a:r>
+            <a:endParaRPr lang="en-US" altLang="zh-CN"/>
+          </a:p>
+        </p:txBody>
+      </p:sp>
+      <p:sp>
+        <p:nvSpPr>
+          <p:cNvPr id="5" name="文本占位符 4"/>
+          <p:cNvSpPr>
+            <a:spLocks noGrp="1"/>
+          </p:cNvSpPr>
+          <p:nvPr>
+            <p:ph type="body" idx="1"/>
+          </p:nvPr>
+        </p:nvSpPr>
+        <p:spPr/>
+        <p:txBody>
+          <a:bodyPr/>
+          <a:p>
+            <a:endParaRPr lang="zh-CN" altLang="en-US"/>
+          </a:p>
+        </p:txBody>
+      </p:sp>
+    </p:spTree>
+    <p:custDataLst>
+      <p:tags r:id="rId1"/>
+    </p:custDataLst>
+  </p:cSld>
+  <p:clrMapOvr>
+    <a:masterClrMapping/>
+  </p:clrMapOvr>
+</p:sld>
+</file>
+
+<file path=ppt/slides/slide13.xml><?xml version="1.0" encoding="utf-8"?>
+<p:sld xmlns:a="http://schemas.openxmlformats.org/drawingml/2006/main" xmlns:r="http://schemas.openxmlformats.org/officeDocument/2006/relationships" xmlns:p="http://schemas.openxmlformats.org/presentationml/2006/main">
+  <p:cSld>
+    <p:spTree>
+      <p:nvGrpSpPr>
+        <p:cNvPr id="1" name=""/>
+        <p:cNvGrpSpPr/>
+        <p:nvPr/>
+      </p:nvGrpSpPr>
+      <p:grpSpPr/>
+      <p:sp>
+        <p:nvSpPr>
+          <p:cNvPr id="4" name="标题 3"/>
+          <p:cNvSpPr>
+            <a:spLocks noGrp="1"/>
+          </p:cNvSpPr>
+          <p:nvPr>
+            <p:ph type="title"/>
+          </p:nvPr>
+        </p:nvSpPr>
+        <p:spPr/>
+        <p:txBody>
+          <a:bodyPr/>
+          <a:p>
+            <a:r>
+              <a:rPr lang="en-US" altLang="zh-CN"/>
+              <a:t>Structure</a:t>
+            </a:r>
+            <a:endParaRPr lang="en-US" altLang="zh-CN"/>
+          </a:p>
+        </p:txBody>
+      </p:sp>
+      <p:sp>
+        <p:nvSpPr>
+          <p:cNvPr id="6" name="矩形 5"/>
+          <p:cNvSpPr/>
+          <p:nvPr/>
+        </p:nvSpPr>
+        <p:spPr>
+          <a:xfrm>
+            <a:off x="2666365" y="1743710"/>
+            <a:ext cx="2804795" cy="513080"/>
+          </a:xfrm>
+          <a:prstGeom prst="rect">
+            <a:avLst/>
+          </a:prstGeom>
+        </p:spPr>
+        <p:style>
+          <a:lnRef idx="2">
+            <a:schemeClr val="accent1">
+              <a:shade val="50000"/>
+            </a:schemeClr>
+          </a:lnRef>
+          <a:fillRef idx="1">
+            <a:schemeClr val="accent1"/>
+          </a:fillRef>
+          <a:effectRef idx="0">
+            <a:schemeClr val="accent1"/>
+          </a:effectRef>
+          <a:fontRef idx="minor">
+            <a:schemeClr val="lt1"/>
+          </a:fontRef>
+        </p:style>
+        <p:txBody>
+          <a:bodyPr rtlCol="0" anchor="ctr"/>
+          <a:p>
+            <a:pPr algn="ctr"/>
+            <a:r>
+              <a:rPr lang="en-US" altLang="zh-CN"/>
+              <a:t>dao</a:t>
+            </a:r>
+            <a:endParaRPr lang="en-US" altLang="zh-CN"/>
+          </a:p>
+        </p:txBody>
+      </p:sp>
+      <p:sp>
+        <p:nvSpPr>
+          <p:cNvPr id="7" name="矩形 6"/>
+          <p:cNvSpPr/>
+          <p:nvPr/>
+        </p:nvSpPr>
+        <p:spPr>
+          <a:xfrm>
+            <a:off x="2640330" y="2667000"/>
+            <a:ext cx="2804795" cy="513080"/>
+          </a:xfrm>
+          <a:prstGeom prst="rect">
+            <a:avLst/>
+          </a:prstGeom>
+        </p:spPr>
+        <p:style>
+          <a:lnRef idx="2">
+            <a:schemeClr val="accent1">
+              <a:shade val="50000"/>
+            </a:schemeClr>
+          </a:lnRef>
+          <a:fillRef idx="1">
+            <a:schemeClr val="accent1"/>
+          </a:fillRef>
+          <a:effectRef idx="0">
+            <a:schemeClr val="accent1"/>
+          </a:effectRef>
+          <a:fontRef idx="minor">
+            <a:schemeClr val="lt1"/>
+          </a:fontRef>
+        </p:style>
+        <p:txBody>
+          <a:bodyPr rtlCol="0" anchor="ctr"/>
+          <a:p>
+            <a:pPr algn="ctr"/>
+            <a:r>
+              <a:rPr lang="en-US" altLang="zh-CN"/>
+              <a:t>mapping</a:t>
+            </a:r>
+            <a:endParaRPr lang="en-US" altLang="zh-CN"/>
+          </a:p>
+        </p:txBody>
+      </p:sp>
+      <p:sp>
+        <p:nvSpPr>
+          <p:cNvPr id="8" name="矩形 7"/>
+          <p:cNvSpPr/>
+          <p:nvPr/>
+        </p:nvSpPr>
+        <p:spPr>
+          <a:xfrm>
+            <a:off x="2666365" y="3582035"/>
+            <a:ext cx="2804795" cy="513080"/>
+          </a:xfrm>
+          <a:prstGeom prst="rect">
+            <a:avLst/>
+          </a:prstGeom>
+        </p:spPr>
+        <p:style>
+          <a:lnRef idx="2">
+            <a:schemeClr val="accent1">
+              <a:shade val="50000"/>
+            </a:schemeClr>
+          </a:lnRef>
+          <a:fillRef idx="1">
+            <a:schemeClr val="accent1"/>
+          </a:fillRef>
+          <a:effectRef idx="0">
+            <a:schemeClr val="accent1"/>
+          </a:effectRef>
+          <a:fontRef idx="minor">
+            <a:schemeClr val="lt1"/>
+          </a:fontRef>
+        </p:style>
+        <p:txBody>
+          <a:bodyPr rtlCol="0" anchor="ctr"/>
+          <a:p>
+            <a:pPr algn="ctr"/>
+            <a:r>
+              <a:rPr lang="en-US" altLang="zh-CN"/>
+              <a:t>pojo</a:t>
+            </a:r>
+            <a:endParaRPr lang="en-US" altLang="zh-CN"/>
+          </a:p>
+        </p:txBody>
+      </p:sp>
+      <p:sp>
+        <p:nvSpPr>
+          <p:cNvPr id="9" name="左大括号 8"/>
+          <p:cNvSpPr/>
+          <p:nvPr/>
+        </p:nvSpPr>
+        <p:spPr>
+          <a:xfrm>
+            <a:off x="2025650" y="2025650"/>
+            <a:ext cx="443230" cy="1906905"/>
+          </a:xfrm>
+          <a:prstGeom prst="leftBrace">
+            <a:avLst/>
+          </a:prstGeom>
+        </p:spPr>
+        <p:style>
+          <a:lnRef idx="1">
+            <a:schemeClr val="accent1"/>
+          </a:lnRef>
+          <a:fillRef idx="0">
+            <a:schemeClr val="accent1"/>
+          </a:fillRef>
+          <a:effectRef idx="0">
+            <a:schemeClr val="accent1"/>
+          </a:effectRef>
+          <a:fontRef idx="minor">
+            <a:schemeClr val="tx1"/>
+          </a:fontRef>
+        </p:style>
+        <p:txBody>
+          <a:bodyPr rtlCol="0" anchor="ctr"/>
+          <a:p>
+            <a:pPr algn="ctr"/>
+            <a:endParaRPr lang="zh-CN" altLang="en-US"/>
+          </a:p>
+        </p:txBody>
+      </p:sp>
+      <p:sp>
+        <p:nvSpPr>
+          <p:cNvPr id="10" name="文本框 9"/>
+          <p:cNvSpPr txBox="1"/>
+          <p:nvPr/>
+        </p:nvSpPr>
+        <p:spPr>
+          <a:xfrm>
+            <a:off x="6155690" y="1816100"/>
+            <a:ext cx="4292600" cy="368300"/>
+          </a:xfrm>
+          <a:prstGeom prst="rect">
+            <a:avLst/>
+          </a:prstGeom>
+          <a:noFill/>
+        </p:spPr>
+        <p:txBody>
+          <a:bodyPr wrap="square" rtlCol="0">
+            <a:spAutoFit/>
+          </a:bodyPr>
+          <a:p>
+            <a:r>
+              <a:rPr lang="en-US" altLang="zh-CN"/>
+              <a:t>define mapper functions</a:t>
+            </a:r>
+            <a:endParaRPr lang="en-US" altLang="zh-CN"/>
+          </a:p>
+        </p:txBody>
+      </p:sp>
+      <p:sp>
+        <p:nvSpPr>
+          <p:cNvPr id="11" name="文本框 10"/>
+          <p:cNvSpPr txBox="1"/>
+          <p:nvPr/>
+        </p:nvSpPr>
+        <p:spPr>
+          <a:xfrm>
+            <a:off x="6189980" y="3654425"/>
+            <a:ext cx="4292600" cy="368300"/>
+          </a:xfrm>
+          <a:prstGeom prst="rect">
+            <a:avLst/>
+          </a:prstGeom>
+          <a:noFill/>
+        </p:spPr>
+        <p:txBody>
+          <a:bodyPr wrap="square" rtlCol="0">
+            <a:spAutoFit/>
+          </a:bodyPr>
+          <a:p>
+            <a:r>
+              <a:rPr lang="en-US" altLang="zh-CN"/>
+              <a:t>define java object</a:t>
+            </a:r>
+            <a:endParaRPr lang="en-US" altLang="zh-CN"/>
+          </a:p>
+        </p:txBody>
+      </p:sp>
+      <p:sp>
+        <p:nvSpPr>
+          <p:cNvPr id="12" name="文本框 11"/>
+          <p:cNvSpPr txBox="1"/>
+          <p:nvPr/>
+        </p:nvSpPr>
+        <p:spPr>
+          <a:xfrm>
+            <a:off x="6155690" y="2794635"/>
+            <a:ext cx="4292600" cy="645160"/>
+          </a:xfrm>
+          <a:prstGeom prst="rect">
+            <a:avLst/>
+          </a:prstGeom>
+          <a:noFill/>
+        </p:spPr>
+        <p:txBody>
+          <a:bodyPr wrap="square" rtlCol="0">
+            <a:spAutoFit/>
+          </a:bodyPr>
+          <a:p>
+            <a:r>
+              <a:rPr lang="en-US" altLang="zh-CN"/>
+              <a:t>define mapping between pojo and SQL statements</a:t>
+            </a:r>
+            <a:endParaRPr lang="en-US" altLang="zh-CN"/>
+          </a:p>
+        </p:txBody>
+      </p:sp>
+    </p:spTree>
+    <p:custDataLst>
+      <p:tags r:id="rId1"/>
+    </p:custDataLst>
+  </p:cSld>
+  <p:clrMapOvr>
+    <a:masterClrMapping/>
+  </p:clrMapOvr>
+</p:sld>
+</file>
+
+<file path=ppt/slides/slide14.xml><?xml version="1.0" encoding="utf-8"?>
+<p:sld xmlns:a="http://schemas.openxmlformats.org/drawingml/2006/main" xmlns:r="http://schemas.openxmlformats.org/officeDocument/2006/relationships" xmlns:p="http://schemas.openxmlformats.org/presentationml/2006/main">
+  <p:cSld>
+    <p:spTree>
+      <p:nvGrpSpPr>
+        <p:cNvPr id="1" name=""/>
+        <p:cNvGrpSpPr/>
+        <p:nvPr/>
+      </p:nvGrpSpPr>
+      <p:grpSpPr/>
+      <p:sp>
+        <p:nvSpPr>
+          <p:cNvPr id="4" name="标题 3"/>
+          <p:cNvSpPr>
+            <a:spLocks noGrp="1"/>
+          </p:cNvSpPr>
+          <p:nvPr>
+            <p:ph type="title"/>
+          </p:nvPr>
+        </p:nvSpPr>
+        <p:spPr/>
+        <p:txBody>
+          <a:bodyPr/>
+          <a:p>
+            <a:r>
+              <a:rPr lang="en-US" altLang="zh-CN"/>
+              <a:t>Pojo (Plain Old Java Object)</a:t>
+            </a:r>
+            <a:endParaRPr lang="en-US" altLang="zh-CN"/>
+          </a:p>
+        </p:txBody>
+      </p:sp>
+      <p:sp>
+        <p:nvSpPr>
+          <p:cNvPr id="5" name="内容占位符 4"/>
+          <p:cNvSpPr>
+            <a:spLocks noGrp="1"/>
+          </p:cNvSpPr>
+          <p:nvPr>
+            <p:ph idx="1"/>
+          </p:nvPr>
+        </p:nvSpPr>
+        <p:spPr/>
+        <p:txBody>
+          <a:bodyPr/>
+          <a:p>
+            <a:r>
+              <a:rPr lang="en-US" altLang="zh-CN"/>
+              <a:t>A Pojo class</a:t>
+            </a:r>
+            <a:endParaRPr lang="en-US" altLang="zh-CN"/>
+          </a:p>
+          <a:p>
+            <a:pPr lvl="1"/>
+            <a:r>
+              <a:rPr lang="en-US" altLang="zh-CN"/>
+              <a:t>contains variables and their getters and setters</a:t>
+            </a:r>
+            <a:endParaRPr lang="en-US" altLang="zh-CN"/>
+          </a:p>
+          <a:p>
+            <a:pPr lvl="0"/>
+            <a:r>
+              <a:rPr lang="en-US" altLang="zh-CN"/>
+              <a:t>References</a:t>
+            </a:r>
+            <a:endParaRPr lang="en-US" altLang="zh-CN"/>
+          </a:p>
+          <a:p>
+            <a:pPr lvl="1"/>
+            <a:r>
+              <a:rPr lang="en-US" altLang="zh-CN"/>
+              <a:t>https://www.javatpoint.com/pojo-in-java</a:t>
+            </a:r>
+            <a:endParaRPr lang="en-US" altLang="zh-CN"/>
+          </a:p>
+        </p:txBody>
+      </p:sp>
+    </p:spTree>
+    <p:custDataLst>
+      <p:tags r:id="rId1"/>
+    </p:custDataLst>
+  </p:cSld>
+  <p:clrMapOvr>
+    <a:masterClrMapping/>
+  </p:clrMapOvr>
+</p:sld>
+</file>
+
+<file path=ppt/slides/slide15.xml><?xml version="1.0" encoding="utf-8"?>
+<p:sld xmlns:a="http://schemas.openxmlformats.org/drawingml/2006/main" xmlns:r="http://schemas.openxmlformats.org/officeDocument/2006/relationships" xmlns:p="http://schemas.openxmlformats.org/presentationml/2006/main">
+  <p:cSld>
+    <p:spTree>
+      <p:nvGrpSpPr>
+        <p:cNvPr id="1" name=""/>
+        <p:cNvGrpSpPr/>
+        <p:nvPr/>
+      </p:nvGrpSpPr>
+      <p:grpSpPr/>
+      <p:sp>
+        <p:nvSpPr>
+          <p:cNvPr id="4" name="标题 3"/>
+          <p:cNvSpPr>
+            <a:spLocks noGrp="1"/>
+          </p:cNvSpPr>
+          <p:nvPr>
+            <p:ph type="title"/>
+          </p:nvPr>
+        </p:nvSpPr>
+        <p:spPr/>
+        <p:txBody>
+          <a:bodyPr/>
+          <a:p>
+            <a:r>
+              <a:rPr lang="en-US" altLang="zh-CN"/>
+              <a:t>MyBatis</a:t>
+            </a:r>
+            <a:endParaRPr lang="en-US" altLang="zh-CN"/>
+          </a:p>
+        </p:txBody>
+      </p:sp>
+      <p:sp>
+        <p:nvSpPr>
+          <p:cNvPr id="5" name="内容占位符 4"/>
+          <p:cNvSpPr>
+            <a:spLocks noGrp="1"/>
+          </p:cNvSpPr>
+          <p:nvPr>
+            <p:ph idx="1"/>
+          </p:nvPr>
+        </p:nvSpPr>
+        <p:spPr/>
+        <p:txBody>
+          <a:bodyPr>
+            <a:normAutofit lnSpcReduction="10000"/>
+          </a:bodyPr>
+          <a:p>
+            <a:r>
+              <a:rPr lang="en-US" altLang="zh-CN"/>
+              <a:t>Intro</a:t>
+            </a:r>
+            <a:endParaRPr lang="en-US" altLang="zh-CN"/>
+          </a:p>
+          <a:p>
+            <a:pPr lvl="1"/>
+            <a:r>
+              <a:rPr lang="en-US" altLang="zh-CN"/>
+              <a:t>an open source, lightweight, persistence framework</a:t>
+            </a:r>
+            <a:endParaRPr lang="en-US" altLang="zh-CN"/>
+          </a:p>
+          <a:p>
+            <a:pPr lvl="1"/>
+            <a:r>
+              <a:rPr lang="en-US" altLang="zh-CN"/>
+              <a:t>automates the mapping among SQL databases and objects in Java, .NET, and Ruby on Rails.</a:t>
+            </a:r>
+            <a:endParaRPr lang="en-US" altLang="zh-CN"/>
+          </a:p>
+          <a:p>
+            <a:pPr lvl="1"/>
+            <a:r>
+              <a:rPr lang="en-US" altLang="zh-CN"/>
+              <a:t>an alternative to JDBC and Hibernate</a:t>
+            </a:r>
+            <a:endParaRPr lang="en-US" altLang="zh-CN"/>
+          </a:p>
+          <a:p>
+            <a:pPr lvl="0"/>
+            <a:r>
+              <a:rPr lang="en-US" altLang="zh-CN"/>
+              <a:t>Mapper XML</a:t>
+            </a:r>
+            <a:endParaRPr lang="en-US" altLang="zh-CN"/>
+          </a:p>
+          <a:p>
+            <a:pPr lvl="1"/>
+            <a:r>
+              <a:rPr lang="en-US" altLang="zh-CN"/>
+              <a:t>contains a set of statements to configure various SQL statements such as select, insert, update, and delete</a:t>
+            </a:r>
+            <a:endParaRPr lang="en-US" altLang="zh-CN"/>
+          </a:p>
+          <a:p>
+            <a:pPr lvl="1"/>
+            <a:r>
+              <a:rPr lang="en-US" altLang="zh-CN"/>
+              <a:t>in accordance with pojo</a:t>
+            </a:r>
+            <a:endParaRPr lang="en-US" altLang="zh-CN"/>
+          </a:p>
+          <a:p>
+            <a:pPr lvl="0"/>
+            <a:r>
+              <a:rPr lang="en-US" altLang="zh-CN"/>
+              <a:t>Result maps</a:t>
+            </a:r>
+            <a:endParaRPr lang="en-US" altLang="zh-CN"/>
+          </a:p>
+          <a:p>
+            <a:pPr lvl="0"/>
+            <a:r>
+              <a:rPr lang="en-US" altLang="zh-CN"/>
+              <a:t>Add a new DB column</a:t>
+            </a:r>
+            <a:endParaRPr lang="en-US" altLang="zh-CN"/>
+          </a:p>
+          <a:p>
+            <a:pPr lvl="1"/>
+            <a:r>
+              <a:rPr lang="en-US" altLang="zh-CN"/>
+              <a:t>update mapper xml</a:t>
+            </a:r>
+            <a:endParaRPr lang="en-US" altLang="zh-CN"/>
+          </a:p>
+          <a:p>
+            <a:pPr lvl="1"/>
+            <a:r>
+              <a:rPr lang="en-US" altLang="zh-CN"/>
+              <a:t>update pojo</a:t>
+            </a:r>
+            <a:endParaRPr lang="en-US" altLang="zh-CN"/>
+          </a:p>
+        </p:txBody>
+      </p:sp>
+    </p:spTree>
+    <p:custDataLst>
+      <p:tags r:id="rId1"/>
+    </p:custDataLst>
+  </p:cSld>
+  <p:clrMapOvr>
+    <a:masterClrMapping/>
+  </p:clrMapOvr>
+</p:sld>
+</file>
+
+<file path=ppt/slides/slide16.xml><?xml version="1.0" encoding="utf-8"?>
+<p:sld xmlns:a="http://schemas.openxmlformats.org/drawingml/2006/main" xmlns:r="http://schemas.openxmlformats.org/officeDocument/2006/relationships" xmlns:p="http://schemas.openxmlformats.org/presentationml/2006/main">
+  <p:cSld>
+    <p:spTree>
+      <p:nvGrpSpPr>
+        <p:cNvPr id="1" name=""/>
+        <p:cNvGrpSpPr/>
+        <p:nvPr/>
+      </p:nvGrpSpPr>
+      <p:grpSpPr/>
+      <p:sp>
+        <p:nvSpPr>
+          <p:cNvPr id="4" name="标题 3"/>
+          <p:cNvSpPr>
+            <a:spLocks noGrp="1"/>
+          </p:cNvSpPr>
+          <p:nvPr>
+            <p:ph type="title"/>
+          </p:nvPr>
+        </p:nvSpPr>
+        <p:spPr/>
+        <p:txBody>
+          <a:bodyPr/>
+          <a:p>
+            <a:r>
+              <a:rPr lang="en-US" altLang="zh-CN"/>
+              <a:t>Misc</a:t>
+            </a:r>
+            <a:endParaRPr lang="en-US" altLang="zh-CN"/>
+          </a:p>
+        </p:txBody>
+      </p:sp>
+      <p:sp>
+        <p:nvSpPr>
+          <p:cNvPr id="5" name="文本占位符 4"/>
+          <p:cNvSpPr>
+            <a:spLocks noGrp="1"/>
+          </p:cNvSpPr>
+          <p:nvPr>
+            <p:ph type="body" idx="1"/>
+          </p:nvPr>
+        </p:nvSpPr>
+        <p:spPr/>
+        <p:txBody>
+          <a:bodyPr/>
+          <a:p>
+            <a:endParaRPr lang="zh-CN" altLang="en-US"/>
+          </a:p>
+        </p:txBody>
+      </p:sp>
+    </p:spTree>
+    <p:custDataLst>
+      <p:tags r:id="rId1"/>
+    </p:custDataLst>
+  </p:cSld>
+  <p:clrMapOvr>
+    <a:masterClrMapping/>
+  </p:clrMapOvr>
+</p:sld>
+</file>
+
+<file path=ppt/slides/slide17.xml><?xml version="1.0" encoding="utf-8"?>
+<p:sld xmlns:a="http://schemas.openxmlformats.org/drawingml/2006/main" xmlns:r="http://schemas.openxmlformats.org/officeDocument/2006/relationships" xmlns:p="http://schemas.openxmlformats.org/presentationml/2006/main">
+  <p:cSld>
+    <p:spTree>
+      <p:nvGrpSpPr>
+        <p:cNvPr id="1" name=""/>
+        <p:cNvGrpSpPr/>
+        <p:nvPr/>
+      </p:nvGrpSpPr>
+      <p:grpSpPr/>
+      <p:sp>
+        <p:nvSpPr>
+          <p:cNvPr id="4" name="标题 3"/>
+          <p:cNvSpPr>
+            <a:spLocks noGrp="1"/>
+          </p:cNvSpPr>
+          <p:nvPr>
+            <p:ph type="title"/>
+          </p:nvPr>
+        </p:nvSpPr>
+        <p:spPr/>
+        <p:txBody>
+          <a:bodyPr/>
+          <a:p>
+            <a:r>
+              <a:rPr lang="en-US" altLang="zh-CN"/>
+              <a:t>Base64</a:t>
+            </a:r>
+            <a:endParaRPr lang="en-US" altLang="zh-CN"/>
+          </a:p>
+        </p:txBody>
+      </p:sp>
+      <p:sp>
+        <p:nvSpPr>
+          <p:cNvPr id="5" name="内容占位符 4"/>
+          <p:cNvSpPr>
+            <a:spLocks noGrp="1"/>
+          </p:cNvSpPr>
+          <p:nvPr>
+            <p:ph idx="1"/>
+          </p:nvPr>
+        </p:nvSpPr>
+        <p:spPr/>
+        <p:txBody>
+          <a:bodyPr/>
+          <a:p>
+            <a:r>
+              <a:rPr lang="zh-CN" altLang="en-US"/>
+              <a:t>java.util.Base64</a:t>
+            </a:r>
+            <a:endParaRPr lang="zh-CN" altLang="en-US"/>
+          </a:p>
+          <a:p>
+            <a:r>
+              <a:rPr lang="en-US" altLang="zh-CN"/>
+              <a:t>encoding</a:t>
+            </a:r>
+            <a:endParaRPr lang="en-US" altLang="zh-CN"/>
+          </a:p>
+          <a:p>
+            <a:pPr lvl="1"/>
+            <a:r>
+              <a:rPr lang="en-US" altLang="zh-CN"/>
+              <a:t>String originalInput = "test input";</a:t>
+            </a:r>
+            <a:endParaRPr lang="en-US" altLang="zh-CN"/>
+          </a:p>
+          <a:p>
+            <a:pPr lvl="1"/>
+            <a:r>
+              <a:rPr lang="en-US" altLang="zh-CN"/>
+              <a:t>String encodedString = Base64.getEncoder().encodeToString(originalInput.getBytes());</a:t>
+            </a:r>
+            <a:endParaRPr lang="en-US" altLang="zh-CN"/>
+          </a:p>
+          <a:p>
+            <a:pPr lvl="0"/>
+            <a:r>
+              <a:rPr lang="en-US" altLang="zh-CN"/>
+              <a:t>decoding</a:t>
+            </a:r>
+            <a:endParaRPr lang="en-US" altLang="zh-CN"/>
+          </a:p>
+          <a:p>
+            <a:pPr lvl="1"/>
+            <a:r>
+              <a:rPr lang="en-US" altLang="zh-CN"/>
+              <a:t>byte[] decodedBytes = Base64.getDecoder().decode(encodedString);</a:t>
+            </a:r>
+            <a:endParaRPr lang="en-US" altLang="zh-CN"/>
+          </a:p>
+          <a:p>
+            <a:pPr lvl="1"/>
+            <a:r>
+              <a:rPr lang="en-US" altLang="zh-CN"/>
+              <a:t>String decodedString = new String(decodedBytes);</a:t>
+            </a:r>
+            <a:endParaRPr lang="en-US" altLang="zh-CN"/>
+          </a:p>
+        </p:txBody>
+      </p:sp>
+    </p:spTree>
+    <p:custDataLst>
+      <p:tags r:id="rId1"/>
+    </p:custDataLst>
+  </p:cSld>
+  <p:clrMapOvr>
+    <a:masterClrMapping/>
+  </p:clrMapOvr>
+</p:sld>
+</file>
+
+<file path=ppt/slides/slide18.xml><?xml version="1.0" encoding="utf-8"?>
+<p:sld xmlns:a="http://schemas.openxmlformats.org/drawingml/2006/main" xmlns:r="http://schemas.openxmlformats.org/officeDocument/2006/relationships" xmlns:p="http://schemas.openxmlformats.org/presentationml/2006/main">
+  <p:cSld>
+    <p:spTree>
+      <p:nvGrpSpPr>
+        <p:cNvPr id="1" name=""/>
+        <p:cNvGrpSpPr/>
+        <p:nvPr/>
+      </p:nvGrpSpPr>
+      <p:grpSpPr/>
+      <p:sp>
+        <p:nvSpPr>
+          <p:cNvPr id="2" name="标题 1"/>
+          <p:cNvSpPr>
+            <a:spLocks noGrp="1"/>
+          </p:cNvSpPr>
+          <p:nvPr>
+            <p:ph type="title"/>
+          </p:nvPr>
+        </p:nvSpPr>
+        <p:spPr/>
+        <p:txBody>
+          <a:bodyPr/>
+          <a:p>
+            <a:r>
+              <a:rPr lang="en-US" altLang="zh-CN"/>
+              <a:t>Configure Tomcat as Windows Service</a:t>
+            </a:r>
+            <a:endParaRPr lang="en-US" altLang="zh-CN"/>
+          </a:p>
+        </p:txBody>
+      </p:sp>
+      <p:sp>
+        <p:nvSpPr>
+          <p:cNvPr id="3" name="内容占位符 2"/>
+          <p:cNvSpPr>
+            <a:spLocks noGrp="1"/>
+          </p:cNvSpPr>
+          <p:nvPr>
+            <p:ph idx="1"/>
+          </p:nvPr>
+        </p:nvSpPr>
+        <p:spPr/>
+        <p:txBody>
+          <a:bodyPr/>
+          <a:p>
+            <a:r>
+              <a:rPr lang="en-US" altLang="zh-CN"/>
+              <a:t>Run “bin/service.bat install”</a:t>
             </a:r>
             <a:endParaRPr lang="en-US" altLang="zh-CN"/>
           </a:p>
@@ -3422,7 +4887,9 @@
           </a:xfrm>
         </p:spPr>
         <p:txBody>
-          <a:bodyPr/>
+          <a:bodyPr>
+            <a:normAutofit fontScale="90000" lnSpcReduction="20000"/>
+          </a:bodyPr>
           <a:p>
             <a:r>
               <a:rPr lang="en-US" altLang="zh-CN"/>
@@ -3502,6 +4969,46 @@
             <a:r>
               <a:rPr lang="zh-CN" altLang="en-US"/>
               <a:t>用户配置: user.home/.m2/settings.xml</a:t>
+            </a:r>
+            <a:endParaRPr lang="zh-CN" altLang="en-US"/>
+          </a:p>
+          <a:p>
+            <a:pPr lvl="0"/>
+            <a:r>
+              <a:rPr lang="en-US" altLang="zh-CN" sz="2400"/>
+              <a:t>Build</a:t>
+            </a:r>
+            <a:endParaRPr lang="en-US" altLang="zh-CN" sz="2400"/>
+          </a:p>
+          <a:p>
+            <a:pPr lvl="1"/>
+            <a:r>
+              <a:rPr lang="en-US" altLang="zh-CN" sz="2000"/>
+              <a:t>mvn compile</a:t>
+            </a:r>
+            <a:endParaRPr lang="en-US" altLang="zh-CN" sz="2000"/>
+          </a:p>
+          <a:p>
+            <a:pPr lvl="1"/>
+            <a:r>
+              <a:rPr lang="en-US" altLang="zh-CN" sz="2000"/>
+              <a:t>mvn package</a:t>
+            </a:r>
+            <a:endParaRPr lang="en-US" altLang="zh-CN" sz="2000"/>
+          </a:p>
+          <a:p>
+            <a:pPr lvl="1"/>
+            <a:r>
+              <a:rPr lang="en-US" altLang="zh-CN" sz="2000"/>
+              <a:t>mvn clean</a:t>
+            </a:r>
+            <a:endParaRPr lang="en-US" altLang="zh-CN" sz="2000"/>
+          </a:p>
+          <a:p>
+            <a:pPr lvl="1"/>
+            <a:r>
+              <a:rPr lang="en-US" altLang="zh-CN" sz="2000"/>
+              <a:t>mvn clean package</a:t>
             </a:r>
             <a:endParaRPr lang="zh-CN" altLang="en-US"/>
           </a:p>
@@ -3934,7 +5441,7 @@
       <p:grpSpPr/>
       <p:sp>
         <p:nvSpPr>
-          <p:cNvPr id="4" name="标题 3"/>
+          <p:cNvPr id="2" name="标题 1"/>
           <p:cNvSpPr>
             <a:spLocks noGrp="1"/>
           </p:cNvSpPr>
@@ -3948,27 +5455,55 @@
           <a:p>
             <a:r>
               <a:rPr lang="en-US" altLang="zh-CN"/>
-              <a:t>Spring Boot</a:t>
-            </a:r>
-            <a:endParaRPr lang="en-US" altLang="zh-CN"/>
-          </a:p>
-        </p:txBody>
-      </p:sp>
-      <p:sp>
-        <p:nvSpPr>
-          <p:cNvPr id="5" name="文本占位符 4"/>
-          <p:cNvSpPr>
-            <a:spLocks noGrp="1"/>
-          </p:cNvSpPr>
-          <p:nvPr>
-            <p:ph type="body" idx="1"/>
+              <a:t>Install Tomcat as Windows Service</a:t>
+            </a:r>
+            <a:endParaRPr lang="en-US" altLang="zh-CN"/>
+          </a:p>
+        </p:txBody>
+      </p:sp>
+      <p:sp>
+        <p:nvSpPr>
+          <p:cNvPr id="3" name="内容占位符 2"/>
+          <p:cNvSpPr>
+            <a:spLocks noGrp="1"/>
+          </p:cNvSpPr>
+          <p:nvPr>
+            <p:ph idx="1"/>
           </p:nvPr>
         </p:nvSpPr>
         <p:spPr/>
         <p:txBody>
           <a:bodyPr/>
           <a:p>
-            <a:endParaRPr lang="zh-CN" altLang="en-US"/>
+            <a:r>
+              <a:rPr lang="en-US" altLang="zh-CN"/>
+              <a:t>Reference</a:t>
+            </a:r>
+            <a:endParaRPr lang="en-US" altLang="zh-CN"/>
+          </a:p>
+          <a:p>
+            <a:pPr lvl="1"/>
+            <a:r>
+              <a:rPr lang="en-US" altLang="zh-CN"/>
+              <a:t>https://tomcat.apache.org/tomcat-8.5-doc/windows-service-howto.html</a:t>
+            </a:r>
+            <a:endParaRPr lang="en-US" altLang="zh-CN"/>
+          </a:p>
+          <a:p>
+            <a:pPr lvl="0"/>
+            <a:r>
+              <a:rPr lang="en-US" altLang="zh-CN"/>
+              <a:t>Steps</a:t>
+            </a:r>
+            <a:endParaRPr lang="en-US" altLang="zh-CN"/>
+          </a:p>
+          <a:p>
+            <a:pPr lvl="1"/>
+            <a:r>
+              <a:rPr lang="en-US" altLang="zh-CN"/>
+              <a:t>bin/service.bat install {ServiceName}</a:t>
+            </a:r>
+            <a:endParaRPr lang="en-US" altLang="zh-CN"/>
           </a:p>
         </p:txBody>
       </p:sp>
@@ -3984,6 +5519,67 @@
 </file>
 
 <file path=ppt/slides/slide8.xml><?xml version="1.0" encoding="utf-8"?>
+<p:sld xmlns:a="http://schemas.openxmlformats.org/drawingml/2006/main" xmlns:r="http://schemas.openxmlformats.org/officeDocument/2006/relationships" xmlns:p="http://schemas.openxmlformats.org/presentationml/2006/main">
+  <p:cSld>
+    <p:spTree>
+      <p:nvGrpSpPr>
+        <p:cNvPr id="1" name=""/>
+        <p:cNvGrpSpPr/>
+        <p:nvPr/>
+      </p:nvGrpSpPr>
+      <p:grpSpPr/>
+      <p:sp>
+        <p:nvSpPr>
+          <p:cNvPr id="4" name="标题 3"/>
+          <p:cNvSpPr>
+            <a:spLocks noGrp="1"/>
+          </p:cNvSpPr>
+          <p:nvPr>
+            <p:ph type="title"/>
+          </p:nvPr>
+        </p:nvSpPr>
+        <p:spPr/>
+        <p:txBody>
+          <a:bodyPr/>
+          <a:p>
+            <a:r>
+              <a:rPr lang="en-US" altLang="zh-CN"/>
+              <a:t>Spring Boot</a:t>
+            </a:r>
+            <a:endParaRPr lang="en-US" altLang="zh-CN"/>
+          </a:p>
+        </p:txBody>
+      </p:sp>
+      <p:sp>
+        <p:nvSpPr>
+          <p:cNvPr id="5" name="文本占位符 4"/>
+          <p:cNvSpPr>
+            <a:spLocks noGrp="1"/>
+          </p:cNvSpPr>
+          <p:nvPr>
+            <p:ph type="body" idx="1"/>
+          </p:nvPr>
+        </p:nvSpPr>
+        <p:spPr/>
+        <p:txBody>
+          <a:bodyPr/>
+          <a:p>
+            <a:endParaRPr lang="zh-CN" altLang="en-US"/>
+          </a:p>
+        </p:txBody>
+      </p:sp>
+    </p:spTree>
+    <p:custDataLst>
+      <p:tags r:id="rId1"/>
+    </p:custDataLst>
+  </p:cSld>
+  <p:clrMapOvr>
+    <a:masterClrMapping/>
+  </p:clrMapOvr>
+</p:sld>
+</file>
+
+<file path=ppt/slides/slide9.xml><?xml version="1.0" encoding="utf-8"?>
 <p:sld xmlns:a="http://schemas.openxmlformats.org/drawingml/2006/main" xmlns:r="http://schemas.openxmlformats.org/officeDocument/2006/relationships" xmlns:p="http://schemas.openxmlformats.org/presentationml/2006/main">
   <p:cSld>
     <p:spTree>
@@ -4132,118 +5728,6 @@
 </p:sld>
 </file>
 
-<file path=ppt/slides/slide9.xml><?xml version="1.0" encoding="utf-8"?>
-<p:sld xmlns:a="http://schemas.openxmlformats.org/drawingml/2006/main" xmlns:r="http://schemas.openxmlformats.org/officeDocument/2006/relationships" xmlns:p="http://schemas.openxmlformats.org/presentationml/2006/main">
-  <p:cSld>
-    <p:spTree>
-      <p:nvGrpSpPr>
-        <p:cNvPr id="1" name=""/>
-        <p:cNvGrpSpPr/>
-        <p:nvPr/>
-      </p:nvGrpSpPr>
-      <p:grpSpPr/>
-      <p:sp>
-        <p:nvSpPr>
-          <p:cNvPr id="2" name="标题 1"/>
-          <p:cNvSpPr>
-            <a:spLocks noGrp="1"/>
-          </p:cNvSpPr>
-          <p:nvPr>
-            <p:ph type="title"/>
-          </p:nvPr>
-        </p:nvSpPr>
-        <p:spPr/>
-        <p:txBody>
-          <a:bodyPr/>
-          <a:p>
-            <a:r>
-              <a:rPr lang="en-US" altLang="zh-CN"/>
-              <a:t>Install</a:t>
-            </a:r>
-            <a:endParaRPr lang="en-US" altLang="zh-CN"/>
-          </a:p>
-        </p:txBody>
-      </p:sp>
-      <p:sp>
-        <p:nvSpPr>
-          <p:cNvPr id="3" name="内容占位符 2"/>
-          <p:cNvSpPr>
-            <a:spLocks noGrp="1"/>
-          </p:cNvSpPr>
-          <p:nvPr>
-            <p:ph idx="1"/>
-          </p:nvPr>
-        </p:nvSpPr>
-        <p:spPr/>
-        <p:txBody>
-          <a:bodyPr/>
-          <a:p>
-            <a:r>
-              <a:rPr lang="en-US" altLang="zh-CN"/>
-              <a:t>Reference</a:t>
-            </a:r>
-            <a:endParaRPr lang="en-US" altLang="zh-CN"/>
-          </a:p>
-          <a:p>
-            <a:pPr lvl="1"/>
-            <a:r>
-              <a:rPr lang="en-US" altLang="zh-CN"/>
-              <a:t>https://docs.spring.io/spring-boot/docs/current-SNAPSHOT/reference/html/getting-started.html</a:t>
-            </a:r>
-            <a:endParaRPr lang="en-US" altLang="zh-CN"/>
-          </a:p>
-          <a:p>
-            <a:r>
-              <a:rPr lang="en-US" altLang="zh-CN"/>
-              <a:t>Install</a:t>
-            </a:r>
-            <a:endParaRPr lang="en-US" altLang="zh-CN"/>
-          </a:p>
-          <a:p>
-            <a:pPr lvl="1"/>
-            <a:r>
-              <a:rPr lang="en-US" altLang="zh-CN"/>
-              <a:t>maven</a:t>
-            </a:r>
-            <a:endParaRPr lang="en-US" altLang="zh-CN"/>
-          </a:p>
-          <a:p>
-            <a:pPr lvl="1"/>
-            <a:r>
-              <a:rPr lang="en-US" altLang="zh-CN"/>
-              <a:t>gradle</a:t>
-            </a:r>
-            <a:endParaRPr lang="en-US" altLang="zh-CN"/>
-          </a:p>
-          <a:p>
-            <a:pPr lvl="1"/>
-            <a:r>
-              <a:rPr lang="en-US" altLang="zh-CN"/>
-              <a:t>Spring Boot CLI</a:t>
-            </a:r>
-            <a:endParaRPr lang="en-US" altLang="zh-CN"/>
-          </a:p>
-          <a:p>
-            <a:pPr lvl="2"/>
-            <a:r>
-              <a:rPr lang="en-US" altLang="zh-CN"/>
-              <a:t>spring --version</a:t>
-            </a:r>
-            <a:endParaRPr lang="en-US" altLang="zh-CN"/>
-          </a:p>
-        </p:txBody>
-      </p:sp>
-    </p:spTree>
-    <p:custDataLst>
-      <p:tags r:id="rId1"/>
-    </p:custDataLst>
-  </p:cSld>
-  <p:clrMapOvr>
-    <a:masterClrMapping/>
-  </p:clrMapOvr>
-</p:sld>
-</file>
-
 <file path=ppt/tags/tag1.xml><?xml version="1.0" encoding="utf-8"?>
 <p:tagLst xmlns:p="http://schemas.openxmlformats.org/presentationml/2006/main">
   <p:tag name="KSO_WM_TAG_VERSION" val="1.0"/>
@@ -4300,11 +5784,81 @@
 </p:tagLst>
 </file>
 
+<file path=ppt/tags/tag16.xml><?xml version="1.0" encoding="utf-8"?>
+<p:tagLst xmlns:p="http://schemas.openxmlformats.org/presentationml/2006/main">
+  <p:tag name="KSO_WM_BEAUTIFY_FLAG" val="#wm#"/>
+  <p:tag name="KSO_WM_TEMPLATE_CATEGORY" val="custom"/>
+  <p:tag name="KSO_WM_TEMPLATE_INDEX" val="160402"/>
+</p:tagLst>
+</file>
+
+<file path=ppt/tags/tag17.xml><?xml version="1.0" encoding="utf-8"?>
+<p:tagLst xmlns:p="http://schemas.openxmlformats.org/presentationml/2006/main">
+  <p:tag name="KSO_WM_BEAUTIFY_FLAG" val="#wm#"/>
+  <p:tag name="KSO_WM_TEMPLATE_CATEGORY" val="custom"/>
+  <p:tag name="KSO_WM_TEMPLATE_INDEX" val="160402"/>
+</p:tagLst>
+</file>
+
+<file path=ppt/tags/tag18.xml><?xml version="1.0" encoding="utf-8"?>
+<p:tagLst xmlns:p="http://schemas.openxmlformats.org/presentationml/2006/main">
+  <p:tag name="KSO_WM_BEAUTIFY_FLAG" val="#wm#"/>
+  <p:tag name="KSO_WM_TEMPLATE_CATEGORY" val="custom"/>
+  <p:tag name="KSO_WM_TEMPLATE_INDEX" val="160402"/>
+</p:tagLst>
+</file>
+
+<file path=ppt/tags/tag19.xml><?xml version="1.0" encoding="utf-8"?>
+<p:tagLst xmlns:p="http://schemas.openxmlformats.org/presentationml/2006/main">
+  <p:tag name="KSO_WM_BEAUTIFY_FLAG" val="#wm#"/>
+  <p:tag name="KSO_WM_TEMPLATE_CATEGORY" val="custom"/>
+  <p:tag name="KSO_WM_TEMPLATE_INDEX" val="160402"/>
+</p:tagLst>
+</file>
+
 <file path=ppt/tags/tag2.xml><?xml version="1.0" encoding="utf-8"?>
 <p:tagLst xmlns:p="http://schemas.openxmlformats.org/presentationml/2006/main">
   <p:tag name="KSO_WM_TAG_VERSION" val="1.0"/>
   <p:tag name="KSO_WM_TEMPLATE_CATEGORY" val="custom"/>
   <p:tag name="KSO_WM_TEMPLATE_INDEX" val="160402"/>
+</p:tagLst>
+</file>
+
+<file path=ppt/tags/tag20.xml><?xml version="1.0" encoding="utf-8"?>
+<p:tagLst xmlns:p="http://schemas.openxmlformats.org/presentationml/2006/main">
+  <p:tag name="KSO_WM_BEAUTIFY_FLAG" val="#wm#"/>
+  <p:tag name="KSO_WM_TEMPLATE_CATEGORY" val="custom"/>
+  <p:tag name="KSO_WM_TEMPLATE_INDEX" val="160402"/>
+</p:tagLst>
+</file>
+
+<file path=ppt/tags/tag21.xml><?xml version="1.0" encoding="utf-8"?>
+<p:tagLst xmlns:p="http://schemas.openxmlformats.org/presentationml/2006/main">
+  <p:tag name="KSO_WM_BEAUTIFY_FLAG" val="#wm#"/>
+  <p:tag name="KSO_WM_TEMPLATE_CATEGORY" val="custom"/>
+  <p:tag name="KSO_WM_TEMPLATE_INDEX" val="160402"/>
+</p:tagLst>
+</file>
+
+<file path=ppt/tags/tag22.xml><?xml version="1.0" encoding="utf-8"?>
+<p:tagLst xmlns:p="http://schemas.openxmlformats.org/presentationml/2006/main">
+  <p:tag name="KSO_WM_BEAUTIFY_FLAG" val="#wm#"/>
+  <p:tag name="KSO_WM_TEMPLATE_CATEGORY" val="custom"/>
+  <p:tag name="KSO_WM_TEMPLATE_INDEX" val="160402"/>
+</p:tagLst>
+</file>
+
+<file path=ppt/tags/tag23.xml><?xml version="1.0" encoding="utf-8"?>
+<p:tagLst xmlns:p="http://schemas.openxmlformats.org/presentationml/2006/main">
+  <p:tag name="KSO_WM_BEAUTIFY_FLAG" val="#wm#"/>
+  <p:tag name="KSO_WM_TEMPLATE_CATEGORY" val="custom"/>
+  <p:tag name="KSO_WM_TEMPLATE_INDEX" val="160402"/>
+</p:tagLst>
+</file>
+
+<file path=ppt/tags/tag24.xml><?xml version="1.0" encoding="utf-8"?>
+<p:tagLst xmlns:p="http://schemas.openxmlformats.org/presentationml/2006/main">
+  <p:tag name="COMMONDATA" val="eyJoZGlkIjoiODcwZjc5M2RmYzUwOWE5MjVkODVjZGMyZDUwOTRjYmEifQ=="/>
 </p:tagLst>
 </file>
 
@@ -4666,4 +6220,522 @@
     </a:ext>
   </a:extLst>
 </a:theme>
+</file>
+
+<file path=ppt/theme/theme2.xml><?xml version="1.0" encoding="utf-8"?>
+<a:theme xmlns:a="http://schemas.openxmlformats.org/drawingml/2006/main" name="Office 主题">
+  <a:themeElements>
+    <a:clrScheme name="Office">
+      <a:dk1>
+        <a:sysClr val="windowText" lastClr="000000"/>
+      </a:dk1>
+      <a:lt1>
+        <a:sysClr val="window" lastClr="FFFFFF"/>
+      </a:lt1>
+      <a:dk2>
+        <a:srgbClr val="44546A"/>
+      </a:dk2>
+      <a:lt2>
+        <a:srgbClr val="E7E6E6"/>
+      </a:lt2>
+      <a:accent1>
+        <a:srgbClr val="5B9BD5"/>
+      </a:accent1>
+      <a:accent2>
+        <a:srgbClr val="ED7D31"/>
+      </a:accent2>
+      <a:accent3>
+        <a:srgbClr val="A5A5A5"/>
+      </a:accent3>
+      <a:accent4>
+        <a:srgbClr val="FFC000"/>
+      </a:accent4>
+      <a:accent5>
+        <a:srgbClr val="4472C4"/>
+      </a:accent5>
+      <a:accent6>
+        <a:srgbClr val="70AD47"/>
+      </a:accent6>
+      <a:hlink>
+        <a:srgbClr val="0563C1"/>
+      </a:hlink>
+      <a:folHlink>
+        <a:srgbClr val="954F72"/>
+      </a:folHlink>
+    </a:clrScheme>
+    <a:fontScheme name="Office">
+      <a:majorFont>
+        <a:latin typeface="Calibri Light"/>
+        <a:ea typeface=""/>
+        <a:cs typeface=""/>
+        <a:font script="Jpan" typeface="ＭＳ Ｐゴシック"/>
+        <a:font script="Hang" typeface="맑은 고딕"/>
+        <a:font script="Hans" typeface="宋体"/>
+        <a:font script="Hant" typeface="新細明體"/>
+        <a:font script="Arab" typeface="Times New Roman"/>
+        <a:font script="Hebr" typeface="Times New Roman"/>
+        <a:font script="Thai" typeface="Angsana New"/>
+        <a:font script="Ethi" typeface="Nyala"/>
+        <a:font script="Beng" typeface="Vrinda"/>
+        <a:font script="Gujr" typeface="Shruti"/>
+        <a:font script="Khmr" typeface="MoolBoran"/>
+        <a:font script="Knda" typeface="Tunga"/>
+        <a:font script="Guru" typeface="Raavi"/>
+        <a:font script="Cans" typeface="Euphemia"/>
+        <a:font script="Cher" typeface="Plantagenet Cherokee"/>
+        <a:font script="Yiii" typeface="Microsoft Yi Baiti"/>
+        <a:font script="Tibt" typeface="Microsoft Himalaya"/>
+        <a:font script="Thaa" typeface="MV Boli"/>
+        <a:font script="Deva" typeface="Mangal"/>
+        <a:font script="Telu" typeface="Gautami"/>
+        <a:font script="Taml" typeface="Latha"/>
+        <a:font script="Syrc" typeface="Estrangelo Edessa"/>
+        <a:font script="Orya" typeface="Kalinga"/>
+        <a:font script="Mlym" typeface="Kartika"/>
+        <a:font script="Laoo" typeface="DokChampa"/>
+        <a:font script="Sinh" typeface="Iskoola Pota"/>
+        <a:font script="Mong" typeface="Mongolian Baiti"/>
+        <a:font script="Viet" typeface="Times New Roman"/>
+        <a:font script="Uigh" typeface="Microsoft Uighur"/>
+        <a:font script="Geor" typeface="Sylfaen"/>
+      </a:majorFont>
+      <a:minorFont>
+        <a:latin typeface="Calibri"/>
+        <a:ea typeface=""/>
+        <a:cs typeface=""/>
+        <a:font script="Jpan" typeface="ＭＳ Ｐゴシック"/>
+        <a:font script="Hang" typeface="맑은 고딕"/>
+        <a:font script="Hans" typeface="宋体"/>
+        <a:font script="Hant" typeface="新細明體"/>
+        <a:font script="Arab" typeface="Arial"/>
+        <a:font script="Hebr" typeface="Arial"/>
+        <a:font script="Thai" typeface="Cordia New"/>
+        <a:font script="Ethi" typeface="Nyala"/>
+        <a:font script="Beng" typeface="Vrinda"/>
+        <a:font script="Gujr" typeface="Shruti"/>
+        <a:font script="Khmr" typeface="DaunPenh"/>
+        <a:font script="Knda" typeface="Tunga"/>
+        <a:font script="Guru" typeface="Raavi"/>
+        <a:font script="Cans" typeface="Euphemia"/>
+        <a:font script="Cher" typeface="Plantagenet Cherokee"/>
+        <a:font script="Yiii" typeface="Microsoft Yi Baiti"/>
+        <a:font script="Tibt" typeface="Microsoft Himalaya"/>
+        <a:font script="Thaa" typeface="MV Boli"/>
+        <a:font script="Deva" typeface="Mangal"/>
+        <a:font script="Telu" typeface="Gautami"/>
+        <a:font script="Taml" typeface="Latha"/>
+        <a:font script="Syrc" typeface="Estrangelo Edessa"/>
+        <a:font script="Orya" typeface="Kalinga"/>
+        <a:font script="Mlym" typeface="Kartika"/>
+        <a:font script="Laoo" typeface="DokChampa"/>
+        <a:font script="Sinh" typeface="Iskoola Pota"/>
+        <a:font script="Mong" typeface="Mongolian Baiti"/>
+        <a:font script="Viet" typeface="Arial"/>
+        <a:font script="Uigh" typeface="Microsoft Uighur"/>
+        <a:font script="Geor" typeface="Sylfaen"/>
+      </a:minorFont>
+    </a:fontScheme>
+    <a:fmtScheme name="Office">
+      <a:fillStyleLst>
+        <a:solidFill>
+          <a:schemeClr val="phClr"/>
+        </a:solidFill>
+        <a:gradFill rotWithShape="1">
+          <a:gsLst>
+            <a:gs pos="0">
+              <a:schemeClr val="phClr">
+                <a:lumMod val="110000"/>
+                <a:satMod val="105000"/>
+                <a:tint val="67000"/>
+              </a:schemeClr>
+            </a:gs>
+            <a:gs pos="50000">
+              <a:schemeClr val="phClr">
+                <a:lumMod val="105000"/>
+                <a:satMod val="103000"/>
+                <a:tint val="73000"/>
+              </a:schemeClr>
+            </a:gs>
+            <a:gs pos="100000">
+              <a:schemeClr val="phClr">
+                <a:lumMod val="105000"/>
+                <a:satMod val="109000"/>
+                <a:tint val="81000"/>
+              </a:schemeClr>
+            </a:gs>
+          </a:gsLst>
+          <a:lin ang="5400000" scaled="0"/>
+        </a:gradFill>
+        <a:gradFill rotWithShape="1">
+          <a:gsLst>
+            <a:gs pos="0">
+              <a:schemeClr val="phClr">
+                <a:satMod val="103000"/>
+                <a:lumMod val="102000"/>
+                <a:tint val="94000"/>
+              </a:schemeClr>
+            </a:gs>
+            <a:gs pos="50000">
+              <a:schemeClr val="phClr">
+                <a:satMod val="110000"/>
+                <a:lumMod val="100000"/>
+                <a:shade val="100000"/>
+              </a:schemeClr>
+            </a:gs>
+            <a:gs pos="100000">
+              <a:schemeClr val="phClr">
+                <a:lumMod val="99000"/>
+                <a:satMod val="120000"/>
+                <a:shade val="78000"/>
+              </a:schemeClr>
+            </a:gs>
+          </a:gsLst>
+          <a:lin ang="5400000" scaled="0"/>
+        </a:gradFill>
+      </a:fillStyleLst>
+      <a:lnStyleLst>
+        <a:ln w="6350" cap="flat" cmpd="sng" algn="ctr">
+          <a:solidFill>
+            <a:schemeClr val="phClr"/>
+          </a:solidFill>
+          <a:prstDash val="solid"/>
+          <a:miter lim="800000"/>
+        </a:ln>
+        <a:ln w="12700" cap="flat" cmpd="sng" algn="ctr">
+          <a:solidFill>
+            <a:schemeClr val="phClr"/>
+          </a:solidFill>
+          <a:prstDash val="solid"/>
+          <a:miter lim="800000"/>
+        </a:ln>
+        <a:ln w="19050" cap="flat" cmpd="sng" algn="ctr">
+          <a:solidFill>
+            <a:schemeClr val="phClr"/>
+          </a:solidFill>
+          <a:prstDash val="solid"/>
+          <a:miter lim="800000"/>
+        </a:ln>
+      </a:lnStyleLst>
+      <a:effectStyleLst>
+        <a:effectStyle>
+          <a:effectLst/>
+        </a:effectStyle>
+        <a:effectStyle>
+          <a:effectLst/>
+        </a:effectStyle>
+        <a:effectStyle>
+          <a:effectLst>
+            <a:outerShdw blurRad="57150" dist="19050" dir="5400000" algn="ctr" rotWithShape="0">
+              <a:srgbClr val="000000">
+                <a:alpha val="63000"/>
+              </a:srgbClr>
+            </a:outerShdw>
+          </a:effectLst>
+        </a:effectStyle>
+      </a:effectStyleLst>
+      <a:bgFillStyleLst>
+        <a:solidFill>
+          <a:schemeClr val="phClr"/>
+        </a:solidFill>
+        <a:solidFill>
+          <a:schemeClr val="phClr">
+            <a:tint val="95000"/>
+            <a:satMod val="170000"/>
+          </a:schemeClr>
+        </a:solidFill>
+        <a:gradFill rotWithShape="1">
+          <a:gsLst>
+            <a:gs pos="0">
+              <a:schemeClr val="phClr">
+                <a:tint val="93000"/>
+                <a:satMod val="150000"/>
+                <a:shade val="98000"/>
+                <a:lumMod val="102000"/>
+              </a:schemeClr>
+            </a:gs>
+            <a:gs pos="50000">
+              <a:schemeClr val="phClr">
+                <a:tint val="98000"/>
+                <a:satMod val="130000"/>
+                <a:shade val="90000"/>
+                <a:lumMod val="103000"/>
+              </a:schemeClr>
+            </a:gs>
+            <a:gs pos="100000">
+              <a:schemeClr val="phClr">
+                <a:shade val="63000"/>
+                <a:satMod val="120000"/>
+              </a:schemeClr>
+            </a:gs>
+          </a:gsLst>
+          <a:lin ang="5400000" scaled="0"/>
+        </a:gradFill>
+      </a:bgFillStyleLst>
+    </a:fmtScheme>
+  </a:themeElements>
+  <a:extLst>
+    <a:ext uri="{05A4C25C-085E-4340-85A3-A5531E510DB2}">
+      <thm15:themeFamily xmlns:thm15="http://schemas.microsoft.com/office/thememl/2012/main" name="Office Theme" id="{62F939B6-93AF-4DB8-9C6B-D6C7DFDC589F}" vid="{4A3C46E8-61CC-4603-A589-7422A47A8E4A}"/>
+    </a:ext>
+  </a:extLst>
+</a:theme>
+</file>
+
+<file path=ppt/theme/theme3.xml><?xml version="1.0" encoding="utf-8"?>
+<a:theme xmlns:a="http://schemas.openxmlformats.org/drawingml/2006/main" name="Office 主题">
+  <a:themeElements>
+    <a:clrScheme name="Office">
+      <a:dk1>
+        <a:sysClr val="windowText" lastClr="000000"/>
+      </a:dk1>
+      <a:lt1>
+        <a:sysClr val="window" lastClr="FFFFFF"/>
+      </a:lt1>
+      <a:dk2>
+        <a:srgbClr val="44546A"/>
+      </a:dk2>
+      <a:lt2>
+        <a:srgbClr val="E7E6E6"/>
+      </a:lt2>
+      <a:accent1>
+        <a:srgbClr val="5B9BD5"/>
+      </a:accent1>
+      <a:accent2>
+        <a:srgbClr val="ED7D31"/>
+      </a:accent2>
+      <a:accent3>
+        <a:srgbClr val="A5A5A5"/>
+      </a:accent3>
+      <a:accent4>
+        <a:srgbClr val="FFC000"/>
+      </a:accent4>
+      <a:accent5>
+        <a:srgbClr val="4472C4"/>
+      </a:accent5>
+      <a:accent6>
+        <a:srgbClr val="70AD47"/>
+      </a:accent6>
+      <a:hlink>
+        <a:srgbClr val="0563C1"/>
+      </a:hlink>
+      <a:folHlink>
+        <a:srgbClr val="954F72"/>
+      </a:folHlink>
+    </a:clrScheme>
+    <a:fontScheme name="Office">
+      <a:majorFont>
+        <a:latin typeface="Calibri Light"/>
+        <a:ea typeface=""/>
+        <a:cs typeface=""/>
+        <a:font script="Jpan" typeface="ＭＳ Ｐゴシック"/>
+        <a:font script="Hang" typeface="맑은 고딕"/>
+        <a:font script="Hans" typeface="宋体"/>
+        <a:font script="Hant" typeface="新細明體"/>
+        <a:font script="Arab" typeface="Times New Roman"/>
+        <a:font script="Hebr" typeface="Times New Roman"/>
+        <a:font script="Thai" typeface="Angsana New"/>
+        <a:font script="Ethi" typeface="Nyala"/>
+        <a:font script="Beng" typeface="Vrinda"/>
+        <a:font script="Gujr" typeface="Shruti"/>
+        <a:font script="Khmr" typeface="MoolBoran"/>
+        <a:font script="Knda" typeface="Tunga"/>
+        <a:font script="Guru" typeface="Raavi"/>
+        <a:font script="Cans" typeface="Euphemia"/>
+        <a:font script="Cher" typeface="Plantagenet Cherokee"/>
+        <a:font script="Yiii" typeface="Microsoft Yi Baiti"/>
+        <a:font script="Tibt" typeface="Microsoft Himalaya"/>
+        <a:font script="Thaa" typeface="MV Boli"/>
+        <a:font script="Deva" typeface="Mangal"/>
+        <a:font script="Telu" typeface="Gautami"/>
+        <a:font script="Taml" typeface="Latha"/>
+        <a:font script="Syrc" typeface="Estrangelo Edessa"/>
+        <a:font script="Orya" typeface="Kalinga"/>
+        <a:font script="Mlym" typeface="Kartika"/>
+        <a:font script="Laoo" typeface="DokChampa"/>
+        <a:font script="Sinh" typeface="Iskoola Pota"/>
+        <a:font script="Mong" typeface="Mongolian Baiti"/>
+        <a:font script="Viet" typeface="Times New Roman"/>
+        <a:font script="Uigh" typeface="Microsoft Uighur"/>
+        <a:font script="Geor" typeface="Sylfaen"/>
+      </a:majorFont>
+      <a:minorFont>
+        <a:latin typeface="Calibri"/>
+        <a:ea typeface=""/>
+        <a:cs typeface=""/>
+        <a:font script="Jpan" typeface="ＭＳ Ｐゴシック"/>
+        <a:font script="Hang" typeface="맑은 고딕"/>
+        <a:font script="Hans" typeface="宋体"/>
+        <a:font script="Hant" typeface="新細明體"/>
+        <a:font script="Arab" typeface="Arial"/>
+        <a:font script="Hebr" typeface="Arial"/>
+        <a:font script="Thai" typeface="Cordia New"/>
+        <a:font script="Ethi" typeface="Nyala"/>
+        <a:font script="Beng" typeface="Vrinda"/>
+        <a:font script="Gujr" typeface="Shruti"/>
+        <a:font script="Khmr" typeface="DaunPenh"/>
+        <a:font script="Knda" typeface="Tunga"/>
+        <a:font script="Guru" typeface="Raavi"/>
+        <a:font script="Cans" typeface="Euphemia"/>
+        <a:font script="Cher" typeface="Plantagenet Cherokee"/>
+        <a:font script="Yiii" typeface="Microsoft Yi Baiti"/>
+        <a:font script="Tibt" typeface="Microsoft Himalaya"/>
+        <a:font script="Thaa" typeface="MV Boli"/>
+        <a:font script="Deva" typeface="Mangal"/>
+        <a:font script="Telu" typeface="Gautami"/>
+        <a:font script="Taml" typeface="Latha"/>
+        <a:font script="Syrc" typeface="Estrangelo Edessa"/>
+        <a:font script="Orya" typeface="Kalinga"/>
+        <a:font script="Mlym" typeface="Kartika"/>
+        <a:font script="Laoo" typeface="DokChampa"/>
+        <a:font script="Sinh" typeface="Iskoola Pota"/>
+        <a:font script="Mong" typeface="Mongolian Baiti"/>
+        <a:font script="Viet" typeface="Arial"/>
+        <a:font script="Uigh" typeface="Microsoft Uighur"/>
+        <a:font script="Geor" typeface="Sylfaen"/>
+      </a:minorFont>
+    </a:fontScheme>
+    <a:fmtScheme name="Office">
+      <a:fillStyleLst>
+        <a:solidFill>
+          <a:schemeClr val="phClr"/>
+        </a:solidFill>
+        <a:gradFill rotWithShape="1">
+          <a:gsLst>
+            <a:gs pos="0">
+              <a:schemeClr val="phClr">
+                <a:lumMod val="110000"/>
+                <a:satMod val="105000"/>
+                <a:tint val="67000"/>
+              </a:schemeClr>
+            </a:gs>
+            <a:gs pos="50000">
+              <a:schemeClr val="phClr">
+                <a:lumMod val="105000"/>
+                <a:satMod val="103000"/>
+                <a:tint val="73000"/>
+              </a:schemeClr>
+            </a:gs>
+            <a:gs pos="100000">
+              <a:schemeClr val="phClr">
+                <a:lumMod val="105000"/>
+                <a:satMod val="109000"/>
+                <a:tint val="81000"/>
+              </a:schemeClr>
+            </a:gs>
+          </a:gsLst>
+          <a:lin ang="5400000" scaled="0"/>
+        </a:gradFill>
+        <a:gradFill rotWithShape="1">
+          <a:gsLst>
+            <a:gs pos="0">
+              <a:schemeClr val="phClr">
+                <a:satMod val="103000"/>
+                <a:lumMod val="102000"/>
+                <a:tint val="94000"/>
+              </a:schemeClr>
+            </a:gs>
+            <a:gs pos="50000">
+              <a:schemeClr val="phClr">
+                <a:satMod val="110000"/>
+                <a:lumMod val="100000"/>
+                <a:shade val="100000"/>
+              </a:schemeClr>
+            </a:gs>
+            <a:gs pos="100000">
+              <a:schemeClr val="phClr">
+                <a:lumMod val="99000"/>
+                <a:satMod val="120000"/>
+                <a:shade val="78000"/>
+              </a:schemeClr>
+            </a:gs>
+          </a:gsLst>
+          <a:lin ang="5400000" scaled="0"/>
+        </a:gradFill>
+      </a:fillStyleLst>
+      <a:lnStyleLst>
+        <a:ln w="6350" cap="flat" cmpd="sng" algn="ctr">
+          <a:solidFill>
+            <a:schemeClr val="phClr"/>
+          </a:solidFill>
+          <a:prstDash val="solid"/>
+          <a:miter lim="800000"/>
+        </a:ln>
+        <a:ln w="12700" cap="flat" cmpd="sng" algn="ctr">
+          <a:solidFill>
+            <a:schemeClr val="phClr"/>
+          </a:solidFill>
+          <a:prstDash val="solid"/>
+          <a:miter lim="800000"/>
+        </a:ln>
+        <a:ln w="19050" cap="flat" cmpd="sng" algn="ctr">
+          <a:solidFill>
+            <a:schemeClr val="phClr"/>
+          </a:solidFill>
+          <a:prstDash val="solid"/>
+          <a:miter lim="800000"/>
+        </a:ln>
+      </a:lnStyleLst>
+      <a:effectStyleLst>
+        <a:effectStyle>
+          <a:effectLst/>
+        </a:effectStyle>
+        <a:effectStyle>
+          <a:effectLst/>
+        </a:effectStyle>
+        <a:effectStyle>
+          <a:effectLst>
+            <a:outerShdw blurRad="57150" dist="19050" dir="5400000" algn="ctr" rotWithShape="0">
+              <a:srgbClr val="000000">
+                <a:alpha val="63000"/>
+              </a:srgbClr>
+            </a:outerShdw>
+          </a:effectLst>
+        </a:effectStyle>
+      </a:effectStyleLst>
+      <a:bgFillStyleLst>
+        <a:solidFill>
+          <a:schemeClr val="phClr"/>
+        </a:solidFill>
+        <a:solidFill>
+          <a:schemeClr val="phClr">
+            <a:tint val="95000"/>
+            <a:satMod val="170000"/>
+          </a:schemeClr>
+        </a:solidFill>
+        <a:gradFill rotWithShape="1">
+          <a:gsLst>
+            <a:gs pos="0">
+              <a:schemeClr val="phClr">
+                <a:tint val="93000"/>
+                <a:satMod val="150000"/>
+                <a:shade val="98000"/>
+                <a:lumMod val="102000"/>
+              </a:schemeClr>
+            </a:gs>
+            <a:gs pos="50000">
+              <a:schemeClr val="phClr">
+                <a:tint val="98000"/>
+                <a:satMod val="130000"/>
+                <a:shade val="90000"/>
+                <a:lumMod val="103000"/>
+              </a:schemeClr>
+            </a:gs>
+            <a:gs pos="100000">
+              <a:schemeClr val="phClr">
+                <a:shade val="63000"/>
+                <a:satMod val="120000"/>
+              </a:schemeClr>
+            </a:gs>
+          </a:gsLst>
+          <a:lin ang="5400000" scaled="0"/>
+        </a:gradFill>
+      </a:bgFillStyleLst>
+    </a:fmtScheme>
+  </a:themeElements>
+  <a:extLst>
+    <a:ext uri="{05A4C25C-085E-4340-85A3-A5531E510DB2}">
+      <thm15:themeFamily xmlns:thm15="http://schemas.microsoft.com/office/thememl/2012/main" name="Office Theme" id="{62F939B6-93AF-4DB8-9C6B-D6C7DFDC589F}" vid="{4A3C46E8-61CC-4603-A589-7422A47A8E4A}"/>
+    </a:ext>
+  </a:extLst>
+</a:theme>
 </file>
--- a/Web/JavaEE.pptx
+++ b/Web/JavaEE.pptx
@@ -5,10 +5,10 @@
     <p:sldMasterId id="2147483648" r:id="rId1"/>
   </p:sldMasterIdLst>
   <p:notesMasterIdLst>
-    <p:notesMasterId r:id="rId21"/>
+    <p:notesMasterId r:id="rId22"/>
   </p:notesMasterIdLst>
   <p:handoutMasterIdLst>
-    <p:handoutMasterId r:id="rId22"/>
+    <p:handoutMasterId r:id="rId23"/>
   </p:handoutMasterIdLst>
   <p:sldIdLst>
     <p:sldId id="409" r:id="rId3"/>
@@ -18,22 +18,23 @@
     <p:sldId id="412" r:id="rId7"/>
     <p:sldId id="413" r:id="rId8"/>
     <p:sldId id="431" r:id="rId9"/>
-    <p:sldId id="417" r:id="rId10"/>
-    <p:sldId id="414" r:id="rId11"/>
-    <p:sldId id="416" r:id="rId12"/>
-    <p:sldId id="418" r:id="rId13"/>
-    <p:sldId id="422" r:id="rId14"/>
-    <p:sldId id="425" r:id="rId15"/>
-    <p:sldId id="424" r:id="rId16"/>
-    <p:sldId id="423" r:id="rId17"/>
-    <p:sldId id="428" r:id="rId18"/>
-    <p:sldId id="429" r:id="rId19"/>
-    <p:sldId id="430" r:id="rId20"/>
+    <p:sldId id="443" r:id="rId10"/>
+    <p:sldId id="417" r:id="rId11"/>
+    <p:sldId id="414" r:id="rId12"/>
+    <p:sldId id="416" r:id="rId13"/>
+    <p:sldId id="418" r:id="rId14"/>
+    <p:sldId id="422" r:id="rId15"/>
+    <p:sldId id="425" r:id="rId16"/>
+    <p:sldId id="424" r:id="rId17"/>
+    <p:sldId id="423" r:id="rId18"/>
+    <p:sldId id="428" r:id="rId19"/>
+    <p:sldId id="429" r:id="rId20"/>
+    <p:sldId id="430" r:id="rId21"/>
   </p:sldIdLst>
   <p:sldSz cx="12192000" cy="6858000"/>
   <p:notesSz cx="6858000" cy="9144000"/>
   <p:custDataLst>
-    <p:tags r:id="rId26"/>
+    <p:tags r:id="rId27"/>
   </p:custDataLst>
   <p:defaultTextStyle>
     <a:defPPr>
@@ -3697,1914 +3698,6 @@
           <a:p>
             <a:r>
               <a:rPr lang="en-US" altLang="zh-CN"/>
-              <a:t>Install</a:t>
-            </a:r>
-            <a:endParaRPr lang="en-US" altLang="zh-CN"/>
-          </a:p>
-        </p:txBody>
-      </p:sp>
-      <p:sp>
-        <p:nvSpPr>
-          <p:cNvPr id="3" name="内容占位符 2"/>
-          <p:cNvSpPr>
-            <a:spLocks noGrp="1"/>
-          </p:cNvSpPr>
-          <p:nvPr>
-            <p:ph idx="1"/>
-          </p:nvPr>
-        </p:nvSpPr>
-        <p:spPr/>
-        <p:txBody>
-          <a:bodyPr/>
-          <a:p>
-            <a:r>
-              <a:rPr lang="en-US" altLang="zh-CN"/>
-              <a:t>Reference</a:t>
-            </a:r>
-            <a:endParaRPr lang="en-US" altLang="zh-CN"/>
-          </a:p>
-          <a:p>
-            <a:pPr lvl="1"/>
-            <a:r>
-              <a:rPr lang="en-US" altLang="zh-CN"/>
-              <a:t>https://docs.spring.io/spring-boot/docs/current-SNAPSHOT/reference/html/getting-started.html</a:t>
-            </a:r>
-            <a:endParaRPr lang="en-US" altLang="zh-CN"/>
-          </a:p>
-          <a:p>
-            <a:r>
-              <a:rPr lang="en-US" altLang="zh-CN"/>
-              <a:t>Install</a:t>
-            </a:r>
-            <a:endParaRPr lang="en-US" altLang="zh-CN"/>
-          </a:p>
-          <a:p>
-            <a:pPr lvl="1"/>
-            <a:r>
-              <a:rPr lang="en-US" altLang="zh-CN"/>
-              <a:t>maven</a:t>
-            </a:r>
-            <a:endParaRPr lang="en-US" altLang="zh-CN"/>
-          </a:p>
-          <a:p>
-            <a:pPr lvl="1"/>
-            <a:r>
-              <a:rPr lang="en-US" altLang="zh-CN"/>
-              <a:t>gradle</a:t>
-            </a:r>
-            <a:endParaRPr lang="en-US" altLang="zh-CN"/>
-          </a:p>
-          <a:p>
-            <a:pPr lvl="1"/>
-            <a:r>
-              <a:rPr lang="en-US" altLang="zh-CN"/>
-              <a:t>Spring Boot CLI</a:t>
-            </a:r>
-            <a:endParaRPr lang="en-US" altLang="zh-CN"/>
-          </a:p>
-          <a:p>
-            <a:pPr lvl="2"/>
-            <a:r>
-              <a:rPr lang="en-US" altLang="zh-CN"/>
-              <a:t>spring --version</a:t>
-            </a:r>
-            <a:endParaRPr lang="en-US" altLang="zh-CN"/>
-          </a:p>
-        </p:txBody>
-      </p:sp>
-    </p:spTree>
-    <p:custDataLst>
-      <p:tags r:id="rId1"/>
-    </p:custDataLst>
-  </p:cSld>
-  <p:clrMapOvr>
-    <a:masterClrMapping/>
-  </p:clrMapOvr>
-</p:sld>
-</file>
-
-<file path=ppt/slides/slide11.xml><?xml version="1.0" encoding="utf-8"?>
-<p:sld xmlns:a="http://schemas.openxmlformats.org/drawingml/2006/main" xmlns:r="http://schemas.openxmlformats.org/officeDocument/2006/relationships" xmlns:p="http://schemas.openxmlformats.org/presentationml/2006/main">
-  <p:cSld>
-    <p:spTree>
-      <p:nvGrpSpPr>
-        <p:cNvPr id="1" name=""/>
-        <p:cNvGrpSpPr/>
-        <p:nvPr/>
-      </p:nvGrpSpPr>
-      <p:grpSpPr/>
-      <p:sp>
-        <p:nvSpPr>
-          <p:cNvPr id="2" name="标题 1"/>
-          <p:cNvSpPr>
-            <a:spLocks noGrp="1"/>
-          </p:cNvSpPr>
-          <p:nvPr>
-            <p:ph type="title"/>
-          </p:nvPr>
-        </p:nvSpPr>
-        <p:spPr/>
-        <p:txBody>
-          <a:bodyPr/>
-          <a:p>
-            <a:r>
-              <a:rPr lang="en-US" altLang="zh-CN"/>
-              <a:t>First App</a:t>
-            </a:r>
-            <a:endParaRPr lang="en-US" altLang="zh-CN"/>
-          </a:p>
-        </p:txBody>
-      </p:sp>
-      <p:sp>
-        <p:nvSpPr>
-          <p:cNvPr id="3" name="内容占位符 2"/>
-          <p:cNvSpPr>
-            <a:spLocks noGrp="1"/>
-          </p:cNvSpPr>
-          <p:nvPr>
-            <p:ph idx="1"/>
-          </p:nvPr>
-        </p:nvSpPr>
-        <p:spPr/>
-        <p:txBody>
-          <a:bodyPr/>
-          <a:p>
-            <a:r>
-              <a:rPr lang="en-US" altLang="zh-CN"/>
-              <a:t>Create pom.xml</a:t>
-            </a:r>
-            <a:endParaRPr lang="en-US" altLang="zh-CN"/>
-          </a:p>
-          <a:p>
-            <a:r>
-              <a:rPr lang="en-US" altLang="zh-CN"/>
-              <a:t>Run “mvn package”</a:t>
-            </a:r>
-            <a:endParaRPr lang="en-US" altLang="zh-CN"/>
-          </a:p>
-          <a:p>
-            <a:r>
-              <a:rPr lang="en-US" altLang="zh-CN"/>
-              <a:t>Add dependencies to pom.xml</a:t>
-            </a:r>
-            <a:endParaRPr lang="en-US" altLang="zh-CN"/>
-          </a:p>
-          <a:p>
-            <a:pPr lvl="1"/>
-            <a:r>
-              <a:rPr lang="en-US" altLang="zh-CN"/>
-              <a:t>mvn dependency:tree</a:t>
-            </a:r>
-            <a:endParaRPr lang="en-US" altLang="zh-CN"/>
-          </a:p>
-          <a:p>
-            <a:pPr lvl="0"/>
-            <a:r>
-              <a:rPr lang="en-US" altLang="zh-CN"/>
-              <a:t>Coding</a:t>
-            </a:r>
-            <a:endParaRPr lang="en-US" altLang="zh-CN"/>
-          </a:p>
-          <a:p>
-            <a:pPr lvl="1"/>
-            <a:r>
-              <a:rPr lang="en-US" altLang="zh-CN"/>
-              <a:t>@RestController</a:t>
-            </a:r>
-            <a:endParaRPr lang="en-US" altLang="zh-CN"/>
-          </a:p>
-          <a:p>
-            <a:pPr lvl="1"/>
-            <a:r>
-              <a:rPr lang="en-US" altLang="zh-CN"/>
-              <a:t>@RequestMapping</a:t>
-            </a:r>
-            <a:endParaRPr lang="en-US" altLang="zh-CN"/>
-          </a:p>
-          <a:p>
-            <a:pPr lvl="0"/>
-            <a:r>
-              <a:rPr lang="en-US" altLang="zh-CN"/>
-              <a:t>Run “mvn spring-boot:run”</a:t>
-            </a:r>
-            <a:endParaRPr lang="en-US" altLang="zh-CN"/>
-          </a:p>
-        </p:txBody>
-      </p:sp>
-    </p:spTree>
-    <p:custDataLst>
-      <p:tags r:id="rId1"/>
-    </p:custDataLst>
-  </p:cSld>
-  <p:clrMapOvr>
-    <a:masterClrMapping/>
-  </p:clrMapOvr>
-</p:sld>
-</file>
-
-<file path=ppt/slides/slide12.xml><?xml version="1.0" encoding="utf-8"?>
-<p:sld xmlns:a="http://schemas.openxmlformats.org/drawingml/2006/main" xmlns:r="http://schemas.openxmlformats.org/officeDocument/2006/relationships" xmlns:p="http://schemas.openxmlformats.org/presentationml/2006/main">
-  <p:cSld>
-    <p:spTree>
-      <p:nvGrpSpPr>
-        <p:cNvPr id="1" name=""/>
-        <p:cNvGrpSpPr/>
-        <p:nvPr/>
-      </p:nvGrpSpPr>
-      <p:grpSpPr/>
-      <p:sp>
-        <p:nvSpPr>
-          <p:cNvPr id="4" name="标题 3"/>
-          <p:cNvSpPr>
-            <a:spLocks noGrp="1"/>
-          </p:cNvSpPr>
-          <p:nvPr>
-            <p:ph type="title"/>
-          </p:nvPr>
-        </p:nvSpPr>
-        <p:spPr/>
-        <p:txBody>
-          <a:bodyPr/>
-          <a:p>
-            <a:r>
-              <a:rPr lang="en-US" altLang="zh-CN"/>
-              <a:t>DB</a:t>
-            </a:r>
-            <a:endParaRPr lang="en-US" altLang="zh-CN"/>
-          </a:p>
-        </p:txBody>
-      </p:sp>
-      <p:sp>
-        <p:nvSpPr>
-          <p:cNvPr id="5" name="文本占位符 4"/>
-          <p:cNvSpPr>
-            <a:spLocks noGrp="1"/>
-          </p:cNvSpPr>
-          <p:nvPr>
-            <p:ph type="body" idx="1"/>
-          </p:nvPr>
-        </p:nvSpPr>
-        <p:spPr/>
-        <p:txBody>
-          <a:bodyPr/>
-          <a:p>
-            <a:endParaRPr lang="zh-CN" altLang="en-US"/>
-          </a:p>
-        </p:txBody>
-      </p:sp>
-    </p:spTree>
-    <p:custDataLst>
-      <p:tags r:id="rId1"/>
-    </p:custDataLst>
-  </p:cSld>
-  <p:clrMapOvr>
-    <a:masterClrMapping/>
-  </p:clrMapOvr>
-</p:sld>
-</file>
-
-<file path=ppt/slides/slide13.xml><?xml version="1.0" encoding="utf-8"?>
-<p:sld xmlns:a="http://schemas.openxmlformats.org/drawingml/2006/main" xmlns:r="http://schemas.openxmlformats.org/officeDocument/2006/relationships" xmlns:p="http://schemas.openxmlformats.org/presentationml/2006/main">
-  <p:cSld>
-    <p:spTree>
-      <p:nvGrpSpPr>
-        <p:cNvPr id="1" name=""/>
-        <p:cNvGrpSpPr/>
-        <p:nvPr/>
-      </p:nvGrpSpPr>
-      <p:grpSpPr/>
-      <p:sp>
-        <p:nvSpPr>
-          <p:cNvPr id="4" name="标题 3"/>
-          <p:cNvSpPr>
-            <a:spLocks noGrp="1"/>
-          </p:cNvSpPr>
-          <p:nvPr>
-            <p:ph type="title"/>
-          </p:nvPr>
-        </p:nvSpPr>
-        <p:spPr/>
-        <p:txBody>
-          <a:bodyPr/>
-          <a:p>
-            <a:r>
-              <a:rPr lang="en-US" altLang="zh-CN"/>
-              <a:t>Structure</a:t>
-            </a:r>
-            <a:endParaRPr lang="en-US" altLang="zh-CN"/>
-          </a:p>
-        </p:txBody>
-      </p:sp>
-      <p:sp>
-        <p:nvSpPr>
-          <p:cNvPr id="6" name="矩形 5"/>
-          <p:cNvSpPr/>
-          <p:nvPr/>
-        </p:nvSpPr>
-        <p:spPr>
-          <a:xfrm>
-            <a:off x="2666365" y="1743710"/>
-            <a:ext cx="2804795" cy="513080"/>
-          </a:xfrm>
-          <a:prstGeom prst="rect">
-            <a:avLst/>
-          </a:prstGeom>
-        </p:spPr>
-        <p:style>
-          <a:lnRef idx="2">
-            <a:schemeClr val="accent1">
-              <a:shade val="50000"/>
-            </a:schemeClr>
-          </a:lnRef>
-          <a:fillRef idx="1">
-            <a:schemeClr val="accent1"/>
-          </a:fillRef>
-          <a:effectRef idx="0">
-            <a:schemeClr val="accent1"/>
-          </a:effectRef>
-          <a:fontRef idx="minor">
-            <a:schemeClr val="lt1"/>
-          </a:fontRef>
-        </p:style>
-        <p:txBody>
-          <a:bodyPr rtlCol="0" anchor="ctr"/>
-          <a:p>
-            <a:pPr algn="ctr"/>
-            <a:r>
-              <a:rPr lang="en-US" altLang="zh-CN"/>
-              <a:t>dao</a:t>
-            </a:r>
-            <a:endParaRPr lang="en-US" altLang="zh-CN"/>
-          </a:p>
-        </p:txBody>
-      </p:sp>
-      <p:sp>
-        <p:nvSpPr>
-          <p:cNvPr id="7" name="矩形 6"/>
-          <p:cNvSpPr/>
-          <p:nvPr/>
-        </p:nvSpPr>
-        <p:spPr>
-          <a:xfrm>
-            <a:off x="2640330" y="2667000"/>
-            <a:ext cx="2804795" cy="513080"/>
-          </a:xfrm>
-          <a:prstGeom prst="rect">
-            <a:avLst/>
-          </a:prstGeom>
-        </p:spPr>
-        <p:style>
-          <a:lnRef idx="2">
-            <a:schemeClr val="accent1">
-              <a:shade val="50000"/>
-            </a:schemeClr>
-          </a:lnRef>
-          <a:fillRef idx="1">
-            <a:schemeClr val="accent1"/>
-          </a:fillRef>
-          <a:effectRef idx="0">
-            <a:schemeClr val="accent1"/>
-          </a:effectRef>
-          <a:fontRef idx="minor">
-            <a:schemeClr val="lt1"/>
-          </a:fontRef>
-        </p:style>
-        <p:txBody>
-          <a:bodyPr rtlCol="0" anchor="ctr"/>
-          <a:p>
-            <a:pPr algn="ctr"/>
-            <a:r>
-              <a:rPr lang="en-US" altLang="zh-CN"/>
-              <a:t>mapping</a:t>
-            </a:r>
-            <a:endParaRPr lang="en-US" altLang="zh-CN"/>
-          </a:p>
-        </p:txBody>
-      </p:sp>
-      <p:sp>
-        <p:nvSpPr>
-          <p:cNvPr id="8" name="矩形 7"/>
-          <p:cNvSpPr/>
-          <p:nvPr/>
-        </p:nvSpPr>
-        <p:spPr>
-          <a:xfrm>
-            <a:off x="2666365" y="3582035"/>
-            <a:ext cx="2804795" cy="513080"/>
-          </a:xfrm>
-          <a:prstGeom prst="rect">
-            <a:avLst/>
-          </a:prstGeom>
-        </p:spPr>
-        <p:style>
-          <a:lnRef idx="2">
-            <a:schemeClr val="accent1">
-              <a:shade val="50000"/>
-            </a:schemeClr>
-          </a:lnRef>
-          <a:fillRef idx="1">
-            <a:schemeClr val="accent1"/>
-          </a:fillRef>
-          <a:effectRef idx="0">
-            <a:schemeClr val="accent1"/>
-          </a:effectRef>
-          <a:fontRef idx="minor">
-            <a:schemeClr val="lt1"/>
-          </a:fontRef>
-        </p:style>
-        <p:txBody>
-          <a:bodyPr rtlCol="0" anchor="ctr"/>
-          <a:p>
-            <a:pPr algn="ctr"/>
-            <a:r>
-              <a:rPr lang="en-US" altLang="zh-CN"/>
-              <a:t>pojo</a:t>
-            </a:r>
-            <a:endParaRPr lang="en-US" altLang="zh-CN"/>
-          </a:p>
-        </p:txBody>
-      </p:sp>
-      <p:sp>
-        <p:nvSpPr>
-          <p:cNvPr id="9" name="左大括号 8"/>
-          <p:cNvSpPr/>
-          <p:nvPr/>
-        </p:nvSpPr>
-        <p:spPr>
-          <a:xfrm>
-            <a:off x="2025650" y="2025650"/>
-            <a:ext cx="443230" cy="1906905"/>
-          </a:xfrm>
-          <a:prstGeom prst="leftBrace">
-            <a:avLst/>
-          </a:prstGeom>
-        </p:spPr>
-        <p:style>
-          <a:lnRef idx="1">
-            <a:schemeClr val="accent1"/>
-          </a:lnRef>
-          <a:fillRef idx="0">
-            <a:schemeClr val="accent1"/>
-          </a:fillRef>
-          <a:effectRef idx="0">
-            <a:schemeClr val="accent1"/>
-          </a:effectRef>
-          <a:fontRef idx="minor">
-            <a:schemeClr val="tx1"/>
-          </a:fontRef>
-        </p:style>
-        <p:txBody>
-          <a:bodyPr rtlCol="0" anchor="ctr"/>
-          <a:p>
-            <a:pPr algn="ctr"/>
-            <a:endParaRPr lang="zh-CN" altLang="en-US"/>
-          </a:p>
-        </p:txBody>
-      </p:sp>
-      <p:sp>
-        <p:nvSpPr>
-          <p:cNvPr id="10" name="文本框 9"/>
-          <p:cNvSpPr txBox="1"/>
-          <p:nvPr/>
-        </p:nvSpPr>
-        <p:spPr>
-          <a:xfrm>
-            <a:off x="6155690" y="1816100"/>
-            <a:ext cx="4292600" cy="368300"/>
-          </a:xfrm>
-          <a:prstGeom prst="rect">
-            <a:avLst/>
-          </a:prstGeom>
-          <a:noFill/>
-        </p:spPr>
-        <p:txBody>
-          <a:bodyPr wrap="square" rtlCol="0">
-            <a:spAutoFit/>
-          </a:bodyPr>
-          <a:p>
-            <a:r>
-              <a:rPr lang="en-US" altLang="zh-CN"/>
-              <a:t>define mapper functions</a:t>
-            </a:r>
-            <a:endParaRPr lang="en-US" altLang="zh-CN"/>
-          </a:p>
-        </p:txBody>
-      </p:sp>
-      <p:sp>
-        <p:nvSpPr>
-          <p:cNvPr id="11" name="文本框 10"/>
-          <p:cNvSpPr txBox="1"/>
-          <p:nvPr/>
-        </p:nvSpPr>
-        <p:spPr>
-          <a:xfrm>
-            <a:off x="6189980" y="3654425"/>
-            <a:ext cx="4292600" cy="368300"/>
-          </a:xfrm>
-          <a:prstGeom prst="rect">
-            <a:avLst/>
-          </a:prstGeom>
-          <a:noFill/>
-        </p:spPr>
-        <p:txBody>
-          <a:bodyPr wrap="square" rtlCol="0">
-            <a:spAutoFit/>
-          </a:bodyPr>
-          <a:p>
-            <a:r>
-              <a:rPr lang="en-US" altLang="zh-CN"/>
-              <a:t>define java object</a:t>
-            </a:r>
-            <a:endParaRPr lang="en-US" altLang="zh-CN"/>
-          </a:p>
-        </p:txBody>
-      </p:sp>
-      <p:sp>
-        <p:nvSpPr>
-          <p:cNvPr id="12" name="文本框 11"/>
-          <p:cNvSpPr txBox="1"/>
-          <p:nvPr/>
-        </p:nvSpPr>
-        <p:spPr>
-          <a:xfrm>
-            <a:off x="6155690" y="2794635"/>
-            <a:ext cx="4292600" cy="645160"/>
-          </a:xfrm>
-          <a:prstGeom prst="rect">
-            <a:avLst/>
-          </a:prstGeom>
-          <a:noFill/>
-        </p:spPr>
-        <p:txBody>
-          <a:bodyPr wrap="square" rtlCol="0">
-            <a:spAutoFit/>
-          </a:bodyPr>
-          <a:p>
-            <a:r>
-              <a:rPr lang="en-US" altLang="zh-CN"/>
-              <a:t>define mapping between pojo and SQL statements</a:t>
-            </a:r>
-            <a:endParaRPr lang="en-US" altLang="zh-CN"/>
-          </a:p>
-        </p:txBody>
-      </p:sp>
-    </p:spTree>
-    <p:custDataLst>
-      <p:tags r:id="rId1"/>
-    </p:custDataLst>
-  </p:cSld>
-  <p:clrMapOvr>
-    <a:masterClrMapping/>
-  </p:clrMapOvr>
-</p:sld>
-</file>
-
-<file path=ppt/slides/slide14.xml><?xml version="1.0" encoding="utf-8"?>
-<p:sld xmlns:a="http://schemas.openxmlformats.org/drawingml/2006/main" xmlns:r="http://schemas.openxmlformats.org/officeDocument/2006/relationships" xmlns:p="http://schemas.openxmlformats.org/presentationml/2006/main">
-  <p:cSld>
-    <p:spTree>
-      <p:nvGrpSpPr>
-        <p:cNvPr id="1" name=""/>
-        <p:cNvGrpSpPr/>
-        <p:nvPr/>
-      </p:nvGrpSpPr>
-      <p:grpSpPr/>
-      <p:sp>
-        <p:nvSpPr>
-          <p:cNvPr id="4" name="标题 3"/>
-          <p:cNvSpPr>
-            <a:spLocks noGrp="1"/>
-          </p:cNvSpPr>
-          <p:nvPr>
-            <p:ph type="title"/>
-          </p:nvPr>
-        </p:nvSpPr>
-        <p:spPr/>
-        <p:txBody>
-          <a:bodyPr/>
-          <a:p>
-            <a:r>
-              <a:rPr lang="en-US" altLang="zh-CN"/>
-              <a:t>Pojo (Plain Old Java Object)</a:t>
-            </a:r>
-            <a:endParaRPr lang="en-US" altLang="zh-CN"/>
-          </a:p>
-        </p:txBody>
-      </p:sp>
-      <p:sp>
-        <p:nvSpPr>
-          <p:cNvPr id="5" name="内容占位符 4"/>
-          <p:cNvSpPr>
-            <a:spLocks noGrp="1"/>
-          </p:cNvSpPr>
-          <p:nvPr>
-            <p:ph idx="1"/>
-          </p:nvPr>
-        </p:nvSpPr>
-        <p:spPr/>
-        <p:txBody>
-          <a:bodyPr/>
-          <a:p>
-            <a:r>
-              <a:rPr lang="en-US" altLang="zh-CN"/>
-              <a:t>A Pojo class</a:t>
-            </a:r>
-            <a:endParaRPr lang="en-US" altLang="zh-CN"/>
-          </a:p>
-          <a:p>
-            <a:pPr lvl="1"/>
-            <a:r>
-              <a:rPr lang="en-US" altLang="zh-CN"/>
-              <a:t>contains variables and their getters and setters</a:t>
-            </a:r>
-            <a:endParaRPr lang="en-US" altLang="zh-CN"/>
-          </a:p>
-          <a:p>
-            <a:pPr lvl="0"/>
-            <a:r>
-              <a:rPr lang="en-US" altLang="zh-CN"/>
-              <a:t>References</a:t>
-            </a:r>
-            <a:endParaRPr lang="en-US" altLang="zh-CN"/>
-          </a:p>
-          <a:p>
-            <a:pPr lvl="1"/>
-            <a:r>
-              <a:rPr lang="en-US" altLang="zh-CN"/>
-              <a:t>https://www.javatpoint.com/pojo-in-java</a:t>
-            </a:r>
-            <a:endParaRPr lang="en-US" altLang="zh-CN"/>
-          </a:p>
-        </p:txBody>
-      </p:sp>
-    </p:spTree>
-    <p:custDataLst>
-      <p:tags r:id="rId1"/>
-    </p:custDataLst>
-  </p:cSld>
-  <p:clrMapOvr>
-    <a:masterClrMapping/>
-  </p:clrMapOvr>
-</p:sld>
-</file>
-
-<file path=ppt/slides/slide15.xml><?xml version="1.0" encoding="utf-8"?>
-<p:sld xmlns:a="http://schemas.openxmlformats.org/drawingml/2006/main" xmlns:r="http://schemas.openxmlformats.org/officeDocument/2006/relationships" xmlns:p="http://schemas.openxmlformats.org/presentationml/2006/main">
-  <p:cSld>
-    <p:spTree>
-      <p:nvGrpSpPr>
-        <p:cNvPr id="1" name=""/>
-        <p:cNvGrpSpPr/>
-        <p:nvPr/>
-      </p:nvGrpSpPr>
-      <p:grpSpPr/>
-      <p:sp>
-        <p:nvSpPr>
-          <p:cNvPr id="4" name="标题 3"/>
-          <p:cNvSpPr>
-            <a:spLocks noGrp="1"/>
-          </p:cNvSpPr>
-          <p:nvPr>
-            <p:ph type="title"/>
-          </p:nvPr>
-        </p:nvSpPr>
-        <p:spPr/>
-        <p:txBody>
-          <a:bodyPr/>
-          <a:p>
-            <a:r>
-              <a:rPr lang="en-US" altLang="zh-CN"/>
-              <a:t>MyBatis</a:t>
-            </a:r>
-            <a:endParaRPr lang="en-US" altLang="zh-CN"/>
-          </a:p>
-        </p:txBody>
-      </p:sp>
-      <p:sp>
-        <p:nvSpPr>
-          <p:cNvPr id="5" name="内容占位符 4"/>
-          <p:cNvSpPr>
-            <a:spLocks noGrp="1"/>
-          </p:cNvSpPr>
-          <p:nvPr>
-            <p:ph idx="1"/>
-          </p:nvPr>
-        </p:nvSpPr>
-        <p:spPr/>
-        <p:txBody>
-          <a:bodyPr>
-            <a:normAutofit lnSpcReduction="10000"/>
-          </a:bodyPr>
-          <a:p>
-            <a:r>
-              <a:rPr lang="en-US" altLang="zh-CN"/>
-              <a:t>Intro</a:t>
-            </a:r>
-            <a:endParaRPr lang="en-US" altLang="zh-CN"/>
-          </a:p>
-          <a:p>
-            <a:pPr lvl="1"/>
-            <a:r>
-              <a:rPr lang="en-US" altLang="zh-CN"/>
-              <a:t>an open source, lightweight, persistence framework</a:t>
-            </a:r>
-            <a:endParaRPr lang="en-US" altLang="zh-CN"/>
-          </a:p>
-          <a:p>
-            <a:pPr lvl="1"/>
-            <a:r>
-              <a:rPr lang="en-US" altLang="zh-CN"/>
-              <a:t>automates the mapping among SQL databases and objects in Java, .NET, and Ruby on Rails.</a:t>
-            </a:r>
-            <a:endParaRPr lang="en-US" altLang="zh-CN"/>
-          </a:p>
-          <a:p>
-            <a:pPr lvl="1"/>
-            <a:r>
-              <a:rPr lang="en-US" altLang="zh-CN"/>
-              <a:t>an alternative to JDBC and Hibernate</a:t>
-            </a:r>
-            <a:endParaRPr lang="en-US" altLang="zh-CN"/>
-          </a:p>
-          <a:p>
-            <a:pPr lvl="0"/>
-            <a:r>
-              <a:rPr lang="en-US" altLang="zh-CN"/>
-              <a:t>Mapper XML</a:t>
-            </a:r>
-            <a:endParaRPr lang="en-US" altLang="zh-CN"/>
-          </a:p>
-          <a:p>
-            <a:pPr lvl="1"/>
-            <a:r>
-              <a:rPr lang="en-US" altLang="zh-CN"/>
-              <a:t>contains a set of statements to configure various SQL statements such as select, insert, update, and delete</a:t>
-            </a:r>
-            <a:endParaRPr lang="en-US" altLang="zh-CN"/>
-          </a:p>
-          <a:p>
-            <a:pPr lvl="1"/>
-            <a:r>
-              <a:rPr lang="en-US" altLang="zh-CN"/>
-              <a:t>in accordance with pojo</a:t>
-            </a:r>
-            <a:endParaRPr lang="en-US" altLang="zh-CN"/>
-          </a:p>
-          <a:p>
-            <a:pPr lvl="0"/>
-            <a:r>
-              <a:rPr lang="en-US" altLang="zh-CN"/>
-              <a:t>Result maps</a:t>
-            </a:r>
-            <a:endParaRPr lang="en-US" altLang="zh-CN"/>
-          </a:p>
-          <a:p>
-            <a:pPr lvl="0"/>
-            <a:r>
-              <a:rPr lang="en-US" altLang="zh-CN"/>
-              <a:t>Add a new DB column</a:t>
-            </a:r>
-            <a:endParaRPr lang="en-US" altLang="zh-CN"/>
-          </a:p>
-          <a:p>
-            <a:pPr lvl="1"/>
-            <a:r>
-              <a:rPr lang="en-US" altLang="zh-CN"/>
-              <a:t>update mapper xml</a:t>
-            </a:r>
-            <a:endParaRPr lang="en-US" altLang="zh-CN"/>
-          </a:p>
-          <a:p>
-            <a:pPr lvl="1"/>
-            <a:r>
-              <a:rPr lang="en-US" altLang="zh-CN"/>
-              <a:t>update pojo</a:t>
-            </a:r>
-            <a:endParaRPr lang="en-US" altLang="zh-CN"/>
-          </a:p>
-        </p:txBody>
-      </p:sp>
-    </p:spTree>
-    <p:custDataLst>
-      <p:tags r:id="rId1"/>
-    </p:custDataLst>
-  </p:cSld>
-  <p:clrMapOvr>
-    <a:masterClrMapping/>
-  </p:clrMapOvr>
-</p:sld>
-</file>
-
-<file path=ppt/slides/slide16.xml><?xml version="1.0" encoding="utf-8"?>
-<p:sld xmlns:a="http://schemas.openxmlformats.org/drawingml/2006/main" xmlns:r="http://schemas.openxmlformats.org/officeDocument/2006/relationships" xmlns:p="http://schemas.openxmlformats.org/presentationml/2006/main">
-  <p:cSld>
-    <p:spTree>
-      <p:nvGrpSpPr>
-        <p:cNvPr id="1" name=""/>
-        <p:cNvGrpSpPr/>
-        <p:nvPr/>
-      </p:nvGrpSpPr>
-      <p:grpSpPr/>
-      <p:sp>
-        <p:nvSpPr>
-          <p:cNvPr id="4" name="标题 3"/>
-          <p:cNvSpPr>
-            <a:spLocks noGrp="1"/>
-          </p:cNvSpPr>
-          <p:nvPr>
-            <p:ph type="title"/>
-          </p:nvPr>
-        </p:nvSpPr>
-        <p:spPr/>
-        <p:txBody>
-          <a:bodyPr/>
-          <a:p>
-            <a:r>
-              <a:rPr lang="en-US" altLang="zh-CN"/>
-              <a:t>Misc</a:t>
-            </a:r>
-            <a:endParaRPr lang="en-US" altLang="zh-CN"/>
-          </a:p>
-        </p:txBody>
-      </p:sp>
-      <p:sp>
-        <p:nvSpPr>
-          <p:cNvPr id="5" name="文本占位符 4"/>
-          <p:cNvSpPr>
-            <a:spLocks noGrp="1"/>
-          </p:cNvSpPr>
-          <p:nvPr>
-            <p:ph type="body" idx="1"/>
-          </p:nvPr>
-        </p:nvSpPr>
-        <p:spPr/>
-        <p:txBody>
-          <a:bodyPr/>
-          <a:p>
-            <a:endParaRPr lang="zh-CN" altLang="en-US"/>
-          </a:p>
-        </p:txBody>
-      </p:sp>
-    </p:spTree>
-    <p:custDataLst>
-      <p:tags r:id="rId1"/>
-    </p:custDataLst>
-  </p:cSld>
-  <p:clrMapOvr>
-    <a:masterClrMapping/>
-  </p:clrMapOvr>
-</p:sld>
-</file>
-
-<file path=ppt/slides/slide17.xml><?xml version="1.0" encoding="utf-8"?>
-<p:sld xmlns:a="http://schemas.openxmlformats.org/drawingml/2006/main" xmlns:r="http://schemas.openxmlformats.org/officeDocument/2006/relationships" xmlns:p="http://schemas.openxmlformats.org/presentationml/2006/main">
-  <p:cSld>
-    <p:spTree>
-      <p:nvGrpSpPr>
-        <p:cNvPr id="1" name=""/>
-        <p:cNvGrpSpPr/>
-        <p:nvPr/>
-      </p:nvGrpSpPr>
-      <p:grpSpPr/>
-      <p:sp>
-        <p:nvSpPr>
-          <p:cNvPr id="4" name="标题 3"/>
-          <p:cNvSpPr>
-            <a:spLocks noGrp="1"/>
-          </p:cNvSpPr>
-          <p:nvPr>
-            <p:ph type="title"/>
-          </p:nvPr>
-        </p:nvSpPr>
-        <p:spPr/>
-        <p:txBody>
-          <a:bodyPr/>
-          <a:p>
-            <a:r>
-              <a:rPr lang="en-US" altLang="zh-CN"/>
-              <a:t>Base64</a:t>
-            </a:r>
-            <a:endParaRPr lang="en-US" altLang="zh-CN"/>
-          </a:p>
-        </p:txBody>
-      </p:sp>
-      <p:sp>
-        <p:nvSpPr>
-          <p:cNvPr id="5" name="内容占位符 4"/>
-          <p:cNvSpPr>
-            <a:spLocks noGrp="1"/>
-          </p:cNvSpPr>
-          <p:nvPr>
-            <p:ph idx="1"/>
-          </p:nvPr>
-        </p:nvSpPr>
-        <p:spPr/>
-        <p:txBody>
-          <a:bodyPr/>
-          <a:p>
-            <a:r>
-              <a:rPr lang="zh-CN" altLang="en-US"/>
-              <a:t>java.util.Base64</a:t>
-            </a:r>
-            <a:endParaRPr lang="zh-CN" altLang="en-US"/>
-          </a:p>
-          <a:p>
-            <a:r>
-              <a:rPr lang="en-US" altLang="zh-CN"/>
-              <a:t>encoding</a:t>
-            </a:r>
-            <a:endParaRPr lang="en-US" altLang="zh-CN"/>
-          </a:p>
-          <a:p>
-            <a:pPr lvl="1"/>
-            <a:r>
-              <a:rPr lang="en-US" altLang="zh-CN"/>
-              <a:t>String originalInput = "test input";</a:t>
-            </a:r>
-            <a:endParaRPr lang="en-US" altLang="zh-CN"/>
-          </a:p>
-          <a:p>
-            <a:pPr lvl="1"/>
-            <a:r>
-              <a:rPr lang="en-US" altLang="zh-CN"/>
-              <a:t>String encodedString = Base64.getEncoder().encodeToString(originalInput.getBytes());</a:t>
-            </a:r>
-            <a:endParaRPr lang="en-US" altLang="zh-CN"/>
-          </a:p>
-          <a:p>
-            <a:pPr lvl="0"/>
-            <a:r>
-              <a:rPr lang="en-US" altLang="zh-CN"/>
-              <a:t>decoding</a:t>
-            </a:r>
-            <a:endParaRPr lang="en-US" altLang="zh-CN"/>
-          </a:p>
-          <a:p>
-            <a:pPr lvl="1"/>
-            <a:r>
-              <a:rPr lang="en-US" altLang="zh-CN"/>
-              <a:t>byte[] decodedBytes = Base64.getDecoder().decode(encodedString);</a:t>
-            </a:r>
-            <a:endParaRPr lang="en-US" altLang="zh-CN"/>
-          </a:p>
-          <a:p>
-            <a:pPr lvl="1"/>
-            <a:r>
-              <a:rPr lang="en-US" altLang="zh-CN"/>
-              <a:t>String decodedString = new String(decodedBytes);</a:t>
-            </a:r>
-            <a:endParaRPr lang="en-US" altLang="zh-CN"/>
-          </a:p>
-        </p:txBody>
-      </p:sp>
-    </p:spTree>
-    <p:custDataLst>
-      <p:tags r:id="rId1"/>
-    </p:custDataLst>
-  </p:cSld>
-  <p:clrMapOvr>
-    <a:masterClrMapping/>
-  </p:clrMapOvr>
-</p:sld>
-</file>
-
-<file path=ppt/slides/slide18.xml><?xml version="1.0" encoding="utf-8"?>
-<p:sld xmlns:a="http://schemas.openxmlformats.org/drawingml/2006/main" xmlns:r="http://schemas.openxmlformats.org/officeDocument/2006/relationships" xmlns:p="http://schemas.openxmlformats.org/presentationml/2006/main">
-  <p:cSld>
-    <p:spTree>
-      <p:nvGrpSpPr>
-        <p:cNvPr id="1" name=""/>
-        <p:cNvGrpSpPr/>
-        <p:nvPr/>
-      </p:nvGrpSpPr>
-      <p:grpSpPr/>
-      <p:sp>
-        <p:nvSpPr>
-          <p:cNvPr id="2" name="标题 1"/>
-          <p:cNvSpPr>
-            <a:spLocks noGrp="1"/>
-          </p:cNvSpPr>
-          <p:nvPr>
-            <p:ph type="title"/>
-          </p:nvPr>
-        </p:nvSpPr>
-        <p:spPr/>
-        <p:txBody>
-          <a:bodyPr/>
-          <a:p>
-            <a:r>
-              <a:rPr lang="en-US" altLang="zh-CN"/>
-              <a:t>Configure Tomcat as Windows Service</a:t>
-            </a:r>
-            <a:endParaRPr lang="en-US" altLang="zh-CN"/>
-          </a:p>
-        </p:txBody>
-      </p:sp>
-      <p:sp>
-        <p:nvSpPr>
-          <p:cNvPr id="3" name="内容占位符 2"/>
-          <p:cNvSpPr>
-            <a:spLocks noGrp="1"/>
-          </p:cNvSpPr>
-          <p:nvPr>
-            <p:ph idx="1"/>
-          </p:nvPr>
-        </p:nvSpPr>
-        <p:spPr/>
-        <p:txBody>
-          <a:bodyPr/>
-          <a:p>
-            <a:r>
-              <a:rPr lang="en-US" altLang="zh-CN"/>
-              <a:t>Run “bin/service.bat install”</a:t>
-            </a:r>
-            <a:endParaRPr lang="en-US" altLang="zh-CN"/>
-          </a:p>
-        </p:txBody>
-      </p:sp>
-    </p:spTree>
-    <p:custDataLst>
-      <p:tags r:id="rId1"/>
-    </p:custDataLst>
-  </p:cSld>
-  <p:clrMapOvr>
-    <a:masterClrMapping/>
-  </p:clrMapOvr>
-</p:sld>
-</file>
-
-<file path=ppt/slides/slide2.xml><?xml version="1.0" encoding="utf-8"?>
-<p:sld xmlns:a="http://schemas.openxmlformats.org/drawingml/2006/main" xmlns:r="http://schemas.openxmlformats.org/officeDocument/2006/relationships" xmlns:p="http://schemas.openxmlformats.org/presentationml/2006/main">
-  <p:cSld>
-    <p:spTree>
-      <p:nvGrpSpPr>
-        <p:cNvPr id="1" name=""/>
-        <p:cNvGrpSpPr/>
-        <p:nvPr/>
-      </p:nvGrpSpPr>
-      <p:grpSpPr/>
-      <p:sp>
-        <p:nvSpPr>
-          <p:cNvPr id="2" name="标题 1"/>
-          <p:cNvSpPr>
-            <a:spLocks noGrp="1"/>
-          </p:cNvSpPr>
-          <p:nvPr>
-            <p:ph type="title"/>
-          </p:nvPr>
-        </p:nvSpPr>
-        <p:spPr/>
-        <p:txBody>
-          <a:bodyPr/>
-          <a:p>
-            <a:r>
-              <a:rPr lang="en-US" altLang="zh-CN"/>
-              <a:t>Install</a:t>
-            </a:r>
-            <a:endParaRPr lang="en-US" altLang="zh-CN"/>
-          </a:p>
-        </p:txBody>
-      </p:sp>
-      <p:sp>
-        <p:nvSpPr>
-          <p:cNvPr id="3" name="内容占位符 2"/>
-          <p:cNvSpPr>
-            <a:spLocks noGrp="1"/>
-          </p:cNvSpPr>
-          <p:nvPr>
-            <p:ph idx="1"/>
-          </p:nvPr>
-        </p:nvSpPr>
-        <p:spPr/>
-        <p:txBody>
-          <a:bodyPr/>
-          <a:p>
-            <a:r>
-              <a:rPr lang="en-US" altLang="zh-CN"/>
-              <a:t>Ref</a:t>
-            </a:r>
-            <a:endParaRPr lang="en-US" altLang="zh-CN"/>
-          </a:p>
-          <a:p>
-            <a:pPr lvl="1"/>
-            <a:r>
-              <a:rPr lang="zh-CN" altLang="en-US"/>
-              <a:t>https://blog.csdn.net/cpjiiiiiii/article/details/95317115</a:t>
-            </a:r>
-            <a:endParaRPr lang="zh-CN" altLang="en-US"/>
-          </a:p>
-          <a:p>
-            <a:pPr lvl="0"/>
-            <a:r>
-              <a:rPr lang="en-US" altLang="zh-CN"/>
-              <a:t>Steps</a:t>
-            </a:r>
-            <a:endParaRPr lang="en-US" altLang="zh-CN"/>
-          </a:p>
-          <a:p>
-            <a:pPr lvl="1"/>
-            <a:r>
-              <a:rPr lang="en-US" altLang="zh-CN"/>
-              <a:t>Install JDK</a:t>
-            </a:r>
-            <a:endParaRPr lang="en-US" altLang="zh-CN"/>
-          </a:p>
-          <a:p>
-            <a:pPr lvl="1"/>
-            <a:r>
-              <a:rPr lang="en-US" altLang="zh-CN"/>
-              <a:t>Configure environment variables</a:t>
-            </a:r>
-            <a:endParaRPr lang="en-US" altLang="zh-CN"/>
-          </a:p>
-          <a:p>
-            <a:pPr lvl="1"/>
-            <a:r>
-              <a:rPr lang="en-US" altLang="zh-CN"/>
-              <a:t>Install Eclipse</a:t>
-            </a:r>
-            <a:endParaRPr lang="en-US" altLang="zh-CN"/>
-          </a:p>
-        </p:txBody>
-      </p:sp>
-    </p:spTree>
-    <p:custDataLst>
-      <p:tags r:id="rId1"/>
-    </p:custDataLst>
-  </p:cSld>
-  <p:clrMapOvr>
-    <a:masterClrMapping/>
-  </p:clrMapOvr>
-</p:sld>
-</file>
-
-<file path=ppt/slides/slide3.xml><?xml version="1.0" encoding="utf-8"?>
-<p:sld xmlns:a="http://schemas.openxmlformats.org/drawingml/2006/main" xmlns:r="http://schemas.openxmlformats.org/officeDocument/2006/relationships" xmlns:p="http://schemas.openxmlformats.org/presentationml/2006/main">
-  <p:cSld>
-    <p:spTree>
-      <p:nvGrpSpPr>
-        <p:cNvPr id="1" name=""/>
-        <p:cNvGrpSpPr/>
-        <p:nvPr/>
-      </p:nvGrpSpPr>
-      <p:grpSpPr/>
-      <p:sp>
-        <p:nvSpPr>
-          <p:cNvPr id="2" name="标题 1"/>
-          <p:cNvSpPr>
-            <a:spLocks noGrp="1"/>
-          </p:cNvSpPr>
-          <p:nvPr>
-            <p:ph type="title"/>
-          </p:nvPr>
-        </p:nvSpPr>
-        <p:spPr/>
-        <p:txBody>
-          <a:bodyPr/>
-          <a:p>
-            <a:r>
-              <a:rPr lang="en-US" altLang="zh-CN"/>
-              <a:t>Maven</a:t>
-            </a:r>
-            <a:endParaRPr lang="en-US" altLang="zh-CN"/>
-          </a:p>
-        </p:txBody>
-      </p:sp>
-      <p:sp>
-        <p:nvSpPr>
-          <p:cNvPr id="3" name="内容占位符 2"/>
-          <p:cNvSpPr>
-            <a:spLocks noGrp="1"/>
-          </p:cNvSpPr>
-          <p:nvPr>
-            <p:ph idx="1"/>
-          </p:nvPr>
-        </p:nvSpPr>
-        <p:spPr>
-          <a:xfrm>
-            <a:off x="838200" y="1211580"/>
-            <a:ext cx="6861175" cy="4549140"/>
-          </a:xfrm>
-        </p:spPr>
-        <p:txBody>
-          <a:bodyPr>
-            <a:normAutofit fontScale="90000" lnSpcReduction="20000"/>
-          </a:bodyPr>
-          <a:p>
-            <a:r>
-              <a:rPr lang="en-US" altLang="zh-CN"/>
-              <a:t>Install</a:t>
-            </a:r>
-            <a:endParaRPr lang="en-US" altLang="zh-CN"/>
-          </a:p>
-          <a:p>
-            <a:pPr lvl="1"/>
-            <a:r>
-              <a:rPr lang="en-US" altLang="zh-CN" sz="2000"/>
-              <a:t>Download zip from  https://maven.apache.org/download.cgi</a:t>
-            </a:r>
-            <a:endParaRPr lang="en-US" altLang="zh-CN" sz="2000"/>
-          </a:p>
-          <a:p>
-            <a:pPr lvl="1"/>
-            <a:r>
-              <a:rPr lang="en-US" altLang="zh-CN" sz="2000"/>
-              <a:t>Add bin folder to system path</a:t>
-            </a:r>
-            <a:endParaRPr lang="en-US" altLang="zh-CN" sz="2000"/>
-          </a:p>
-          <a:p>
-            <a:pPr lvl="1"/>
-            <a:r>
-              <a:rPr lang="en-US" altLang="zh-CN" sz="2000"/>
-              <a:t>mvn -v</a:t>
-            </a:r>
-            <a:endParaRPr lang="en-US" altLang="zh-CN" sz="2000"/>
-          </a:p>
-          <a:p>
-            <a:r>
-              <a:rPr lang="en-US" altLang="zh-CN"/>
-              <a:t>POM </a:t>
-            </a:r>
-            <a:r>
-              <a:rPr lang="zh-CN" altLang="en-US"/>
-              <a:t>（</a:t>
-            </a:r>
-            <a:r>
-              <a:rPr lang="en-US" altLang="zh-CN"/>
-              <a:t>Project Object Model</a:t>
-            </a:r>
-            <a:r>
-              <a:rPr lang="zh-CN" altLang="en-US"/>
-              <a:t>）</a:t>
-            </a:r>
-            <a:endParaRPr lang="zh-CN" altLang="en-US"/>
-          </a:p>
-          <a:p>
-            <a:pPr lvl="1"/>
-            <a:r>
-              <a:rPr lang="en-US" altLang="zh-CN"/>
-              <a:t>pom.xml</a:t>
-            </a:r>
-            <a:endParaRPr lang="en-US" altLang="zh-CN"/>
-          </a:p>
-          <a:p>
-            <a:pPr lvl="0"/>
-            <a:r>
-              <a:rPr lang="zh-CN" altLang="en-US"/>
-              <a:t>更换国内镜像</a:t>
-            </a:r>
-            <a:endParaRPr lang="zh-CN" altLang="en-US"/>
-          </a:p>
-          <a:p>
-            <a:pPr lvl="1"/>
-            <a:r>
-              <a:rPr lang="zh-CN" altLang="en-US"/>
-              <a:t>全局配置: ${M2_HOME}/conf/settings.xml</a:t>
-            </a:r>
-            <a:endParaRPr lang="zh-CN" altLang="en-US" sz="2000"/>
-          </a:p>
-          <a:p>
-            <a:pPr lvl="1"/>
-            <a:r>
-              <a:rPr lang="zh-CN" altLang="en-US"/>
-              <a:t>用户配置: user.home/.m2/settings.xml</a:t>
-            </a:r>
-            <a:endParaRPr lang="zh-CN" altLang="en-US"/>
-          </a:p>
-          <a:p>
-            <a:pPr lvl="0"/>
-            <a:r>
-              <a:rPr lang="en-US" altLang="zh-CN" sz="2400"/>
-              <a:t>Build</a:t>
-            </a:r>
-            <a:endParaRPr lang="en-US" altLang="zh-CN" sz="2400"/>
-          </a:p>
-          <a:p>
-            <a:pPr lvl="1"/>
-            <a:r>
-              <a:rPr lang="en-US" altLang="zh-CN" sz="2000"/>
-              <a:t>mvn compile</a:t>
-            </a:r>
-            <a:endParaRPr lang="en-US" altLang="zh-CN" sz="2000"/>
-          </a:p>
-          <a:p>
-            <a:pPr lvl="1"/>
-            <a:r>
-              <a:rPr lang="en-US" altLang="zh-CN" sz="2000"/>
-              <a:t>mvn package</a:t>
-            </a:r>
-            <a:endParaRPr lang="en-US" altLang="zh-CN" sz="2000"/>
-          </a:p>
-          <a:p>
-            <a:pPr lvl="1"/>
-            <a:r>
-              <a:rPr lang="en-US" altLang="zh-CN" sz="2000"/>
-              <a:t>mvn clean</a:t>
-            </a:r>
-            <a:endParaRPr lang="en-US" altLang="zh-CN" sz="2000"/>
-          </a:p>
-          <a:p>
-            <a:pPr lvl="1"/>
-            <a:r>
-              <a:rPr lang="en-US" altLang="zh-CN" sz="2000"/>
-              <a:t>mvn clean package</a:t>
-            </a:r>
-            <a:endParaRPr lang="zh-CN" altLang="en-US"/>
-          </a:p>
-          <a:p>
-            <a:pPr lvl="1"/>
-            <a:endParaRPr lang="zh-CN" altLang="en-US"/>
-          </a:p>
-        </p:txBody>
-      </p:sp>
-      <p:sp>
-        <p:nvSpPr>
-          <p:cNvPr id="4" name="文本框 3"/>
-          <p:cNvSpPr txBox="1"/>
-          <p:nvPr/>
-        </p:nvSpPr>
-        <p:spPr>
-          <a:xfrm>
-            <a:off x="6391275" y="1376045"/>
-            <a:ext cx="5403215" cy="1198880"/>
-          </a:xfrm>
-          <a:prstGeom prst="rect">
-            <a:avLst/>
-          </a:prstGeom>
-          <a:noFill/>
-          <a:ln>
-            <a:solidFill>
-              <a:srgbClr val="FFC000"/>
-            </a:solidFill>
-          </a:ln>
-        </p:spPr>
-        <p:txBody>
-          <a:bodyPr wrap="square" rtlCol="0">
-            <a:spAutoFit/>
-          </a:bodyPr>
-          <a:p>
-            <a:r>
-              <a:rPr lang="zh-CN" altLang="en-US" sz="1200"/>
-              <a:t>    &lt;mirror&gt;</a:t>
-            </a:r>
-            <a:endParaRPr lang="zh-CN" altLang="en-US" sz="1200"/>
-          </a:p>
-          <a:p>
-            <a:r>
-              <a:rPr lang="zh-CN" altLang="en-US" sz="1200"/>
-              <a:t>      &lt;id&gt;alimaven&lt;/id&gt;</a:t>
-            </a:r>
-            <a:endParaRPr lang="zh-CN" altLang="en-US" sz="1200"/>
-          </a:p>
-          <a:p>
-            <a:r>
-              <a:rPr lang="zh-CN" altLang="en-US" sz="1200"/>
-              <a:t>      &lt;name&gt;aliyun maven&lt;/name&gt;</a:t>
-            </a:r>
-            <a:endParaRPr lang="zh-CN" altLang="en-US" sz="1200"/>
-          </a:p>
-          <a:p>
-            <a:r>
-              <a:rPr lang="zh-CN" altLang="en-US" sz="1200"/>
-              <a:t>      &lt;url&gt;http://maven.aliyun.com/nexus/content/repositories/central/&lt;/url&gt;</a:t>
-            </a:r>
-            <a:endParaRPr lang="zh-CN" altLang="en-US" sz="1200"/>
-          </a:p>
-          <a:p>
-            <a:r>
-              <a:rPr lang="zh-CN" altLang="en-US" sz="1200"/>
-              <a:t>      &lt;mirrorOf&gt;central&lt;/mirrorOf&gt;</a:t>
-            </a:r>
-            <a:endParaRPr lang="zh-CN" altLang="en-US" sz="1200"/>
-          </a:p>
-          <a:p>
-            <a:r>
-              <a:rPr lang="zh-CN" altLang="en-US" sz="1200"/>
-              <a:t>    &lt;/mirror&gt;</a:t>
-            </a:r>
-            <a:endParaRPr lang="zh-CN" altLang="en-US" sz="1200"/>
-          </a:p>
-        </p:txBody>
-      </p:sp>
-      <p:pic>
-        <p:nvPicPr>
-          <p:cNvPr id="100" name="图片 99"/>
-          <p:cNvPicPr/>
-          <p:nvPr/>
-        </p:nvPicPr>
-        <p:blipFill>
-          <a:blip r:embed="rId1" r:link="rId2"/>
-          <a:stretch>
-            <a:fillRect/>
-          </a:stretch>
-        </p:blipFill>
-        <p:spPr>
-          <a:xfrm>
-            <a:off x="6792595" y="2882265"/>
-            <a:ext cx="4601210" cy="1394460"/>
-          </a:xfrm>
-          <a:prstGeom prst="rect">
-            <a:avLst/>
-          </a:prstGeom>
-          <a:noFill/>
-          <a:ln w="9525">
-            <a:noFill/>
-          </a:ln>
-        </p:spPr>
-      </p:pic>
-    </p:spTree>
-    <p:custDataLst>
-      <p:tags r:id="rId3"/>
-    </p:custDataLst>
-  </p:cSld>
-  <p:clrMapOvr>
-    <a:masterClrMapping/>
-  </p:clrMapOvr>
-</p:sld>
-</file>
-
-<file path=ppt/slides/slide4.xml><?xml version="1.0" encoding="utf-8"?>
-<p:sld xmlns:a="http://schemas.openxmlformats.org/drawingml/2006/main" xmlns:r="http://schemas.openxmlformats.org/officeDocument/2006/relationships" xmlns:p="http://schemas.openxmlformats.org/presentationml/2006/main">
-  <p:cSld>
-    <p:spTree>
-      <p:nvGrpSpPr>
-        <p:cNvPr id="1" name=""/>
-        <p:cNvGrpSpPr/>
-        <p:nvPr/>
-      </p:nvGrpSpPr>
-      <p:grpSpPr/>
-      <p:sp>
-        <p:nvSpPr>
-          <p:cNvPr id="2" name="标题 1"/>
-          <p:cNvSpPr>
-            <a:spLocks noGrp="1"/>
-          </p:cNvSpPr>
-          <p:nvPr>
-            <p:ph type="title"/>
-          </p:nvPr>
-        </p:nvSpPr>
-        <p:spPr/>
-        <p:txBody>
-          <a:bodyPr/>
-          <a:p>
-            <a:r>
-              <a:rPr lang="en-US" altLang="zh-CN"/>
-              <a:t>Gradle</a:t>
-            </a:r>
-            <a:endParaRPr lang="en-US" altLang="zh-CN"/>
-          </a:p>
-        </p:txBody>
-      </p:sp>
-      <p:sp>
-        <p:nvSpPr>
-          <p:cNvPr id="3" name="内容占位符 2"/>
-          <p:cNvSpPr>
-            <a:spLocks noGrp="1"/>
-          </p:cNvSpPr>
-          <p:nvPr>
-            <p:ph idx="1"/>
-          </p:nvPr>
-        </p:nvSpPr>
-        <p:spPr/>
-        <p:txBody>
-          <a:bodyPr/>
-          <a:p>
-            <a:r>
-              <a:rPr lang="en-US" altLang="zh-CN"/>
-              <a:t>Intro</a:t>
-            </a:r>
-            <a:endParaRPr lang="en-US" altLang="zh-CN"/>
-          </a:p>
-          <a:p>
-            <a:pPr lvl="1"/>
-            <a:r>
-              <a:rPr lang="en-US" altLang="zh-CN" sz="2000"/>
-              <a:t>build tool</a:t>
-            </a:r>
-            <a:endParaRPr lang="en-US" altLang="zh-CN"/>
-          </a:p>
-          <a:p>
-            <a:r>
-              <a:rPr lang="en-US" altLang="zh-CN"/>
-              <a:t>Install</a:t>
-            </a:r>
-            <a:endParaRPr lang="en-US" altLang="zh-CN"/>
-          </a:p>
-          <a:p>
-            <a:pPr lvl="1"/>
-            <a:r>
-              <a:rPr lang="en-US" altLang="zh-CN"/>
-              <a:t>https://gradle.org/install/</a:t>
-            </a:r>
-            <a:endParaRPr lang="en-US" altLang="zh-CN"/>
-          </a:p>
-        </p:txBody>
-      </p:sp>
-    </p:spTree>
-    <p:custDataLst>
-      <p:tags r:id="rId1"/>
-    </p:custDataLst>
-  </p:cSld>
-  <p:clrMapOvr>
-    <a:masterClrMapping/>
-  </p:clrMapOvr>
-</p:sld>
-</file>
-
-<file path=ppt/slides/slide5.xml><?xml version="1.0" encoding="utf-8"?>
-<p:sld xmlns:a="http://schemas.openxmlformats.org/drawingml/2006/main" xmlns:r="http://schemas.openxmlformats.org/officeDocument/2006/relationships" xmlns:p="http://schemas.openxmlformats.org/presentationml/2006/main">
-  <p:cSld>
-    <p:spTree>
-      <p:nvGrpSpPr>
-        <p:cNvPr id="1" name=""/>
-        <p:cNvGrpSpPr/>
-        <p:nvPr/>
-      </p:nvGrpSpPr>
-      <p:grpSpPr/>
-      <p:sp>
-        <p:nvSpPr>
-          <p:cNvPr id="2" name="标题 1"/>
-          <p:cNvSpPr>
-            <a:spLocks noGrp="1"/>
-          </p:cNvSpPr>
-          <p:nvPr>
-            <p:ph type="title"/>
-          </p:nvPr>
-        </p:nvSpPr>
-        <p:spPr/>
-        <p:txBody>
-          <a:bodyPr/>
-          <a:p>
-            <a:r>
-              <a:rPr lang="en-US" altLang="zh-CN"/>
-              <a:t>Vim</a:t>
-            </a:r>
-            <a:endParaRPr lang="en-US" altLang="zh-CN"/>
-          </a:p>
-        </p:txBody>
-      </p:sp>
-      <p:sp>
-        <p:nvSpPr>
-          <p:cNvPr id="3" name="内容占位符 2"/>
-          <p:cNvSpPr>
-            <a:spLocks noGrp="1"/>
-          </p:cNvSpPr>
-          <p:nvPr>
-            <p:ph idx="1"/>
-          </p:nvPr>
-        </p:nvSpPr>
-        <p:spPr/>
-        <p:txBody>
-          <a:bodyPr/>
-          <a:p>
-            <a:r>
-              <a:rPr lang="en-US" altLang="zh-CN"/>
-              <a:t>Reference</a:t>
-            </a:r>
-            <a:endParaRPr lang="en-US" altLang="zh-CN"/>
-          </a:p>
-          <a:p>
-            <a:pPr lvl="1"/>
-            <a:r>
-              <a:rPr lang="en-US" altLang="zh-CN"/>
-              <a:t>https://dev.to/mafflerbach/vim-as-java-ide-3b1a</a:t>
-            </a:r>
-            <a:endParaRPr lang="en-US" altLang="zh-CN"/>
-          </a:p>
-        </p:txBody>
-      </p:sp>
-    </p:spTree>
-    <p:custDataLst>
-      <p:tags r:id="rId1"/>
-    </p:custDataLst>
-  </p:cSld>
-  <p:clrMapOvr>
-    <a:masterClrMapping/>
-  </p:clrMapOvr>
-</p:sld>
-</file>
-
-<file path=ppt/slides/slide6.xml><?xml version="1.0" encoding="utf-8"?>
-<p:sld xmlns:a="http://schemas.openxmlformats.org/drawingml/2006/main" xmlns:r="http://schemas.openxmlformats.org/officeDocument/2006/relationships" xmlns:p="http://schemas.openxmlformats.org/presentationml/2006/main">
-  <p:cSld>
-    <p:spTree>
-      <p:nvGrpSpPr>
-        <p:cNvPr id="1" name=""/>
-        <p:cNvGrpSpPr/>
-        <p:nvPr/>
-      </p:nvGrpSpPr>
-      <p:grpSpPr/>
-      <p:sp>
-        <p:nvSpPr>
-          <p:cNvPr id="2" name="标题 1"/>
-          <p:cNvSpPr>
-            <a:spLocks noGrp="1"/>
-          </p:cNvSpPr>
-          <p:nvPr>
-            <p:ph type="title"/>
-          </p:nvPr>
-        </p:nvSpPr>
-        <p:spPr/>
-        <p:txBody>
-          <a:bodyPr/>
-          <a:p>
-            <a:r>
-              <a:rPr lang="en-US" altLang="zh-CN"/>
-              <a:t>Spring Cloud</a:t>
-            </a:r>
-            <a:endParaRPr lang="en-US" altLang="zh-CN"/>
-          </a:p>
-        </p:txBody>
-      </p:sp>
-      <p:sp>
-        <p:nvSpPr>
-          <p:cNvPr id="3" name="内容占位符 2"/>
-          <p:cNvSpPr>
-            <a:spLocks noGrp="1"/>
-          </p:cNvSpPr>
-          <p:nvPr>
-            <p:ph idx="1"/>
-          </p:nvPr>
-        </p:nvSpPr>
-        <p:spPr/>
-        <p:txBody>
-          <a:bodyPr/>
-          <a:p>
-            <a:r>
-              <a:rPr lang="zh-CN" altLang="en-US"/>
-              <a:t>参考</a:t>
-            </a:r>
-            <a:endParaRPr lang="zh-CN" altLang="en-US"/>
-          </a:p>
-          <a:p>
-            <a:pPr lvl="1"/>
-            <a:r>
-              <a:rPr lang="zh-CN" altLang="en-US"/>
-              <a:t>http://c.biancheng.net/spring_cloud/</a:t>
-            </a:r>
-            <a:endParaRPr lang="zh-CN" altLang="en-US"/>
-          </a:p>
-          <a:p>
-            <a:r>
-              <a:rPr lang="zh-CN" altLang="en-US"/>
-              <a:t>介绍</a:t>
-            </a:r>
-            <a:endParaRPr lang="zh-CN" altLang="en-US"/>
-          </a:p>
-          <a:p>
-            <a:pPr lvl="1"/>
-            <a:r>
-              <a:rPr lang="zh-CN" altLang="en-US"/>
-              <a:t>开发分布式系统的“全家桶”，是一系列框架的有序集合。</a:t>
-            </a:r>
-            <a:endParaRPr lang="zh-CN" altLang="en-US"/>
-          </a:p>
-          <a:p>
-            <a:pPr lvl="0"/>
-            <a:r>
-              <a:rPr lang="zh-CN" altLang="en-US"/>
-              <a:t>环境搭建</a:t>
-            </a:r>
-            <a:endParaRPr lang="zh-CN" altLang="en-US"/>
-          </a:p>
-          <a:p>
-            <a:pPr lvl="1"/>
-            <a:r>
-              <a:rPr lang="en-US" altLang="zh-CN"/>
-              <a:t>JDK</a:t>
-            </a:r>
-            <a:endParaRPr lang="en-US" altLang="zh-CN"/>
-          </a:p>
-          <a:p>
-            <a:pPr lvl="2"/>
-            <a:r>
-              <a:rPr lang="en-US" altLang="zh-CN"/>
-              <a:t>java -version</a:t>
-            </a:r>
-            <a:endParaRPr lang="en-US" altLang="zh-CN"/>
-          </a:p>
-          <a:p>
-            <a:pPr lvl="1"/>
-            <a:r>
-              <a:rPr lang="en-US" altLang="zh-CN"/>
-              <a:t>Maven</a:t>
-            </a:r>
-            <a:endParaRPr lang="en-US" altLang="zh-CN"/>
-          </a:p>
-          <a:p>
-            <a:pPr lvl="2"/>
-            <a:r>
-              <a:rPr lang="en-US" altLang="zh-CN"/>
-              <a:t>mvn -version</a:t>
-            </a:r>
-            <a:endParaRPr lang="en-US" altLang="zh-CN"/>
-          </a:p>
-          <a:p>
-            <a:pPr lvl="1"/>
-            <a:r>
-              <a:rPr lang="en-US" altLang="zh-CN"/>
-              <a:t>Gradle</a:t>
-            </a:r>
-            <a:endParaRPr lang="en-US" altLang="zh-CN"/>
-          </a:p>
-          <a:p>
-            <a:pPr lvl="2"/>
-            <a:r>
-              <a:rPr lang="en-US" altLang="zh-CN"/>
-              <a:t>https://gradle.org/install/</a:t>
-            </a:r>
-            <a:endParaRPr lang="en-US" altLang="zh-CN"/>
-          </a:p>
-        </p:txBody>
-      </p:sp>
-    </p:spTree>
-    <p:custDataLst>
-      <p:tags r:id="rId1"/>
-    </p:custDataLst>
-  </p:cSld>
-  <p:clrMapOvr>
-    <a:masterClrMapping/>
-  </p:clrMapOvr>
-</p:sld>
-</file>
-
-<file path=ppt/slides/slide7.xml><?xml version="1.0" encoding="utf-8"?>
-<p:sld xmlns:a="http://schemas.openxmlformats.org/drawingml/2006/main" xmlns:r="http://schemas.openxmlformats.org/officeDocument/2006/relationships" xmlns:p="http://schemas.openxmlformats.org/presentationml/2006/main">
-  <p:cSld>
-    <p:spTree>
-      <p:nvGrpSpPr>
-        <p:cNvPr id="1" name=""/>
-        <p:cNvGrpSpPr/>
-        <p:nvPr/>
-      </p:nvGrpSpPr>
-      <p:grpSpPr/>
-      <p:sp>
-        <p:nvSpPr>
-          <p:cNvPr id="2" name="标题 1"/>
-          <p:cNvSpPr>
-            <a:spLocks noGrp="1"/>
-          </p:cNvSpPr>
-          <p:nvPr>
-            <p:ph type="title"/>
-          </p:nvPr>
-        </p:nvSpPr>
-        <p:spPr/>
-        <p:txBody>
-          <a:bodyPr/>
-          <a:p>
-            <a:r>
-              <a:rPr lang="en-US" altLang="zh-CN"/>
-              <a:t>Install Tomcat as Windows Service</a:t>
-            </a:r>
-            <a:endParaRPr lang="en-US" altLang="zh-CN"/>
-          </a:p>
-        </p:txBody>
-      </p:sp>
-      <p:sp>
-        <p:nvSpPr>
-          <p:cNvPr id="3" name="内容占位符 2"/>
-          <p:cNvSpPr>
-            <a:spLocks noGrp="1"/>
-          </p:cNvSpPr>
-          <p:nvPr>
-            <p:ph idx="1"/>
-          </p:nvPr>
-        </p:nvSpPr>
-        <p:spPr/>
-        <p:txBody>
-          <a:bodyPr/>
-          <a:p>
-            <a:r>
-              <a:rPr lang="en-US" altLang="zh-CN"/>
-              <a:t>Reference</a:t>
-            </a:r>
-            <a:endParaRPr lang="en-US" altLang="zh-CN"/>
-          </a:p>
-          <a:p>
-            <a:pPr lvl="1"/>
-            <a:r>
-              <a:rPr lang="en-US" altLang="zh-CN"/>
-              <a:t>https://tomcat.apache.org/tomcat-8.5-doc/windows-service-howto.html</a:t>
-            </a:r>
-            <a:endParaRPr lang="en-US" altLang="zh-CN"/>
-          </a:p>
-          <a:p>
-            <a:pPr lvl="0"/>
-            <a:r>
-              <a:rPr lang="en-US" altLang="zh-CN"/>
-              <a:t>Steps</a:t>
-            </a:r>
-            <a:endParaRPr lang="en-US" altLang="zh-CN"/>
-          </a:p>
-          <a:p>
-            <a:pPr lvl="1"/>
-            <a:r>
-              <a:rPr lang="en-US" altLang="zh-CN"/>
-              <a:t>bin/service.bat install {ServiceName}</a:t>
-            </a:r>
-            <a:endParaRPr lang="en-US" altLang="zh-CN"/>
-          </a:p>
-        </p:txBody>
-      </p:sp>
-    </p:spTree>
-    <p:custDataLst>
-      <p:tags r:id="rId1"/>
-    </p:custDataLst>
-  </p:cSld>
-  <p:clrMapOvr>
-    <a:masterClrMapping/>
-  </p:clrMapOvr>
-</p:sld>
-</file>
-
-<file path=ppt/slides/slide8.xml><?xml version="1.0" encoding="utf-8"?>
-<p:sld xmlns:a="http://schemas.openxmlformats.org/drawingml/2006/main" xmlns:r="http://schemas.openxmlformats.org/officeDocument/2006/relationships" xmlns:p="http://schemas.openxmlformats.org/presentationml/2006/main">
-  <p:cSld>
-    <p:spTree>
-      <p:nvGrpSpPr>
-        <p:cNvPr id="1" name=""/>
-        <p:cNvGrpSpPr/>
-        <p:nvPr/>
-      </p:nvGrpSpPr>
-      <p:grpSpPr/>
-      <p:sp>
-        <p:nvSpPr>
-          <p:cNvPr id="4" name="标题 3"/>
-          <p:cNvSpPr>
-            <a:spLocks noGrp="1"/>
-          </p:cNvSpPr>
-          <p:nvPr>
-            <p:ph type="title"/>
-          </p:nvPr>
-        </p:nvSpPr>
-        <p:spPr/>
-        <p:txBody>
-          <a:bodyPr/>
-          <a:p>
-            <a:r>
-              <a:rPr lang="en-US" altLang="zh-CN"/>
-              <a:t>Spring Boot</a:t>
-            </a:r>
-            <a:endParaRPr lang="en-US" altLang="zh-CN"/>
-          </a:p>
-        </p:txBody>
-      </p:sp>
-      <p:sp>
-        <p:nvSpPr>
-          <p:cNvPr id="5" name="文本占位符 4"/>
-          <p:cNvSpPr>
-            <a:spLocks noGrp="1"/>
-          </p:cNvSpPr>
-          <p:nvPr>
-            <p:ph type="body" idx="1"/>
-          </p:nvPr>
-        </p:nvSpPr>
-        <p:spPr/>
-        <p:txBody>
-          <a:bodyPr/>
-          <a:p>
-            <a:endParaRPr lang="zh-CN" altLang="en-US"/>
-          </a:p>
-        </p:txBody>
-      </p:sp>
-    </p:spTree>
-    <p:custDataLst>
-      <p:tags r:id="rId1"/>
-    </p:custDataLst>
-  </p:cSld>
-  <p:clrMapOvr>
-    <a:masterClrMapping/>
-  </p:clrMapOvr>
-</p:sld>
-</file>
-
-<file path=ppt/slides/slide9.xml><?xml version="1.0" encoding="utf-8"?>
-<p:sld xmlns:a="http://schemas.openxmlformats.org/drawingml/2006/main" xmlns:r="http://schemas.openxmlformats.org/officeDocument/2006/relationships" xmlns:p="http://schemas.openxmlformats.org/presentationml/2006/main">
-  <p:cSld>
-    <p:spTree>
-      <p:nvGrpSpPr>
-        <p:cNvPr id="1" name=""/>
-        <p:cNvGrpSpPr/>
-        <p:nvPr/>
-      </p:nvGrpSpPr>
-      <p:grpSpPr/>
-      <p:sp>
-        <p:nvSpPr>
-          <p:cNvPr id="2" name="标题 1"/>
-          <p:cNvSpPr>
-            <a:spLocks noGrp="1"/>
-          </p:cNvSpPr>
-          <p:nvPr>
-            <p:ph type="title"/>
-          </p:nvPr>
-        </p:nvSpPr>
-        <p:spPr/>
-        <p:txBody>
-          <a:bodyPr/>
-          <a:p>
-            <a:r>
-              <a:rPr lang="en-US" altLang="zh-CN"/>
               <a:t>Introduction</a:t>
             </a:r>
             <a:endParaRPr lang="zh-CN" altLang="en-US"/>
@@ -5720,6 +3813,1987 @@
     </p:spTree>
     <p:custDataLst>
       <p:tags r:id="rId7"/>
+    </p:custDataLst>
+  </p:cSld>
+  <p:clrMapOvr>
+    <a:masterClrMapping/>
+  </p:clrMapOvr>
+</p:sld>
+</file>
+
+<file path=ppt/slides/slide11.xml><?xml version="1.0" encoding="utf-8"?>
+<p:sld xmlns:a="http://schemas.openxmlformats.org/drawingml/2006/main" xmlns:r="http://schemas.openxmlformats.org/officeDocument/2006/relationships" xmlns:p="http://schemas.openxmlformats.org/presentationml/2006/main">
+  <p:cSld>
+    <p:spTree>
+      <p:nvGrpSpPr>
+        <p:cNvPr id="1" name=""/>
+        <p:cNvGrpSpPr/>
+        <p:nvPr/>
+      </p:nvGrpSpPr>
+      <p:grpSpPr/>
+      <p:sp>
+        <p:nvSpPr>
+          <p:cNvPr id="2" name="标题 1"/>
+          <p:cNvSpPr>
+            <a:spLocks noGrp="1"/>
+          </p:cNvSpPr>
+          <p:nvPr>
+            <p:ph type="title"/>
+          </p:nvPr>
+        </p:nvSpPr>
+        <p:spPr/>
+        <p:txBody>
+          <a:bodyPr/>
+          <a:p>
+            <a:r>
+              <a:rPr lang="en-US" altLang="zh-CN"/>
+              <a:t>Install</a:t>
+            </a:r>
+            <a:endParaRPr lang="en-US" altLang="zh-CN"/>
+          </a:p>
+        </p:txBody>
+      </p:sp>
+      <p:sp>
+        <p:nvSpPr>
+          <p:cNvPr id="3" name="内容占位符 2"/>
+          <p:cNvSpPr>
+            <a:spLocks noGrp="1"/>
+          </p:cNvSpPr>
+          <p:nvPr>
+            <p:ph idx="1"/>
+          </p:nvPr>
+        </p:nvSpPr>
+        <p:spPr/>
+        <p:txBody>
+          <a:bodyPr/>
+          <a:p>
+            <a:r>
+              <a:rPr lang="en-US" altLang="zh-CN"/>
+              <a:t>Reference</a:t>
+            </a:r>
+            <a:endParaRPr lang="en-US" altLang="zh-CN"/>
+          </a:p>
+          <a:p>
+            <a:pPr lvl="1"/>
+            <a:r>
+              <a:rPr lang="en-US" altLang="zh-CN"/>
+              <a:t>https://docs.spring.io/spring-boot/docs/current-SNAPSHOT/reference/html/getting-started.html</a:t>
+            </a:r>
+            <a:endParaRPr lang="en-US" altLang="zh-CN"/>
+          </a:p>
+          <a:p>
+            <a:r>
+              <a:rPr lang="en-US" altLang="zh-CN"/>
+              <a:t>Install</a:t>
+            </a:r>
+            <a:endParaRPr lang="en-US" altLang="zh-CN"/>
+          </a:p>
+          <a:p>
+            <a:pPr lvl="1"/>
+            <a:r>
+              <a:rPr lang="en-US" altLang="zh-CN"/>
+              <a:t>maven</a:t>
+            </a:r>
+            <a:endParaRPr lang="en-US" altLang="zh-CN"/>
+          </a:p>
+          <a:p>
+            <a:pPr lvl="1"/>
+            <a:r>
+              <a:rPr lang="en-US" altLang="zh-CN"/>
+              <a:t>gradle</a:t>
+            </a:r>
+            <a:endParaRPr lang="en-US" altLang="zh-CN"/>
+          </a:p>
+          <a:p>
+            <a:pPr lvl="1"/>
+            <a:r>
+              <a:rPr lang="en-US" altLang="zh-CN"/>
+              <a:t>Spring Boot CLI</a:t>
+            </a:r>
+            <a:endParaRPr lang="en-US" altLang="zh-CN"/>
+          </a:p>
+          <a:p>
+            <a:pPr lvl="2"/>
+            <a:r>
+              <a:rPr lang="en-US" altLang="zh-CN"/>
+              <a:t>spring --version</a:t>
+            </a:r>
+            <a:endParaRPr lang="en-US" altLang="zh-CN"/>
+          </a:p>
+        </p:txBody>
+      </p:sp>
+    </p:spTree>
+    <p:custDataLst>
+      <p:tags r:id="rId1"/>
+    </p:custDataLst>
+  </p:cSld>
+  <p:clrMapOvr>
+    <a:masterClrMapping/>
+  </p:clrMapOvr>
+</p:sld>
+</file>
+
+<file path=ppt/slides/slide12.xml><?xml version="1.0" encoding="utf-8"?>
+<p:sld xmlns:a="http://schemas.openxmlformats.org/drawingml/2006/main" xmlns:r="http://schemas.openxmlformats.org/officeDocument/2006/relationships" xmlns:p="http://schemas.openxmlformats.org/presentationml/2006/main">
+  <p:cSld>
+    <p:spTree>
+      <p:nvGrpSpPr>
+        <p:cNvPr id="1" name=""/>
+        <p:cNvGrpSpPr/>
+        <p:nvPr/>
+      </p:nvGrpSpPr>
+      <p:grpSpPr/>
+      <p:sp>
+        <p:nvSpPr>
+          <p:cNvPr id="2" name="标题 1"/>
+          <p:cNvSpPr>
+            <a:spLocks noGrp="1"/>
+          </p:cNvSpPr>
+          <p:nvPr>
+            <p:ph type="title"/>
+          </p:nvPr>
+        </p:nvSpPr>
+        <p:spPr/>
+        <p:txBody>
+          <a:bodyPr/>
+          <a:p>
+            <a:r>
+              <a:rPr lang="en-US" altLang="zh-CN"/>
+              <a:t>First App</a:t>
+            </a:r>
+            <a:endParaRPr lang="en-US" altLang="zh-CN"/>
+          </a:p>
+        </p:txBody>
+      </p:sp>
+      <p:sp>
+        <p:nvSpPr>
+          <p:cNvPr id="3" name="内容占位符 2"/>
+          <p:cNvSpPr>
+            <a:spLocks noGrp="1"/>
+          </p:cNvSpPr>
+          <p:nvPr>
+            <p:ph idx="1"/>
+          </p:nvPr>
+        </p:nvSpPr>
+        <p:spPr/>
+        <p:txBody>
+          <a:bodyPr/>
+          <a:p>
+            <a:r>
+              <a:rPr lang="en-US" altLang="zh-CN"/>
+              <a:t>Create pom.xml</a:t>
+            </a:r>
+            <a:endParaRPr lang="en-US" altLang="zh-CN"/>
+          </a:p>
+          <a:p>
+            <a:r>
+              <a:rPr lang="en-US" altLang="zh-CN"/>
+              <a:t>Run “mvn package”</a:t>
+            </a:r>
+            <a:endParaRPr lang="en-US" altLang="zh-CN"/>
+          </a:p>
+          <a:p>
+            <a:r>
+              <a:rPr lang="en-US" altLang="zh-CN"/>
+              <a:t>Add dependencies to pom.xml</a:t>
+            </a:r>
+            <a:endParaRPr lang="en-US" altLang="zh-CN"/>
+          </a:p>
+          <a:p>
+            <a:pPr lvl="1"/>
+            <a:r>
+              <a:rPr lang="en-US" altLang="zh-CN"/>
+              <a:t>mvn dependency:tree</a:t>
+            </a:r>
+            <a:endParaRPr lang="en-US" altLang="zh-CN"/>
+          </a:p>
+          <a:p>
+            <a:pPr lvl="0"/>
+            <a:r>
+              <a:rPr lang="en-US" altLang="zh-CN"/>
+              <a:t>Coding</a:t>
+            </a:r>
+            <a:endParaRPr lang="en-US" altLang="zh-CN"/>
+          </a:p>
+          <a:p>
+            <a:pPr lvl="1"/>
+            <a:r>
+              <a:rPr lang="en-US" altLang="zh-CN"/>
+              <a:t>@RestController</a:t>
+            </a:r>
+            <a:endParaRPr lang="en-US" altLang="zh-CN"/>
+          </a:p>
+          <a:p>
+            <a:pPr lvl="1"/>
+            <a:r>
+              <a:rPr lang="en-US" altLang="zh-CN"/>
+              <a:t>@RequestMapping</a:t>
+            </a:r>
+            <a:endParaRPr lang="en-US" altLang="zh-CN"/>
+          </a:p>
+          <a:p>
+            <a:pPr lvl="0"/>
+            <a:r>
+              <a:rPr lang="en-US" altLang="zh-CN"/>
+              <a:t>Run “mvn spring-boot:run”</a:t>
+            </a:r>
+            <a:endParaRPr lang="en-US" altLang="zh-CN"/>
+          </a:p>
+        </p:txBody>
+      </p:sp>
+    </p:spTree>
+    <p:custDataLst>
+      <p:tags r:id="rId1"/>
+    </p:custDataLst>
+  </p:cSld>
+  <p:clrMapOvr>
+    <a:masterClrMapping/>
+  </p:clrMapOvr>
+</p:sld>
+</file>
+
+<file path=ppt/slides/slide13.xml><?xml version="1.0" encoding="utf-8"?>
+<p:sld xmlns:a="http://schemas.openxmlformats.org/drawingml/2006/main" xmlns:r="http://schemas.openxmlformats.org/officeDocument/2006/relationships" xmlns:p="http://schemas.openxmlformats.org/presentationml/2006/main">
+  <p:cSld>
+    <p:spTree>
+      <p:nvGrpSpPr>
+        <p:cNvPr id="1" name=""/>
+        <p:cNvGrpSpPr/>
+        <p:nvPr/>
+      </p:nvGrpSpPr>
+      <p:grpSpPr/>
+      <p:sp>
+        <p:nvSpPr>
+          <p:cNvPr id="4" name="标题 3"/>
+          <p:cNvSpPr>
+            <a:spLocks noGrp="1"/>
+          </p:cNvSpPr>
+          <p:nvPr>
+            <p:ph type="title"/>
+          </p:nvPr>
+        </p:nvSpPr>
+        <p:spPr/>
+        <p:txBody>
+          <a:bodyPr/>
+          <a:p>
+            <a:r>
+              <a:rPr lang="en-US" altLang="zh-CN"/>
+              <a:t>DB</a:t>
+            </a:r>
+            <a:endParaRPr lang="en-US" altLang="zh-CN"/>
+          </a:p>
+        </p:txBody>
+      </p:sp>
+      <p:sp>
+        <p:nvSpPr>
+          <p:cNvPr id="5" name="文本占位符 4"/>
+          <p:cNvSpPr>
+            <a:spLocks noGrp="1"/>
+          </p:cNvSpPr>
+          <p:nvPr>
+            <p:ph type="body" idx="1"/>
+          </p:nvPr>
+        </p:nvSpPr>
+        <p:spPr/>
+        <p:txBody>
+          <a:bodyPr/>
+          <a:p>
+            <a:endParaRPr lang="zh-CN" altLang="en-US"/>
+          </a:p>
+        </p:txBody>
+      </p:sp>
+    </p:spTree>
+    <p:custDataLst>
+      <p:tags r:id="rId1"/>
+    </p:custDataLst>
+  </p:cSld>
+  <p:clrMapOvr>
+    <a:masterClrMapping/>
+  </p:clrMapOvr>
+</p:sld>
+</file>
+
+<file path=ppt/slides/slide14.xml><?xml version="1.0" encoding="utf-8"?>
+<p:sld xmlns:a="http://schemas.openxmlformats.org/drawingml/2006/main" xmlns:r="http://schemas.openxmlformats.org/officeDocument/2006/relationships" xmlns:p="http://schemas.openxmlformats.org/presentationml/2006/main">
+  <p:cSld>
+    <p:spTree>
+      <p:nvGrpSpPr>
+        <p:cNvPr id="1" name=""/>
+        <p:cNvGrpSpPr/>
+        <p:nvPr/>
+      </p:nvGrpSpPr>
+      <p:grpSpPr/>
+      <p:sp>
+        <p:nvSpPr>
+          <p:cNvPr id="4" name="标题 3"/>
+          <p:cNvSpPr>
+            <a:spLocks noGrp="1"/>
+          </p:cNvSpPr>
+          <p:nvPr>
+            <p:ph type="title"/>
+          </p:nvPr>
+        </p:nvSpPr>
+        <p:spPr/>
+        <p:txBody>
+          <a:bodyPr/>
+          <a:p>
+            <a:r>
+              <a:rPr lang="en-US" altLang="zh-CN"/>
+              <a:t>Structure</a:t>
+            </a:r>
+            <a:endParaRPr lang="en-US" altLang="zh-CN"/>
+          </a:p>
+        </p:txBody>
+      </p:sp>
+      <p:sp>
+        <p:nvSpPr>
+          <p:cNvPr id="6" name="矩形 5"/>
+          <p:cNvSpPr/>
+          <p:nvPr/>
+        </p:nvSpPr>
+        <p:spPr>
+          <a:xfrm>
+            <a:off x="2666365" y="1743710"/>
+            <a:ext cx="2804795" cy="513080"/>
+          </a:xfrm>
+          <a:prstGeom prst="rect">
+            <a:avLst/>
+          </a:prstGeom>
+        </p:spPr>
+        <p:style>
+          <a:lnRef idx="2">
+            <a:schemeClr val="accent1">
+              <a:shade val="50000"/>
+            </a:schemeClr>
+          </a:lnRef>
+          <a:fillRef idx="1">
+            <a:schemeClr val="accent1"/>
+          </a:fillRef>
+          <a:effectRef idx="0">
+            <a:schemeClr val="accent1"/>
+          </a:effectRef>
+          <a:fontRef idx="minor">
+            <a:schemeClr val="lt1"/>
+          </a:fontRef>
+        </p:style>
+        <p:txBody>
+          <a:bodyPr rtlCol="0" anchor="ctr"/>
+          <a:p>
+            <a:pPr algn="ctr"/>
+            <a:r>
+              <a:rPr lang="en-US" altLang="zh-CN"/>
+              <a:t>dao</a:t>
+            </a:r>
+            <a:endParaRPr lang="en-US" altLang="zh-CN"/>
+          </a:p>
+        </p:txBody>
+      </p:sp>
+      <p:sp>
+        <p:nvSpPr>
+          <p:cNvPr id="7" name="矩形 6"/>
+          <p:cNvSpPr/>
+          <p:nvPr/>
+        </p:nvSpPr>
+        <p:spPr>
+          <a:xfrm>
+            <a:off x="2640330" y="2667000"/>
+            <a:ext cx="2804795" cy="513080"/>
+          </a:xfrm>
+          <a:prstGeom prst="rect">
+            <a:avLst/>
+          </a:prstGeom>
+        </p:spPr>
+        <p:style>
+          <a:lnRef idx="2">
+            <a:schemeClr val="accent1">
+              <a:shade val="50000"/>
+            </a:schemeClr>
+          </a:lnRef>
+          <a:fillRef idx="1">
+            <a:schemeClr val="accent1"/>
+          </a:fillRef>
+          <a:effectRef idx="0">
+            <a:schemeClr val="accent1"/>
+          </a:effectRef>
+          <a:fontRef idx="minor">
+            <a:schemeClr val="lt1"/>
+          </a:fontRef>
+        </p:style>
+        <p:txBody>
+          <a:bodyPr rtlCol="0" anchor="ctr"/>
+          <a:p>
+            <a:pPr algn="ctr"/>
+            <a:r>
+              <a:rPr lang="en-US" altLang="zh-CN"/>
+              <a:t>mapping</a:t>
+            </a:r>
+            <a:endParaRPr lang="en-US" altLang="zh-CN"/>
+          </a:p>
+        </p:txBody>
+      </p:sp>
+      <p:sp>
+        <p:nvSpPr>
+          <p:cNvPr id="8" name="矩形 7"/>
+          <p:cNvSpPr/>
+          <p:nvPr/>
+        </p:nvSpPr>
+        <p:spPr>
+          <a:xfrm>
+            <a:off x="2666365" y="3582035"/>
+            <a:ext cx="2804795" cy="513080"/>
+          </a:xfrm>
+          <a:prstGeom prst="rect">
+            <a:avLst/>
+          </a:prstGeom>
+        </p:spPr>
+        <p:style>
+          <a:lnRef idx="2">
+            <a:schemeClr val="accent1">
+              <a:shade val="50000"/>
+            </a:schemeClr>
+          </a:lnRef>
+          <a:fillRef idx="1">
+            <a:schemeClr val="accent1"/>
+          </a:fillRef>
+          <a:effectRef idx="0">
+            <a:schemeClr val="accent1"/>
+          </a:effectRef>
+          <a:fontRef idx="minor">
+            <a:schemeClr val="lt1"/>
+          </a:fontRef>
+        </p:style>
+        <p:txBody>
+          <a:bodyPr rtlCol="0" anchor="ctr"/>
+          <a:p>
+            <a:pPr algn="ctr"/>
+            <a:r>
+              <a:rPr lang="en-US" altLang="zh-CN"/>
+              <a:t>pojo</a:t>
+            </a:r>
+            <a:endParaRPr lang="en-US" altLang="zh-CN"/>
+          </a:p>
+        </p:txBody>
+      </p:sp>
+      <p:sp>
+        <p:nvSpPr>
+          <p:cNvPr id="9" name="左大括号 8"/>
+          <p:cNvSpPr/>
+          <p:nvPr/>
+        </p:nvSpPr>
+        <p:spPr>
+          <a:xfrm>
+            <a:off x="2025650" y="2025650"/>
+            <a:ext cx="443230" cy="1906905"/>
+          </a:xfrm>
+          <a:prstGeom prst="leftBrace">
+            <a:avLst/>
+          </a:prstGeom>
+        </p:spPr>
+        <p:style>
+          <a:lnRef idx="1">
+            <a:schemeClr val="accent1"/>
+          </a:lnRef>
+          <a:fillRef idx="0">
+            <a:schemeClr val="accent1"/>
+          </a:fillRef>
+          <a:effectRef idx="0">
+            <a:schemeClr val="accent1"/>
+          </a:effectRef>
+          <a:fontRef idx="minor">
+            <a:schemeClr val="tx1"/>
+          </a:fontRef>
+        </p:style>
+        <p:txBody>
+          <a:bodyPr rtlCol="0" anchor="ctr"/>
+          <a:p>
+            <a:pPr algn="ctr"/>
+            <a:endParaRPr lang="zh-CN" altLang="en-US"/>
+          </a:p>
+        </p:txBody>
+      </p:sp>
+      <p:sp>
+        <p:nvSpPr>
+          <p:cNvPr id="10" name="文本框 9"/>
+          <p:cNvSpPr txBox="1"/>
+          <p:nvPr/>
+        </p:nvSpPr>
+        <p:spPr>
+          <a:xfrm>
+            <a:off x="6155690" y="1816100"/>
+            <a:ext cx="4292600" cy="368300"/>
+          </a:xfrm>
+          <a:prstGeom prst="rect">
+            <a:avLst/>
+          </a:prstGeom>
+          <a:noFill/>
+        </p:spPr>
+        <p:txBody>
+          <a:bodyPr wrap="square" rtlCol="0">
+            <a:spAutoFit/>
+          </a:bodyPr>
+          <a:p>
+            <a:r>
+              <a:rPr lang="en-US" altLang="zh-CN"/>
+              <a:t>define mapper functions</a:t>
+            </a:r>
+            <a:endParaRPr lang="en-US" altLang="zh-CN"/>
+          </a:p>
+        </p:txBody>
+      </p:sp>
+      <p:sp>
+        <p:nvSpPr>
+          <p:cNvPr id="11" name="文本框 10"/>
+          <p:cNvSpPr txBox="1"/>
+          <p:nvPr/>
+        </p:nvSpPr>
+        <p:spPr>
+          <a:xfrm>
+            <a:off x="6189980" y="3654425"/>
+            <a:ext cx="4292600" cy="368300"/>
+          </a:xfrm>
+          <a:prstGeom prst="rect">
+            <a:avLst/>
+          </a:prstGeom>
+          <a:noFill/>
+        </p:spPr>
+        <p:txBody>
+          <a:bodyPr wrap="square" rtlCol="0">
+            <a:spAutoFit/>
+          </a:bodyPr>
+          <a:p>
+            <a:r>
+              <a:rPr lang="en-US" altLang="zh-CN"/>
+              <a:t>define java object</a:t>
+            </a:r>
+            <a:endParaRPr lang="en-US" altLang="zh-CN"/>
+          </a:p>
+        </p:txBody>
+      </p:sp>
+      <p:sp>
+        <p:nvSpPr>
+          <p:cNvPr id="12" name="文本框 11"/>
+          <p:cNvSpPr txBox="1"/>
+          <p:nvPr/>
+        </p:nvSpPr>
+        <p:spPr>
+          <a:xfrm>
+            <a:off x="6155690" y="2794635"/>
+            <a:ext cx="4292600" cy="645160"/>
+          </a:xfrm>
+          <a:prstGeom prst="rect">
+            <a:avLst/>
+          </a:prstGeom>
+          <a:noFill/>
+        </p:spPr>
+        <p:txBody>
+          <a:bodyPr wrap="square" rtlCol="0">
+            <a:spAutoFit/>
+          </a:bodyPr>
+          <a:p>
+            <a:r>
+              <a:rPr lang="en-US" altLang="zh-CN"/>
+              <a:t>define mapping between pojo and SQL statements</a:t>
+            </a:r>
+            <a:endParaRPr lang="en-US" altLang="zh-CN"/>
+          </a:p>
+        </p:txBody>
+      </p:sp>
+    </p:spTree>
+    <p:custDataLst>
+      <p:tags r:id="rId1"/>
+    </p:custDataLst>
+  </p:cSld>
+  <p:clrMapOvr>
+    <a:masterClrMapping/>
+  </p:clrMapOvr>
+</p:sld>
+</file>
+
+<file path=ppt/slides/slide15.xml><?xml version="1.0" encoding="utf-8"?>
+<p:sld xmlns:a="http://schemas.openxmlformats.org/drawingml/2006/main" xmlns:r="http://schemas.openxmlformats.org/officeDocument/2006/relationships" xmlns:p="http://schemas.openxmlformats.org/presentationml/2006/main">
+  <p:cSld>
+    <p:spTree>
+      <p:nvGrpSpPr>
+        <p:cNvPr id="1" name=""/>
+        <p:cNvGrpSpPr/>
+        <p:nvPr/>
+      </p:nvGrpSpPr>
+      <p:grpSpPr/>
+      <p:sp>
+        <p:nvSpPr>
+          <p:cNvPr id="4" name="标题 3"/>
+          <p:cNvSpPr>
+            <a:spLocks noGrp="1"/>
+          </p:cNvSpPr>
+          <p:nvPr>
+            <p:ph type="title"/>
+          </p:nvPr>
+        </p:nvSpPr>
+        <p:spPr/>
+        <p:txBody>
+          <a:bodyPr/>
+          <a:p>
+            <a:r>
+              <a:rPr lang="en-US" altLang="zh-CN"/>
+              <a:t>Pojo (Plain Old Java Object)</a:t>
+            </a:r>
+            <a:endParaRPr lang="en-US" altLang="zh-CN"/>
+          </a:p>
+        </p:txBody>
+      </p:sp>
+      <p:sp>
+        <p:nvSpPr>
+          <p:cNvPr id="5" name="内容占位符 4"/>
+          <p:cNvSpPr>
+            <a:spLocks noGrp="1"/>
+          </p:cNvSpPr>
+          <p:nvPr>
+            <p:ph idx="1"/>
+          </p:nvPr>
+        </p:nvSpPr>
+        <p:spPr/>
+        <p:txBody>
+          <a:bodyPr/>
+          <a:p>
+            <a:r>
+              <a:rPr lang="en-US" altLang="zh-CN"/>
+              <a:t>A Pojo class</a:t>
+            </a:r>
+            <a:endParaRPr lang="en-US" altLang="zh-CN"/>
+          </a:p>
+          <a:p>
+            <a:pPr lvl="1"/>
+            <a:r>
+              <a:rPr lang="en-US" altLang="zh-CN"/>
+              <a:t>contains variables and their getters and setters</a:t>
+            </a:r>
+            <a:endParaRPr lang="en-US" altLang="zh-CN"/>
+          </a:p>
+          <a:p>
+            <a:pPr lvl="0"/>
+            <a:r>
+              <a:rPr lang="en-US" altLang="zh-CN"/>
+              <a:t>References</a:t>
+            </a:r>
+            <a:endParaRPr lang="en-US" altLang="zh-CN"/>
+          </a:p>
+          <a:p>
+            <a:pPr lvl="1"/>
+            <a:r>
+              <a:rPr lang="en-US" altLang="zh-CN"/>
+              <a:t>https://www.javatpoint.com/pojo-in-java</a:t>
+            </a:r>
+            <a:endParaRPr lang="en-US" altLang="zh-CN"/>
+          </a:p>
+        </p:txBody>
+      </p:sp>
+    </p:spTree>
+    <p:custDataLst>
+      <p:tags r:id="rId1"/>
+    </p:custDataLst>
+  </p:cSld>
+  <p:clrMapOvr>
+    <a:masterClrMapping/>
+  </p:clrMapOvr>
+</p:sld>
+</file>
+
+<file path=ppt/slides/slide16.xml><?xml version="1.0" encoding="utf-8"?>
+<p:sld xmlns:a="http://schemas.openxmlformats.org/drawingml/2006/main" xmlns:r="http://schemas.openxmlformats.org/officeDocument/2006/relationships" xmlns:p="http://schemas.openxmlformats.org/presentationml/2006/main">
+  <p:cSld>
+    <p:spTree>
+      <p:nvGrpSpPr>
+        <p:cNvPr id="1" name=""/>
+        <p:cNvGrpSpPr/>
+        <p:nvPr/>
+      </p:nvGrpSpPr>
+      <p:grpSpPr/>
+      <p:sp>
+        <p:nvSpPr>
+          <p:cNvPr id="4" name="标题 3"/>
+          <p:cNvSpPr>
+            <a:spLocks noGrp="1"/>
+          </p:cNvSpPr>
+          <p:nvPr>
+            <p:ph type="title"/>
+          </p:nvPr>
+        </p:nvSpPr>
+        <p:spPr/>
+        <p:txBody>
+          <a:bodyPr/>
+          <a:p>
+            <a:r>
+              <a:rPr lang="en-US" altLang="zh-CN"/>
+              <a:t>MyBatis</a:t>
+            </a:r>
+            <a:endParaRPr lang="en-US" altLang="zh-CN"/>
+          </a:p>
+        </p:txBody>
+      </p:sp>
+      <p:sp>
+        <p:nvSpPr>
+          <p:cNvPr id="5" name="内容占位符 4"/>
+          <p:cNvSpPr>
+            <a:spLocks noGrp="1"/>
+          </p:cNvSpPr>
+          <p:nvPr>
+            <p:ph idx="1"/>
+          </p:nvPr>
+        </p:nvSpPr>
+        <p:spPr/>
+        <p:txBody>
+          <a:bodyPr>
+            <a:normAutofit lnSpcReduction="10000"/>
+          </a:bodyPr>
+          <a:p>
+            <a:r>
+              <a:rPr lang="en-US" altLang="zh-CN"/>
+              <a:t>Intro</a:t>
+            </a:r>
+            <a:endParaRPr lang="en-US" altLang="zh-CN"/>
+          </a:p>
+          <a:p>
+            <a:pPr lvl="1"/>
+            <a:r>
+              <a:rPr lang="en-US" altLang="zh-CN"/>
+              <a:t>an open source, lightweight, persistence framework</a:t>
+            </a:r>
+            <a:endParaRPr lang="en-US" altLang="zh-CN"/>
+          </a:p>
+          <a:p>
+            <a:pPr lvl="1"/>
+            <a:r>
+              <a:rPr lang="en-US" altLang="zh-CN"/>
+              <a:t>automates the mapping among SQL databases and objects in Java, .NET, and Ruby on Rails.</a:t>
+            </a:r>
+            <a:endParaRPr lang="en-US" altLang="zh-CN"/>
+          </a:p>
+          <a:p>
+            <a:pPr lvl="1"/>
+            <a:r>
+              <a:rPr lang="en-US" altLang="zh-CN"/>
+              <a:t>an alternative to JDBC and Hibernate</a:t>
+            </a:r>
+            <a:endParaRPr lang="en-US" altLang="zh-CN"/>
+          </a:p>
+          <a:p>
+            <a:pPr lvl="0"/>
+            <a:r>
+              <a:rPr lang="en-US" altLang="zh-CN"/>
+              <a:t>Mapper XML</a:t>
+            </a:r>
+            <a:endParaRPr lang="en-US" altLang="zh-CN"/>
+          </a:p>
+          <a:p>
+            <a:pPr lvl="1"/>
+            <a:r>
+              <a:rPr lang="en-US" altLang="zh-CN"/>
+              <a:t>contains a set of statements to configure various SQL statements such as select, insert, update, and delete</a:t>
+            </a:r>
+            <a:endParaRPr lang="en-US" altLang="zh-CN"/>
+          </a:p>
+          <a:p>
+            <a:pPr lvl="1"/>
+            <a:r>
+              <a:rPr lang="en-US" altLang="zh-CN"/>
+              <a:t>in accordance with pojo</a:t>
+            </a:r>
+            <a:endParaRPr lang="en-US" altLang="zh-CN"/>
+          </a:p>
+          <a:p>
+            <a:pPr lvl="0"/>
+            <a:r>
+              <a:rPr lang="en-US" altLang="zh-CN"/>
+              <a:t>Result maps</a:t>
+            </a:r>
+            <a:endParaRPr lang="en-US" altLang="zh-CN"/>
+          </a:p>
+          <a:p>
+            <a:pPr lvl="0"/>
+            <a:r>
+              <a:rPr lang="en-US" altLang="zh-CN"/>
+              <a:t>Add a new DB column</a:t>
+            </a:r>
+            <a:endParaRPr lang="en-US" altLang="zh-CN"/>
+          </a:p>
+          <a:p>
+            <a:pPr lvl="1"/>
+            <a:r>
+              <a:rPr lang="en-US" altLang="zh-CN"/>
+              <a:t>update mapper xml</a:t>
+            </a:r>
+            <a:endParaRPr lang="en-US" altLang="zh-CN"/>
+          </a:p>
+          <a:p>
+            <a:pPr lvl="1"/>
+            <a:r>
+              <a:rPr lang="en-US" altLang="zh-CN"/>
+              <a:t>update pojo</a:t>
+            </a:r>
+            <a:endParaRPr lang="en-US" altLang="zh-CN"/>
+          </a:p>
+        </p:txBody>
+      </p:sp>
+    </p:spTree>
+    <p:custDataLst>
+      <p:tags r:id="rId1"/>
+    </p:custDataLst>
+  </p:cSld>
+  <p:clrMapOvr>
+    <a:masterClrMapping/>
+  </p:clrMapOvr>
+</p:sld>
+</file>
+
+<file path=ppt/slides/slide17.xml><?xml version="1.0" encoding="utf-8"?>
+<p:sld xmlns:a="http://schemas.openxmlformats.org/drawingml/2006/main" xmlns:r="http://schemas.openxmlformats.org/officeDocument/2006/relationships" xmlns:p="http://schemas.openxmlformats.org/presentationml/2006/main">
+  <p:cSld>
+    <p:spTree>
+      <p:nvGrpSpPr>
+        <p:cNvPr id="1" name=""/>
+        <p:cNvGrpSpPr/>
+        <p:nvPr/>
+      </p:nvGrpSpPr>
+      <p:grpSpPr/>
+      <p:sp>
+        <p:nvSpPr>
+          <p:cNvPr id="4" name="标题 3"/>
+          <p:cNvSpPr>
+            <a:spLocks noGrp="1"/>
+          </p:cNvSpPr>
+          <p:nvPr>
+            <p:ph type="title"/>
+          </p:nvPr>
+        </p:nvSpPr>
+        <p:spPr/>
+        <p:txBody>
+          <a:bodyPr/>
+          <a:p>
+            <a:r>
+              <a:rPr lang="en-US" altLang="zh-CN"/>
+              <a:t>Misc</a:t>
+            </a:r>
+            <a:endParaRPr lang="en-US" altLang="zh-CN"/>
+          </a:p>
+        </p:txBody>
+      </p:sp>
+      <p:sp>
+        <p:nvSpPr>
+          <p:cNvPr id="5" name="文本占位符 4"/>
+          <p:cNvSpPr>
+            <a:spLocks noGrp="1"/>
+          </p:cNvSpPr>
+          <p:nvPr>
+            <p:ph type="body" idx="1"/>
+          </p:nvPr>
+        </p:nvSpPr>
+        <p:spPr/>
+        <p:txBody>
+          <a:bodyPr/>
+          <a:p>
+            <a:endParaRPr lang="zh-CN" altLang="en-US"/>
+          </a:p>
+        </p:txBody>
+      </p:sp>
+    </p:spTree>
+    <p:custDataLst>
+      <p:tags r:id="rId1"/>
+    </p:custDataLst>
+  </p:cSld>
+  <p:clrMapOvr>
+    <a:masterClrMapping/>
+  </p:clrMapOvr>
+</p:sld>
+</file>
+
+<file path=ppt/slides/slide18.xml><?xml version="1.0" encoding="utf-8"?>
+<p:sld xmlns:a="http://schemas.openxmlformats.org/drawingml/2006/main" xmlns:r="http://schemas.openxmlformats.org/officeDocument/2006/relationships" xmlns:p="http://schemas.openxmlformats.org/presentationml/2006/main">
+  <p:cSld>
+    <p:spTree>
+      <p:nvGrpSpPr>
+        <p:cNvPr id="1" name=""/>
+        <p:cNvGrpSpPr/>
+        <p:nvPr/>
+      </p:nvGrpSpPr>
+      <p:grpSpPr/>
+      <p:sp>
+        <p:nvSpPr>
+          <p:cNvPr id="4" name="标题 3"/>
+          <p:cNvSpPr>
+            <a:spLocks noGrp="1"/>
+          </p:cNvSpPr>
+          <p:nvPr>
+            <p:ph type="title"/>
+          </p:nvPr>
+        </p:nvSpPr>
+        <p:spPr/>
+        <p:txBody>
+          <a:bodyPr/>
+          <a:p>
+            <a:r>
+              <a:rPr lang="en-US" altLang="zh-CN"/>
+              <a:t>Base64</a:t>
+            </a:r>
+            <a:endParaRPr lang="en-US" altLang="zh-CN"/>
+          </a:p>
+        </p:txBody>
+      </p:sp>
+      <p:sp>
+        <p:nvSpPr>
+          <p:cNvPr id="5" name="内容占位符 4"/>
+          <p:cNvSpPr>
+            <a:spLocks noGrp="1"/>
+          </p:cNvSpPr>
+          <p:nvPr>
+            <p:ph idx="1"/>
+          </p:nvPr>
+        </p:nvSpPr>
+        <p:spPr/>
+        <p:txBody>
+          <a:bodyPr/>
+          <a:p>
+            <a:r>
+              <a:rPr lang="zh-CN" altLang="en-US"/>
+              <a:t>java.util.Base64</a:t>
+            </a:r>
+            <a:endParaRPr lang="zh-CN" altLang="en-US"/>
+          </a:p>
+          <a:p>
+            <a:r>
+              <a:rPr lang="en-US" altLang="zh-CN"/>
+              <a:t>encoding</a:t>
+            </a:r>
+            <a:endParaRPr lang="en-US" altLang="zh-CN"/>
+          </a:p>
+          <a:p>
+            <a:pPr lvl="1"/>
+            <a:r>
+              <a:rPr lang="en-US" altLang="zh-CN"/>
+              <a:t>String originalInput = "test input";</a:t>
+            </a:r>
+            <a:endParaRPr lang="en-US" altLang="zh-CN"/>
+          </a:p>
+          <a:p>
+            <a:pPr lvl="1"/>
+            <a:r>
+              <a:rPr lang="en-US" altLang="zh-CN"/>
+              <a:t>String encodedString = Base64.getEncoder().encodeToString(originalInput.getBytes());</a:t>
+            </a:r>
+            <a:endParaRPr lang="en-US" altLang="zh-CN"/>
+          </a:p>
+          <a:p>
+            <a:pPr lvl="0"/>
+            <a:r>
+              <a:rPr lang="en-US" altLang="zh-CN"/>
+              <a:t>decoding</a:t>
+            </a:r>
+            <a:endParaRPr lang="en-US" altLang="zh-CN"/>
+          </a:p>
+          <a:p>
+            <a:pPr lvl="1"/>
+            <a:r>
+              <a:rPr lang="en-US" altLang="zh-CN"/>
+              <a:t>byte[] decodedBytes = Base64.getDecoder().decode(encodedString);</a:t>
+            </a:r>
+            <a:endParaRPr lang="en-US" altLang="zh-CN"/>
+          </a:p>
+          <a:p>
+            <a:pPr lvl="1"/>
+            <a:r>
+              <a:rPr lang="en-US" altLang="zh-CN"/>
+              <a:t>String decodedString = new String(decodedBytes);</a:t>
+            </a:r>
+            <a:endParaRPr lang="en-US" altLang="zh-CN"/>
+          </a:p>
+        </p:txBody>
+      </p:sp>
+    </p:spTree>
+    <p:custDataLst>
+      <p:tags r:id="rId1"/>
+    </p:custDataLst>
+  </p:cSld>
+  <p:clrMapOvr>
+    <a:masterClrMapping/>
+  </p:clrMapOvr>
+</p:sld>
+</file>
+
+<file path=ppt/slides/slide19.xml><?xml version="1.0" encoding="utf-8"?>
+<p:sld xmlns:a="http://schemas.openxmlformats.org/drawingml/2006/main" xmlns:r="http://schemas.openxmlformats.org/officeDocument/2006/relationships" xmlns:p="http://schemas.openxmlformats.org/presentationml/2006/main">
+  <p:cSld>
+    <p:spTree>
+      <p:nvGrpSpPr>
+        <p:cNvPr id="1" name=""/>
+        <p:cNvGrpSpPr/>
+        <p:nvPr/>
+      </p:nvGrpSpPr>
+      <p:grpSpPr/>
+      <p:sp>
+        <p:nvSpPr>
+          <p:cNvPr id="2" name="标题 1"/>
+          <p:cNvSpPr>
+            <a:spLocks noGrp="1"/>
+          </p:cNvSpPr>
+          <p:nvPr>
+            <p:ph type="title"/>
+          </p:nvPr>
+        </p:nvSpPr>
+        <p:spPr/>
+        <p:txBody>
+          <a:bodyPr/>
+          <a:p>
+            <a:r>
+              <a:rPr lang="en-US" altLang="zh-CN"/>
+              <a:t>Configure Tomcat as Windows Service</a:t>
+            </a:r>
+            <a:endParaRPr lang="en-US" altLang="zh-CN"/>
+          </a:p>
+        </p:txBody>
+      </p:sp>
+      <p:sp>
+        <p:nvSpPr>
+          <p:cNvPr id="3" name="内容占位符 2"/>
+          <p:cNvSpPr>
+            <a:spLocks noGrp="1"/>
+          </p:cNvSpPr>
+          <p:nvPr>
+            <p:ph idx="1"/>
+          </p:nvPr>
+        </p:nvSpPr>
+        <p:spPr/>
+        <p:txBody>
+          <a:bodyPr/>
+          <a:p>
+            <a:r>
+              <a:rPr lang="en-US" altLang="zh-CN"/>
+              <a:t>Run “bin/service.bat install”</a:t>
+            </a:r>
+            <a:endParaRPr lang="en-US" altLang="zh-CN"/>
+          </a:p>
+        </p:txBody>
+      </p:sp>
+    </p:spTree>
+    <p:custDataLst>
+      <p:tags r:id="rId1"/>
+    </p:custDataLst>
+  </p:cSld>
+  <p:clrMapOvr>
+    <a:masterClrMapping/>
+  </p:clrMapOvr>
+</p:sld>
+</file>
+
+<file path=ppt/slides/slide2.xml><?xml version="1.0" encoding="utf-8"?>
+<p:sld xmlns:a="http://schemas.openxmlformats.org/drawingml/2006/main" xmlns:r="http://schemas.openxmlformats.org/officeDocument/2006/relationships" xmlns:p="http://schemas.openxmlformats.org/presentationml/2006/main">
+  <p:cSld>
+    <p:spTree>
+      <p:nvGrpSpPr>
+        <p:cNvPr id="1" name=""/>
+        <p:cNvGrpSpPr/>
+        <p:nvPr/>
+      </p:nvGrpSpPr>
+      <p:grpSpPr/>
+      <p:sp>
+        <p:nvSpPr>
+          <p:cNvPr id="2" name="标题 1"/>
+          <p:cNvSpPr>
+            <a:spLocks noGrp="1"/>
+          </p:cNvSpPr>
+          <p:nvPr>
+            <p:ph type="title"/>
+          </p:nvPr>
+        </p:nvSpPr>
+        <p:spPr/>
+        <p:txBody>
+          <a:bodyPr/>
+          <a:p>
+            <a:r>
+              <a:rPr lang="en-US" altLang="zh-CN"/>
+              <a:t>Install</a:t>
+            </a:r>
+            <a:endParaRPr lang="en-US" altLang="zh-CN"/>
+          </a:p>
+        </p:txBody>
+      </p:sp>
+      <p:sp>
+        <p:nvSpPr>
+          <p:cNvPr id="3" name="内容占位符 2"/>
+          <p:cNvSpPr>
+            <a:spLocks noGrp="1"/>
+          </p:cNvSpPr>
+          <p:nvPr>
+            <p:ph idx="1"/>
+          </p:nvPr>
+        </p:nvSpPr>
+        <p:spPr/>
+        <p:txBody>
+          <a:bodyPr/>
+          <a:p>
+            <a:r>
+              <a:rPr lang="en-US" altLang="zh-CN"/>
+              <a:t>Ref</a:t>
+            </a:r>
+            <a:endParaRPr lang="en-US" altLang="zh-CN"/>
+          </a:p>
+          <a:p>
+            <a:pPr lvl="1"/>
+            <a:r>
+              <a:rPr lang="zh-CN" altLang="en-US"/>
+              <a:t>https://blog.csdn.net/cpjiiiiiii/article/details/95317115</a:t>
+            </a:r>
+            <a:endParaRPr lang="zh-CN" altLang="en-US"/>
+          </a:p>
+          <a:p>
+            <a:pPr lvl="0"/>
+            <a:r>
+              <a:rPr lang="en-US" altLang="zh-CN"/>
+              <a:t>Steps</a:t>
+            </a:r>
+            <a:endParaRPr lang="en-US" altLang="zh-CN"/>
+          </a:p>
+          <a:p>
+            <a:pPr lvl="1"/>
+            <a:r>
+              <a:rPr lang="en-US" altLang="zh-CN"/>
+              <a:t>Install JDK</a:t>
+            </a:r>
+            <a:endParaRPr lang="en-US" altLang="zh-CN"/>
+          </a:p>
+          <a:p>
+            <a:pPr lvl="1"/>
+            <a:r>
+              <a:rPr lang="en-US" altLang="zh-CN"/>
+              <a:t>Configure environment variables</a:t>
+            </a:r>
+            <a:endParaRPr lang="en-US" altLang="zh-CN"/>
+          </a:p>
+          <a:p>
+            <a:pPr lvl="1"/>
+            <a:r>
+              <a:rPr lang="en-US" altLang="zh-CN"/>
+              <a:t>Install Eclipse</a:t>
+            </a:r>
+            <a:endParaRPr lang="en-US" altLang="zh-CN"/>
+          </a:p>
+        </p:txBody>
+      </p:sp>
+    </p:spTree>
+    <p:custDataLst>
+      <p:tags r:id="rId1"/>
+    </p:custDataLst>
+  </p:cSld>
+  <p:clrMapOvr>
+    <a:masterClrMapping/>
+  </p:clrMapOvr>
+</p:sld>
+</file>
+
+<file path=ppt/slides/slide3.xml><?xml version="1.0" encoding="utf-8"?>
+<p:sld xmlns:a="http://schemas.openxmlformats.org/drawingml/2006/main" xmlns:r="http://schemas.openxmlformats.org/officeDocument/2006/relationships" xmlns:p="http://schemas.openxmlformats.org/presentationml/2006/main">
+  <p:cSld>
+    <p:spTree>
+      <p:nvGrpSpPr>
+        <p:cNvPr id="1" name=""/>
+        <p:cNvGrpSpPr/>
+        <p:nvPr/>
+      </p:nvGrpSpPr>
+      <p:grpSpPr/>
+      <p:sp>
+        <p:nvSpPr>
+          <p:cNvPr id="2" name="标题 1"/>
+          <p:cNvSpPr>
+            <a:spLocks noGrp="1"/>
+          </p:cNvSpPr>
+          <p:nvPr>
+            <p:ph type="title"/>
+          </p:nvPr>
+        </p:nvSpPr>
+        <p:spPr/>
+        <p:txBody>
+          <a:bodyPr/>
+          <a:p>
+            <a:r>
+              <a:rPr lang="en-US" altLang="zh-CN"/>
+              <a:t>Maven</a:t>
+            </a:r>
+            <a:endParaRPr lang="en-US" altLang="zh-CN"/>
+          </a:p>
+        </p:txBody>
+      </p:sp>
+      <p:sp>
+        <p:nvSpPr>
+          <p:cNvPr id="3" name="内容占位符 2"/>
+          <p:cNvSpPr>
+            <a:spLocks noGrp="1"/>
+          </p:cNvSpPr>
+          <p:nvPr>
+            <p:ph idx="1"/>
+          </p:nvPr>
+        </p:nvSpPr>
+        <p:spPr>
+          <a:xfrm>
+            <a:off x="838200" y="1211580"/>
+            <a:ext cx="6861175" cy="4549140"/>
+          </a:xfrm>
+        </p:spPr>
+        <p:txBody>
+          <a:bodyPr>
+            <a:normAutofit fontScale="90000" lnSpcReduction="20000"/>
+          </a:bodyPr>
+          <a:p>
+            <a:r>
+              <a:rPr lang="en-US" altLang="zh-CN"/>
+              <a:t>Install</a:t>
+            </a:r>
+            <a:endParaRPr lang="en-US" altLang="zh-CN"/>
+          </a:p>
+          <a:p>
+            <a:pPr lvl="1"/>
+            <a:r>
+              <a:rPr lang="en-US" altLang="zh-CN" sz="2000"/>
+              <a:t>Download zip from  https://maven.apache.org/download.cgi</a:t>
+            </a:r>
+            <a:endParaRPr lang="en-US" altLang="zh-CN" sz="2000"/>
+          </a:p>
+          <a:p>
+            <a:pPr lvl="1"/>
+            <a:r>
+              <a:rPr lang="en-US" altLang="zh-CN" sz="2000"/>
+              <a:t>Add bin folder to system path</a:t>
+            </a:r>
+            <a:endParaRPr lang="en-US" altLang="zh-CN" sz="2000"/>
+          </a:p>
+          <a:p>
+            <a:pPr lvl="1"/>
+            <a:r>
+              <a:rPr lang="en-US" altLang="zh-CN" sz="2000"/>
+              <a:t>mvn -v</a:t>
+            </a:r>
+            <a:endParaRPr lang="en-US" altLang="zh-CN" sz="2000"/>
+          </a:p>
+          <a:p>
+            <a:r>
+              <a:rPr lang="en-US" altLang="zh-CN"/>
+              <a:t>POM </a:t>
+            </a:r>
+            <a:r>
+              <a:rPr lang="zh-CN" altLang="en-US"/>
+              <a:t>（</a:t>
+            </a:r>
+            <a:r>
+              <a:rPr lang="en-US" altLang="zh-CN"/>
+              <a:t>Project Object Model</a:t>
+            </a:r>
+            <a:r>
+              <a:rPr lang="zh-CN" altLang="en-US"/>
+              <a:t>）</a:t>
+            </a:r>
+            <a:endParaRPr lang="zh-CN" altLang="en-US"/>
+          </a:p>
+          <a:p>
+            <a:pPr lvl="1"/>
+            <a:r>
+              <a:rPr lang="en-US" altLang="zh-CN"/>
+              <a:t>pom.xml</a:t>
+            </a:r>
+            <a:endParaRPr lang="en-US" altLang="zh-CN"/>
+          </a:p>
+          <a:p>
+            <a:pPr lvl="0"/>
+            <a:r>
+              <a:rPr lang="zh-CN" altLang="en-US"/>
+              <a:t>更换国内镜像</a:t>
+            </a:r>
+            <a:endParaRPr lang="zh-CN" altLang="en-US"/>
+          </a:p>
+          <a:p>
+            <a:pPr lvl="1"/>
+            <a:r>
+              <a:rPr lang="zh-CN" altLang="en-US"/>
+              <a:t>全局配置: ${M2_HOME}/conf/settings.xml</a:t>
+            </a:r>
+            <a:endParaRPr lang="zh-CN" altLang="en-US" sz="2000"/>
+          </a:p>
+          <a:p>
+            <a:pPr lvl="1"/>
+            <a:r>
+              <a:rPr lang="zh-CN" altLang="en-US"/>
+              <a:t>用户配置: user.home/.m2/settings.xml</a:t>
+            </a:r>
+            <a:endParaRPr lang="zh-CN" altLang="en-US"/>
+          </a:p>
+          <a:p>
+            <a:pPr lvl="0"/>
+            <a:r>
+              <a:rPr lang="en-US" altLang="zh-CN" sz="2400"/>
+              <a:t>Build</a:t>
+            </a:r>
+            <a:endParaRPr lang="en-US" altLang="zh-CN" sz="2400"/>
+          </a:p>
+          <a:p>
+            <a:pPr lvl="1"/>
+            <a:r>
+              <a:rPr lang="en-US" altLang="zh-CN" sz="2000"/>
+              <a:t>mvn compile</a:t>
+            </a:r>
+            <a:endParaRPr lang="en-US" altLang="zh-CN" sz="2000"/>
+          </a:p>
+          <a:p>
+            <a:pPr lvl="1"/>
+            <a:r>
+              <a:rPr lang="en-US" altLang="zh-CN" sz="2000"/>
+              <a:t>mvn package</a:t>
+            </a:r>
+            <a:endParaRPr lang="en-US" altLang="zh-CN" sz="2000"/>
+          </a:p>
+          <a:p>
+            <a:pPr lvl="1"/>
+            <a:r>
+              <a:rPr lang="en-US" altLang="zh-CN" sz="2000"/>
+              <a:t>mvn clean</a:t>
+            </a:r>
+            <a:endParaRPr lang="en-US" altLang="zh-CN" sz="2000"/>
+          </a:p>
+          <a:p>
+            <a:pPr lvl="1"/>
+            <a:r>
+              <a:rPr lang="en-US" altLang="zh-CN" sz="2000"/>
+              <a:t>mvn clean package</a:t>
+            </a:r>
+            <a:endParaRPr lang="zh-CN" altLang="en-US"/>
+          </a:p>
+          <a:p>
+            <a:pPr lvl="1"/>
+            <a:endParaRPr lang="zh-CN" altLang="en-US"/>
+          </a:p>
+        </p:txBody>
+      </p:sp>
+      <p:sp>
+        <p:nvSpPr>
+          <p:cNvPr id="4" name="文本框 3"/>
+          <p:cNvSpPr txBox="1"/>
+          <p:nvPr/>
+        </p:nvSpPr>
+        <p:spPr>
+          <a:xfrm>
+            <a:off x="6391275" y="1376045"/>
+            <a:ext cx="5403215" cy="1198880"/>
+          </a:xfrm>
+          <a:prstGeom prst="rect">
+            <a:avLst/>
+          </a:prstGeom>
+          <a:noFill/>
+          <a:ln>
+            <a:solidFill>
+              <a:srgbClr val="FFC000"/>
+            </a:solidFill>
+          </a:ln>
+        </p:spPr>
+        <p:txBody>
+          <a:bodyPr wrap="square" rtlCol="0">
+            <a:spAutoFit/>
+          </a:bodyPr>
+          <a:p>
+            <a:r>
+              <a:rPr lang="zh-CN" altLang="en-US" sz="1200"/>
+              <a:t>    &lt;mirror&gt;</a:t>
+            </a:r>
+            <a:endParaRPr lang="zh-CN" altLang="en-US" sz="1200"/>
+          </a:p>
+          <a:p>
+            <a:r>
+              <a:rPr lang="zh-CN" altLang="en-US" sz="1200"/>
+              <a:t>      &lt;id&gt;alimaven&lt;/id&gt;</a:t>
+            </a:r>
+            <a:endParaRPr lang="zh-CN" altLang="en-US" sz="1200"/>
+          </a:p>
+          <a:p>
+            <a:r>
+              <a:rPr lang="zh-CN" altLang="en-US" sz="1200"/>
+              <a:t>      &lt;name&gt;aliyun maven&lt;/name&gt;</a:t>
+            </a:r>
+            <a:endParaRPr lang="zh-CN" altLang="en-US" sz="1200"/>
+          </a:p>
+          <a:p>
+            <a:r>
+              <a:rPr lang="zh-CN" altLang="en-US" sz="1200"/>
+              <a:t>      &lt;url&gt;http://maven.aliyun.com/nexus/content/repositories/central/&lt;/url&gt;</a:t>
+            </a:r>
+            <a:endParaRPr lang="zh-CN" altLang="en-US" sz="1200"/>
+          </a:p>
+          <a:p>
+            <a:r>
+              <a:rPr lang="zh-CN" altLang="en-US" sz="1200"/>
+              <a:t>      &lt;mirrorOf&gt;central&lt;/mirrorOf&gt;</a:t>
+            </a:r>
+            <a:endParaRPr lang="zh-CN" altLang="en-US" sz="1200"/>
+          </a:p>
+          <a:p>
+            <a:r>
+              <a:rPr lang="zh-CN" altLang="en-US" sz="1200"/>
+              <a:t>    &lt;/mirror&gt;</a:t>
+            </a:r>
+            <a:endParaRPr lang="zh-CN" altLang="en-US" sz="1200"/>
+          </a:p>
+        </p:txBody>
+      </p:sp>
+      <p:pic>
+        <p:nvPicPr>
+          <p:cNvPr id="100" name="图片 99"/>
+          <p:cNvPicPr/>
+          <p:nvPr/>
+        </p:nvPicPr>
+        <p:blipFill>
+          <a:blip r:embed="rId1" r:link="rId2"/>
+          <a:stretch>
+            <a:fillRect/>
+          </a:stretch>
+        </p:blipFill>
+        <p:spPr>
+          <a:xfrm>
+            <a:off x="6792595" y="2882265"/>
+            <a:ext cx="4601210" cy="1394460"/>
+          </a:xfrm>
+          <a:prstGeom prst="rect">
+            <a:avLst/>
+          </a:prstGeom>
+          <a:noFill/>
+          <a:ln w="9525">
+            <a:noFill/>
+          </a:ln>
+        </p:spPr>
+      </p:pic>
+    </p:spTree>
+    <p:custDataLst>
+      <p:tags r:id="rId3"/>
+    </p:custDataLst>
+  </p:cSld>
+  <p:clrMapOvr>
+    <a:masterClrMapping/>
+  </p:clrMapOvr>
+</p:sld>
+</file>
+
+<file path=ppt/slides/slide4.xml><?xml version="1.0" encoding="utf-8"?>
+<p:sld xmlns:a="http://schemas.openxmlformats.org/drawingml/2006/main" xmlns:r="http://schemas.openxmlformats.org/officeDocument/2006/relationships" xmlns:p="http://schemas.openxmlformats.org/presentationml/2006/main">
+  <p:cSld>
+    <p:spTree>
+      <p:nvGrpSpPr>
+        <p:cNvPr id="1" name=""/>
+        <p:cNvGrpSpPr/>
+        <p:nvPr/>
+      </p:nvGrpSpPr>
+      <p:grpSpPr/>
+      <p:sp>
+        <p:nvSpPr>
+          <p:cNvPr id="2" name="标题 1"/>
+          <p:cNvSpPr>
+            <a:spLocks noGrp="1"/>
+          </p:cNvSpPr>
+          <p:nvPr>
+            <p:ph type="title"/>
+          </p:nvPr>
+        </p:nvSpPr>
+        <p:spPr/>
+        <p:txBody>
+          <a:bodyPr/>
+          <a:p>
+            <a:r>
+              <a:rPr lang="en-US" altLang="zh-CN"/>
+              <a:t>Gradle</a:t>
+            </a:r>
+            <a:endParaRPr lang="en-US" altLang="zh-CN"/>
+          </a:p>
+        </p:txBody>
+      </p:sp>
+      <p:sp>
+        <p:nvSpPr>
+          <p:cNvPr id="3" name="内容占位符 2"/>
+          <p:cNvSpPr>
+            <a:spLocks noGrp="1"/>
+          </p:cNvSpPr>
+          <p:nvPr>
+            <p:ph idx="1"/>
+          </p:nvPr>
+        </p:nvSpPr>
+        <p:spPr/>
+        <p:txBody>
+          <a:bodyPr/>
+          <a:p>
+            <a:r>
+              <a:rPr lang="en-US" altLang="zh-CN"/>
+              <a:t>Intro</a:t>
+            </a:r>
+            <a:endParaRPr lang="en-US" altLang="zh-CN"/>
+          </a:p>
+          <a:p>
+            <a:pPr lvl="1"/>
+            <a:r>
+              <a:rPr lang="en-US" altLang="zh-CN" sz="2000"/>
+              <a:t>build tool</a:t>
+            </a:r>
+            <a:endParaRPr lang="en-US" altLang="zh-CN"/>
+          </a:p>
+          <a:p>
+            <a:r>
+              <a:rPr lang="en-US" altLang="zh-CN"/>
+              <a:t>Install</a:t>
+            </a:r>
+            <a:endParaRPr lang="en-US" altLang="zh-CN"/>
+          </a:p>
+          <a:p>
+            <a:pPr lvl="1"/>
+            <a:r>
+              <a:rPr lang="en-US" altLang="zh-CN"/>
+              <a:t>https://gradle.org/install/</a:t>
+            </a:r>
+            <a:endParaRPr lang="en-US" altLang="zh-CN"/>
+          </a:p>
+        </p:txBody>
+      </p:sp>
+    </p:spTree>
+    <p:custDataLst>
+      <p:tags r:id="rId1"/>
+    </p:custDataLst>
+  </p:cSld>
+  <p:clrMapOvr>
+    <a:masterClrMapping/>
+  </p:clrMapOvr>
+</p:sld>
+</file>
+
+<file path=ppt/slides/slide5.xml><?xml version="1.0" encoding="utf-8"?>
+<p:sld xmlns:a="http://schemas.openxmlformats.org/drawingml/2006/main" xmlns:r="http://schemas.openxmlformats.org/officeDocument/2006/relationships" xmlns:p="http://schemas.openxmlformats.org/presentationml/2006/main">
+  <p:cSld>
+    <p:spTree>
+      <p:nvGrpSpPr>
+        <p:cNvPr id="1" name=""/>
+        <p:cNvGrpSpPr/>
+        <p:nvPr/>
+      </p:nvGrpSpPr>
+      <p:grpSpPr/>
+      <p:sp>
+        <p:nvSpPr>
+          <p:cNvPr id="2" name="标题 1"/>
+          <p:cNvSpPr>
+            <a:spLocks noGrp="1"/>
+          </p:cNvSpPr>
+          <p:nvPr>
+            <p:ph type="title"/>
+          </p:nvPr>
+        </p:nvSpPr>
+        <p:spPr/>
+        <p:txBody>
+          <a:bodyPr/>
+          <a:p>
+            <a:r>
+              <a:rPr lang="en-US" altLang="zh-CN"/>
+              <a:t>Vim</a:t>
+            </a:r>
+            <a:endParaRPr lang="en-US" altLang="zh-CN"/>
+          </a:p>
+        </p:txBody>
+      </p:sp>
+      <p:sp>
+        <p:nvSpPr>
+          <p:cNvPr id="3" name="内容占位符 2"/>
+          <p:cNvSpPr>
+            <a:spLocks noGrp="1"/>
+          </p:cNvSpPr>
+          <p:nvPr>
+            <p:ph idx="1"/>
+          </p:nvPr>
+        </p:nvSpPr>
+        <p:spPr/>
+        <p:txBody>
+          <a:bodyPr/>
+          <a:p>
+            <a:r>
+              <a:rPr lang="en-US" altLang="zh-CN"/>
+              <a:t>Reference</a:t>
+            </a:r>
+            <a:endParaRPr lang="en-US" altLang="zh-CN"/>
+          </a:p>
+          <a:p>
+            <a:pPr lvl="1"/>
+            <a:r>
+              <a:rPr lang="en-US" altLang="zh-CN"/>
+              <a:t>https://dev.to/mafflerbach/vim-as-java-ide-3b1a</a:t>
+            </a:r>
+            <a:endParaRPr lang="en-US" altLang="zh-CN"/>
+          </a:p>
+        </p:txBody>
+      </p:sp>
+    </p:spTree>
+    <p:custDataLst>
+      <p:tags r:id="rId1"/>
+    </p:custDataLst>
+  </p:cSld>
+  <p:clrMapOvr>
+    <a:masterClrMapping/>
+  </p:clrMapOvr>
+</p:sld>
+</file>
+
+<file path=ppt/slides/slide6.xml><?xml version="1.0" encoding="utf-8"?>
+<p:sld xmlns:a="http://schemas.openxmlformats.org/drawingml/2006/main" xmlns:r="http://schemas.openxmlformats.org/officeDocument/2006/relationships" xmlns:p="http://schemas.openxmlformats.org/presentationml/2006/main">
+  <p:cSld>
+    <p:spTree>
+      <p:nvGrpSpPr>
+        <p:cNvPr id="1" name=""/>
+        <p:cNvGrpSpPr/>
+        <p:nvPr/>
+      </p:nvGrpSpPr>
+      <p:grpSpPr/>
+      <p:sp>
+        <p:nvSpPr>
+          <p:cNvPr id="2" name="标题 1"/>
+          <p:cNvSpPr>
+            <a:spLocks noGrp="1"/>
+          </p:cNvSpPr>
+          <p:nvPr>
+            <p:ph type="title"/>
+          </p:nvPr>
+        </p:nvSpPr>
+        <p:spPr/>
+        <p:txBody>
+          <a:bodyPr/>
+          <a:p>
+            <a:r>
+              <a:rPr lang="en-US" altLang="zh-CN"/>
+              <a:t>Spring Cloud</a:t>
+            </a:r>
+            <a:endParaRPr lang="en-US" altLang="zh-CN"/>
+          </a:p>
+        </p:txBody>
+      </p:sp>
+      <p:sp>
+        <p:nvSpPr>
+          <p:cNvPr id="3" name="内容占位符 2"/>
+          <p:cNvSpPr>
+            <a:spLocks noGrp="1"/>
+          </p:cNvSpPr>
+          <p:nvPr>
+            <p:ph idx="1"/>
+          </p:nvPr>
+        </p:nvSpPr>
+        <p:spPr/>
+        <p:txBody>
+          <a:bodyPr/>
+          <a:p>
+            <a:r>
+              <a:rPr lang="zh-CN" altLang="en-US"/>
+              <a:t>参考</a:t>
+            </a:r>
+            <a:endParaRPr lang="zh-CN" altLang="en-US"/>
+          </a:p>
+          <a:p>
+            <a:pPr lvl="1"/>
+            <a:r>
+              <a:rPr lang="zh-CN" altLang="en-US"/>
+              <a:t>http://c.biancheng.net/spring_cloud/</a:t>
+            </a:r>
+            <a:endParaRPr lang="zh-CN" altLang="en-US"/>
+          </a:p>
+          <a:p>
+            <a:r>
+              <a:rPr lang="zh-CN" altLang="en-US"/>
+              <a:t>介绍</a:t>
+            </a:r>
+            <a:endParaRPr lang="zh-CN" altLang="en-US"/>
+          </a:p>
+          <a:p>
+            <a:pPr lvl="1"/>
+            <a:r>
+              <a:rPr lang="zh-CN" altLang="en-US"/>
+              <a:t>开发分布式系统的“全家桶”，是一系列框架的有序集合。</a:t>
+            </a:r>
+            <a:endParaRPr lang="zh-CN" altLang="en-US"/>
+          </a:p>
+          <a:p>
+            <a:pPr lvl="0"/>
+            <a:r>
+              <a:rPr lang="zh-CN" altLang="en-US"/>
+              <a:t>环境搭建</a:t>
+            </a:r>
+            <a:endParaRPr lang="zh-CN" altLang="en-US"/>
+          </a:p>
+          <a:p>
+            <a:pPr lvl="1"/>
+            <a:r>
+              <a:rPr lang="en-US" altLang="zh-CN"/>
+              <a:t>JDK</a:t>
+            </a:r>
+            <a:endParaRPr lang="en-US" altLang="zh-CN"/>
+          </a:p>
+          <a:p>
+            <a:pPr lvl="2"/>
+            <a:r>
+              <a:rPr lang="en-US" altLang="zh-CN"/>
+              <a:t>java -version</a:t>
+            </a:r>
+            <a:endParaRPr lang="en-US" altLang="zh-CN"/>
+          </a:p>
+          <a:p>
+            <a:pPr lvl="1"/>
+            <a:r>
+              <a:rPr lang="en-US" altLang="zh-CN"/>
+              <a:t>Maven</a:t>
+            </a:r>
+            <a:endParaRPr lang="en-US" altLang="zh-CN"/>
+          </a:p>
+          <a:p>
+            <a:pPr lvl="2"/>
+            <a:r>
+              <a:rPr lang="en-US" altLang="zh-CN"/>
+              <a:t>mvn -version</a:t>
+            </a:r>
+            <a:endParaRPr lang="en-US" altLang="zh-CN"/>
+          </a:p>
+          <a:p>
+            <a:pPr lvl="1"/>
+            <a:r>
+              <a:rPr lang="en-US" altLang="zh-CN"/>
+              <a:t>Gradle</a:t>
+            </a:r>
+            <a:endParaRPr lang="en-US" altLang="zh-CN"/>
+          </a:p>
+          <a:p>
+            <a:pPr lvl="2"/>
+            <a:r>
+              <a:rPr lang="en-US" altLang="zh-CN"/>
+              <a:t>https://gradle.org/install/</a:t>
+            </a:r>
+            <a:endParaRPr lang="en-US" altLang="zh-CN"/>
+          </a:p>
+        </p:txBody>
+      </p:sp>
+    </p:spTree>
+    <p:custDataLst>
+      <p:tags r:id="rId1"/>
+    </p:custDataLst>
+  </p:cSld>
+  <p:clrMapOvr>
+    <a:masterClrMapping/>
+  </p:clrMapOvr>
+</p:sld>
+</file>
+
+<file path=ppt/slides/slide7.xml><?xml version="1.0" encoding="utf-8"?>
+<p:sld xmlns:a="http://schemas.openxmlformats.org/drawingml/2006/main" xmlns:r="http://schemas.openxmlformats.org/officeDocument/2006/relationships" xmlns:p="http://schemas.openxmlformats.org/presentationml/2006/main">
+  <p:cSld>
+    <p:spTree>
+      <p:nvGrpSpPr>
+        <p:cNvPr id="1" name=""/>
+        <p:cNvGrpSpPr/>
+        <p:nvPr/>
+      </p:nvGrpSpPr>
+      <p:grpSpPr/>
+      <p:sp>
+        <p:nvSpPr>
+          <p:cNvPr id="2" name="标题 1"/>
+          <p:cNvSpPr>
+            <a:spLocks noGrp="1"/>
+          </p:cNvSpPr>
+          <p:nvPr>
+            <p:ph type="title"/>
+          </p:nvPr>
+        </p:nvSpPr>
+        <p:spPr/>
+        <p:txBody>
+          <a:bodyPr/>
+          <a:p>
+            <a:r>
+              <a:rPr lang="en-US" altLang="zh-CN"/>
+              <a:t>Install Tomcat as Windows Service</a:t>
+            </a:r>
+            <a:endParaRPr lang="en-US" altLang="zh-CN"/>
+          </a:p>
+        </p:txBody>
+      </p:sp>
+      <p:sp>
+        <p:nvSpPr>
+          <p:cNvPr id="3" name="内容占位符 2"/>
+          <p:cNvSpPr>
+            <a:spLocks noGrp="1"/>
+          </p:cNvSpPr>
+          <p:nvPr>
+            <p:ph idx="1"/>
+          </p:nvPr>
+        </p:nvSpPr>
+        <p:spPr/>
+        <p:txBody>
+          <a:bodyPr/>
+          <a:p>
+            <a:r>
+              <a:rPr lang="en-US" altLang="zh-CN"/>
+              <a:t>Reference</a:t>
+            </a:r>
+            <a:endParaRPr lang="en-US" altLang="zh-CN"/>
+          </a:p>
+          <a:p>
+            <a:pPr lvl="1"/>
+            <a:r>
+              <a:rPr lang="en-US" altLang="zh-CN"/>
+              <a:t>https://tomcat.apache.org/tomcat-8.5-doc/windows-service-howto.html</a:t>
+            </a:r>
+            <a:endParaRPr lang="en-US" altLang="zh-CN"/>
+          </a:p>
+          <a:p>
+            <a:pPr lvl="0"/>
+            <a:r>
+              <a:rPr lang="en-US" altLang="zh-CN"/>
+              <a:t>Steps</a:t>
+            </a:r>
+            <a:endParaRPr lang="en-US" altLang="zh-CN"/>
+          </a:p>
+          <a:p>
+            <a:pPr lvl="1"/>
+            <a:r>
+              <a:rPr lang="en-US" altLang="zh-CN"/>
+              <a:t>bin/service.bat install {ServiceName}</a:t>
+            </a:r>
+            <a:endParaRPr lang="en-US" altLang="zh-CN"/>
+          </a:p>
+        </p:txBody>
+      </p:sp>
+    </p:spTree>
+    <p:custDataLst>
+      <p:tags r:id="rId1"/>
+    </p:custDataLst>
+  </p:cSld>
+  <p:clrMapOvr>
+    <a:masterClrMapping/>
+  </p:clrMapOvr>
+</p:sld>
+</file>
+
+<file path=ppt/slides/slide8.xml><?xml version="1.0" encoding="utf-8"?>
+<p:sld xmlns:a="http://schemas.openxmlformats.org/drawingml/2006/main" xmlns:r="http://schemas.openxmlformats.org/officeDocument/2006/relationships" xmlns:p="http://schemas.openxmlformats.org/presentationml/2006/main">
+  <p:cSld>
+    <p:spTree>
+      <p:nvGrpSpPr>
+        <p:cNvPr id="1" name=""/>
+        <p:cNvGrpSpPr/>
+        <p:nvPr/>
+      </p:nvGrpSpPr>
+      <p:grpSpPr/>
+      <p:sp>
+        <p:nvSpPr>
+          <p:cNvPr id="2" name="标题 1"/>
+          <p:cNvSpPr>
+            <a:spLocks noGrp="1"/>
+          </p:cNvSpPr>
+          <p:nvPr>
+            <p:ph type="title"/>
+          </p:nvPr>
+        </p:nvSpPr>
+        <p:spPr/>
+        <p:txBody>
+          <a:bodyPr/>
+          <a:p>
+            <a:r>
+              <a:rPr lang="en-US" altLang="zh-CN"/>
+              <a:t>Keytool</a:t>
+            </a:r>
+            <a:endParaRPr lang="en-US" altLang="zh-CN"/>
+          </a:p>
+        </p:txBody>
+      </p:sp>
+      <p:sp>
+        <p:nvSpPr>
+          <p:cNvPr id="3" name="内容占位符 2"/>
+          <p:cNvSpPr>
+            <a:spLocks noGrp="1"/>
+          </p:cNvSpPr>
+          <p:nvPr>
+            <p:ph idx="1"/>
+          </p:nvPr>
+        </p:nvSpPr>
+        <p:spPr/>
+        <p:txBody>
+          <a:bodyPr/>
+          <a:p>
+            <a:r>
+              <a:rPr lang="en-US" altLang="zh-CN"/>
+              <a:t>Verify keystore</a:t>
+            </a:r>
+            <a:endParaRPr lang="en-US" altLang="zh-CN"/>
+          </a:p>
+          <a:p>
+            <a:pPr lvl="1"/>
+            <a:r>
+              <a:rPr lang="en-US" altLang="zh-CN"/>
+              <a:t>keytool -list -v -keystore &lt;yr keystore file&gt;</a:t>
+            </a:r>
+            <a:endParaRPr lang="en-US" altLang="zh-CN"/>
+          </a:p>
+        </p:txBody>
+      </p:sp>
+    </p:spTree>
+    <p:custDataLst>
+      <p:tags r:id="rId1"/>
+    </p:custDataLst>
+  </p:cSld>
+  <p:clrMapOvr>
+    <a:masterClrMapping/>
+  </p:clrMapOvr>
+</p:sld>
+</file>
+
+<file path=ppt/slides/slide9.xml><?xml version="1.0" encoding="utf-8"?>
+<p:sld xmlns:a="http://schemas.openxmlformats.org/drawingml/2006/main" xmlns:r="http://schemas.openxmlformats.org/officeDocument/2006/relationships" xmlns:p="http://schemas.openxmlformats.org/presentationml/2006/main">
+  <p:cSld>
+    <p:spTree>
+      <p:nvGrpSpPr>
+        <p:cNvPr id="1" name=""/>
+        <p:cNvGrpSpPr/>
+        <p:nvPr/>
+      </p:nvGrpSpPr>
+      <p:grpSpPr/>
+      <p:sp>
+        <p:nvSpPr>
+          <p:cNvPr id="4" name="标题 3"/>
+          <p:cNvSpPr>
+            <a:spLocks noGrp="1"/>
+          </p:cNvSpPr>
+          <p:nvPr>
+            <p:ph type="title"/>
+          </p:nvPr>
+        </p:nvSpPr>
+        <p:spPr/>
+        <p:txBody>
+          <a:bodyPr/>
+          <a:p>
+            <a:r>
+              <a:rPr lang="en-US" altLang="zh-CN"/>
+              <a:t>Spring Boot</a:t>
+            </a:r>
+            <a:endParaRPr lang="en-US" altLang="zh-CN"/>
+          </a:p>
+        </p:txBody>
+      </p:sp>
+      <p:sp>
+        <p:nvSpPr>
+          <p:cNvPr id="5" name="文本占位符 4"/>
+          <p:cNvSpPr>
+            <a:spLocks noGrp="1"/>
+          </p:cNvSpPr>
+          <p:nvPr>
+            <p:ph type="body" idx="1"/>
+          </p:nvPr>
+        </p:nvSpPr>
+        <p:spPr/>
+        <p:txBody>
+          <a:bodyPr/>
+          <a:p>
+            <a:endParaRPr lang="zh-CN" altLang="en-US"/>
+          </a:p>
+        </p:txBody>
+      </p:sp>
+    </p:spTree>
+    <p:custDataLst>
+      <p:tags r:id="rId1"/>
     </p:custDataLst>
   </p:cSld>
   <p:clrMapOvr>
@@ -5858,7 +5932,16 @@
 
 <file path=ppt/tags/tag24.xml><?xml version="1.0" encoding="utf-8"?>
 <p:tagLst xmlns:p="http://schemas.openxmlformats.org/presentationml/2006/main">
+  <p:tag name="KSO_WM_BEAUTIFY_FLAG" val="#wm#"/>
+  <p:tag name="KSO_WM_TEMPLATE_CATEGORY" val="custom"/>
+  <p:tag name="KSO_WM_TEMPLATE_INDEX" val="160402"/>
+</p:tagLst>
+</file>
+
+<file path=ppt/tags/tag25.xml><?xml version="1.0" encoding="utf-8"?>
+<p:tagLst xmlns:p="http://schemas.openxmlformats.org/presentationml/2006/main">
   <p:tag name="COMMONDATA" val="eyJoZGlkIjoiODcwZjc5M2RmYzUwOWE5MjVkODVjZGMyZDUwOTRjYmEifQ=="/>
+  <p:tag name="KSO_WPP_MARK_KEY" val="3ca6f6e9-ac9b-4658-8d45-7b53fa102ed1"/>
 </p:tagLst>
 </file>
 

--- a/Web/JavaEE.pptx
+++ b/Web/JavaEE.pptx
@@ -5,10 +5,10 @@
     <p:sldMasterId id="2147483648" r:id="rId1"/>
   </p:sldMasterIdLst>
   <p:notesMasterIdLst>
-    <p:notesMasterId r:id="rId22"/>
+    <p:notesMasterId r:id="rId27"/>
   </p:notesMasterIdLst>
   <p:handoutMasterIdLst>
-    <p:handoutMasterId r:id="rId23"/>
+    <p:handoutMasterId r:id="rId28"/>
   </p:handoutMasterIdLst>
   <p:sldIdLst>
     <p:sldId id="409" r:id="rId3"/>
@@ -23,18 +23,23 @@
     <p:sldId id="414" r:id="rId12"/>
     <p:sldId id="416" r:id="rId13"/>
     <p:sldId id="418" r:id="rId14"/>
-    <p:sldId id="422" r:id="rId15"/>
-    <p:sldId id="425" r:id="rId16"/>
-    <p:sldId id="424" r:id="rId17"/>
-    <p:sldId id="423" r:id="rId18"/>
-    <p:sldId id="428" r:id="rId19"/>
-    <p:sldId id="429" r:id="rId20"/>
-    <p:sldId id="430" r:id="rId21"/>
+    <p:sldId id="457" r:id="rId15"/>
+    <p:sldId id="458" r:id="rId16"/>
+    <p:sldId id="422" r:id="rId17"/>
+    <p:sldId id="425" r:id="rId18"/>
+    <p:sldId id="424" r:id="rId19"/>
+    <p:sldId id="423" r:id="rId20"/>
+    <p:sldId id="467" r:id="rId21"/>
+    <p:sldId id="428" r:id="rId22"/>
+    <p:sldId id="429" r:id="rId23"/>
+    <p:sldId id="455" r:id="rId24"/>
+    <p:sldId id="430" r:id="rId25"/>
+    <p:sldId id="472" r:id="rId26"/>
   </p:sldIdLst>
   <p:sldSz cx="12192000" cy="6858000"/>
   <p:notesSz cx="6858000" cy="9144000"/>
   <p:custDataLst>
-    <p:tags r:id="rId27"/>
+    <p:tags r:id="rId33"/>
   </p:custDataLst>
   <p:defaultTextStyle>
     <a:defPPr>
@@ -131,7 +136,29 @@
       </a:defRPr>
     </a:lvl9pPr>
   </p:defaultTextStyle>
+  <p:extLst>
+    <p:ext uri="{EFAFB233-063F-42B5-8137-9DF3F51BA10A}">
+      <p15:sldGuideLst xmlns:p15="http://schemas.microsoft.com/office/powerpoint/2012/main">
+        <p15:guide id="1" orient="horz" pos="2196" userDrawn="1">
+          <p15:clr>
+            <a:srgbClr val="A4A3A4"/>
+          </p15:clr>
+        </p15:guide>
+        <p15:guide id="2" pos="3840" userDrawn="1">
+          <p15:clr>
+            <a:srgbClr val="A4A3A4"/>
+          </p15:clr>
+        </p15:guide>
+      </p15:sldGuideLst>
+    </p:ext>
+  </p:extLst>
 </p:presentation>
+</file>
+
+<file path=ppt/commentAuthors.xml><?xml version="1.0" encoding="utf-8"?>
+<p:cmAuthorLst xmlns:a="http://schemas.openxmlformats.org/drawingml/2006/main" xmlns:r="http://schemas.openxmlformats.org/officeDocument/2006/relationships" xmlns:p="http://schemas.openxmlformats.org/presentationml/2006/main">
+  <p:cmAuthor id="1" name="VhuanTech" initials="VH" lastIdx="1" clrIdx="0"/>
+</p:cmAuthorLst>
 </file>
 
 <file path=ppt/handoutMasters/handoutMaster1.xml><?xml version="1.0" encoding="utf-8"?>
@@ -4064,6 +4091,370 @@
       <p:grpSpPr/>
       <p:sp>
         <p:nvSpPr>
+          <p:cNvPr id="2" name="标题 1"/>
+          <p:cNvSpPr>
+            <a:spLocks noGrp="1"/>
+          </p:cNvSpPr>
+          <p:nvPr>
+            <p:ph type="title"/>
+          </p:nvPr>
+        </p:nvSpPr>
+        <p:spPr/>
+        <p:txBody>
+          <a:bodyPr/>
+          <a:p>
+            <a:r>
+              <a:rPr lang="en-US" altLang="zh-CN"/>
+              <a:t>Session</a:t>
+            </a:r>
+            <a:endParaRPr lang="en-US" altLang="zh-CN"/>
+          </a:p>
+        </p:txBody>
+      </p:sp>
+      <p:sp>
+        <p:nvSpPr>
+          <p:cNvPr id="3" name="内容占位符 2"/>
+          <p:cNvSpPr>
+            <a:spLocks noGrp="1"/>
+          </p:cNvSpPr>
+          <p:nvPr>
+            <p:ph idx="1"/>
+          </p:nvPr>
+        </p:nvSpPr>
+        <p:spPr>
+          <a:xfrm>
+            <a:off x="838200" y="1211580"/>
+            <a:ext cx="6240780" cy="4933950"/>
+          </a:xfrm>
+        </p:spPr>
+        <p:txBody>
+          <a:bodyPr>
+            <a:normAutofit lnSpcReduction="10000"/>
+          </a:bodyPr>
+          <a:p>
+            <a:r>
+              <a:rPr lang="en-US" altLang="zh-CN" sz="1600"/>
+              <a:t>References</a:t>
+            </a:r>
+            <a:endParaRPr lang="en-US" altLang="zh-CN" sz="1600"/>
+          </a:p>
+          <a:p>
+            <a:pPr lvl="1"/>
+            <a:r>
+              <a:rPr lang="en-US" altLang="zh-CN" sz="1400"/>
+              <a:t>https://www.techgeeknext.com/spring-boot/spring-boot-session-management</a:t>
+            </a:r>
+            <a:endParaRPr lang="en-US" altLang="zh-CN" sz="1400"/>
+          </a:p>
+          <a:p>
+            <a:pPr lvl="1"/>
+            <a:r>
+              <a:rPr lang="en-US" altLang="zh-CN" sz="1400"/>
+              <a:t>https://www.baeldung.com/spring-security-session</a:t>
+            </a:r>
+            <a:endParaRPr lang="en-US" altLang="zh-CN" sz="1400"/>
+          </a:p>
+          <a:p>
+            <a:pPr lvl="1"/>
+            <a:r>
+              <a:rPr lang="en-US" altLang="zh-CN" sz="1400"/>
+              <a:t>https://juejin.cn/post/6992562025318760461</a:t>
+            </a:r>
+            <a:endParaRPr lang="en-US" altLang="zh-CN" sz="1400"/>
+          </a:p>
+          <a:p>
+            <a:pPr lvl="0"/>
+            <a:r>
+              <a:rPr lang="en-US" altLang="zh-CN" sz="1600"/>
+              <a:t>Steps</a:t>
+            </a:r>
+            <a:endParaRPr lang="en-US" altLang="zh-CN" sz="1600"/>
+          </a:p>
+          <a:p>
+            <a:pPr lvl="1"/>
+            <a:r>
+              <a:rPr lang="en-US" altLang="zh-CN" sz="1400"/>
+              <a:t>Add dependency to pom.xml</a:t>
+            </a:r>
+            <a:endParaRPr lang="en-US" altLang="zh-CN" sz="1400"/>
+          </a:p>
+          <a:p>
+            <a:pPr lvl="2"/>
+            <a:r>
+              <a:rPr lang="en-US" altLang="zh-CN" sz="1200"/>
+              <a:t>&lt;dependencies&gt;</a:t>
+            </a:r>
+            <a:endParaRPr lang="en-US" altLang="zh-CN" sz="1200"/>
+          </a:p>
+          <a:p>
+            <a:pPr lvl="2"/>
+            <a:r>
+              <a:rPr lang="en-US" altLang="zh-CN" sz="1200"/>
+              <a:t>	&lt;!-- ... --&gt;</a:t>
+            </a:r>
+            <a:endParaRPr lang="en-US" altLang="zh-CN" sz="1200"/>
+          </a:p>
+          <a:p>
+            <a:pPr lvl="2"/>
+            <a:r>
+              <a:rPr lang="en-US" altLang="zh-CN" sz="1200"/>
+              <a:t>        &lt;dependency&gt;</a:t>
+            </a:r>
+            <a:endParaRPr lang="en-US" altLang="zh-CN" sz="1200"/>
+          </a:p>
+          <a:p>
+            <a:pPr lvl="2"/>
+            <a:r>
+              <a:rPr lang="en-US" altLang="zh-CN" sz="1200"/>
+              <a:t>              &lt;groupId&gt;org.springframework.session&lt;/groupId&gt;</a:t>
+            </a:r>
+            <a:endParaRPr lang="en-US" altLang="zh-CN" sz="1200"/>
+          </a:p>
+          <a:p>
+            <a:pPr lvl="2"/>
+            <a:r>
+              <a:rPr lang="en-US" altLang="zh-CN" sz="1200"/>
+              <a:t>              &lt;artifactId&gt;spring-session-core&lt;/artifactId&gt;</a:t>
+            </a:r>
+            <a:endParaRPr lang="en-US" altLang="zh-CN" sz="1200"/>
+          </a:p>
+          <a:p>
+            <a:pPr lvl="2"/>
+            <a:r>
+              <a:rPr lang="en-US" altLang="zh-CN" sz="1200"/>
+              <a:t>          &lt;/dependency&gt;</a:t>
+            </a:r>
+            <a:endParaRPr lang="en-US" altLang="zh-CN" sz="1200"/>
+          </a:p>
+          <a:p>
+            <a:pPr lvl="2"/>
+            <a:r>
+              <a:rPr lang="en-US" altLang="zh-CN" sz="1200"/>
+              <a:t>	&lt;dependency&gt;</a:t>
+            </a:r>
+            <a:endParaRPr lang="en-US" altLang="zh-CN" sz="1200"/>
+          </a:p>
+          <a:p>
+            <a:pPr lvl="2"/>
+            <a:r>
+              <a:rPr lang="en-US" altLang="zh-CN" sz="1200"/>
+              <a:t>		&lt;groupId&gt;org.springframework.session&lt;/groupId&gt;</a:t>
+            </a:r>
+            <a:endParaRPr lang="en-US" altLang="zh-CN" sz="1200"/>
+          </a:p>
+          <a:p>
+            <a:pPr lvl="2"/>
+            <a:r>
+              <a:rPr lang="en-US" altLang="zh-CN" sz="1200"/>
+              <a:t>		&lt;artifactId&gt;spring-session-jdbc&lt;/artifactId&gt;</a:t>
+            </a:r>
+            <a:endParaRPr lang="en-US" altLang="zh-CN" sz="1200"/>
+          </a:p>
+          <a:p>
+            <a:pPr lvl="2"/>
+            <a:r>
+              <a:rPr lang="en-US" altLang="zh-CN" sz="1200"/>
+              <a:t>	&lt;/dependency&gt;</a:t>
+            </a:r>
+            <a:endParaRPr lang="en-US" altLang="zh-CN" sz="1200"/>
+          </a:p>
+          <a:p>
+            <a:pPr lvl="2"/>
+            <a:r>
+              <a:rPr lang="en-US" altLang="zh-CN" sz="1200"/>
+              <a:t>&lt;/dependencies&gt;</a:t>
+            </a:r>
+            <a:endParaRPr lang="en-US" altLang="zh-CN" sz="1200"/>
+          </a:p>
+          <a:p>
+            <a:pPr lvl="1"/>
+            <a:r>
+              <a:rPr lang="en-US" altLang="zh-CN" sz="1400"/>
+              <a:t>application.properties</a:t>
+            </a:r>
+            <a:endParaRPr lang="en-US" altLang="zh-CN" sz="1400"/>
+          </a:p>
+          <a:p>
+            <a:pPr lvl="2"/>
+            <a:r>
+              <a:rPr lang="en-US" altLang="zh-CN" sz="1200"/>
+              <a:t>spring.session.store-type=jdbc # Session store type.</a:t>
+            </a:r>
+            <a:endParaRPr lang="en-US" altLang="zh-CN" sz="1200"/>
+          </a:p>
+        </p:txBody>
+      </p:sp>
+      <p:pic>
+        <p:nvPicPr>
+          <p:cNvPr id="102" name="图片 101"/>
+          <p:cNvPicPr/>
+          <p:nvPr/>
+        </p:nvPicPr>
+        <p:blipFill>
+          <a:blip r:embed="rId1"/>
+          <a:stretch>
+            <a:fillRect/>
+          </a:stretch>
+        </p:blipFill>
+        <p:spPr>
+          <a:xfrm>
+            <a:off x="6991350" y="1282065"/>
+            <a:ext cx="5200650" cy="1897380"/>
+          </a:xfrm>
+          <a:prstGeom prst="rect">
+            <a:avLst/>
+          </a:prstGeom>
+          <a:noFill/>
+          <a:ln w="9525">
+            <a:noFill/>
+          </a:ln>
+        </p:spPr>
+      </p:pic>
+    </p:spTree>
+    <p:custDataLst>
+      <p:tags r:id="rId2"/>
+    </p:custDataLst>
+  </p:cSld>
+  <p:clrMapOvr>
+    <a:masterClrMapping/>
+  </p:clrMapOvr>
+</p:sld>
+</file>
+
+<file path=ppt/slides/slide14.xml><?xml version="1.0" encoding="utf-8"?>
+<p:sld xmlns:a="http://schemas.openxmlformats.org/drawingml/2006/main" xmlns:r="http://schemas.openxmlformats.org/officeDocument/2006/relationships" xmlns:p="http://schemas.openxmlformats.org/presentationml/2006/main">
+  <p:cSld>
+    <p:spTree>
+      <p:nvGrpSpPr>
+        <p:cNvPr id="1" name=""/>
+        <p:cNvGrpSpPr/>
+        <p:nvPr/>
+      </p:nvGrpSpPr>
+      <p:grpSpPr/>
+      <p:sp>
+        <p:nvSpPr>
+          <p:cNvPr id="2" name="标题 1"/>
+          <p:cNvSpPr>
+            <a:spLocks noGrp="1"/>
+          </p:cNvSpPr>
+          <p:nvPr>
+            <p:ph type="title"/>
+          </p:nvPr>
+        </p:nvSpPr>
+        <p:spPr/>
+        <p:txBody>
+          <a:bodyPr/>
+          <a:p>
+            <a:r>
+              <a:rPr lang="en-US" altLang="zh-CN"/>
+              <a:t>Token</a:t>
+            </a:r>
+            <a:endParaRPr lang="en-US" altLang="zh-CN"/>
+          </a:p>
+        </p:txBody>
+      </p:sp>
+      <p:sp>
+        <p:nvSpPr>
+          <p:cNvPr id="3" name="内容占位符 2"/>
+          <p:cNvSpPr>
+            <a:spLocks noGrp="1"/>
+          </p:cNvSpPr>
+          <p:nvPr>
+            <p:ph idx="1"/>
+          </p:nvPr>
+        </p:nvSpPr>
+        <p:spPr>
+          <a:xfrm>
+            <a:off x="838200" y="1211580"/>
+            <a:ext cx="5428615" cy="4549140"/>
+          </a:xfrm>
+        </p:spPr>
+        <p:txBody>
+          <a:bodyPr>
+            <a:normAutofit/>
+          </a:bodyPr>
+          <a:p>
+            <a:r>
+              <a:rPr lang="en-US" altLang="zh-CN"/>
+              <a:t>References</a:t>
+            </a:r>
+            <a:endParaRPr lang="en-US" altLang="zh-CN"/>
+          </a:p>
+          <a:p>
+            <a:pPr lvl="1"/>
+            <a:r>
+              <a:rPr lang="en-US" altLang="zh-CN"/>
+              <a:t>https://blog.csdn.net/weixin_42237752/article/details/88655511</a:t>
+            </a:r>
+            <a:endParaRPr lang="en-US" altLang="zh-CN"/>
+          </a:p>
+          <a:p>
+            <a:pPr lvl="1"/>
+            <a:r>
+              <a:rPr lang="en-US" altLang="zh-CN"/>
+              <a:t>https://juejin.cn/post/7035280102636126244</a:t>
+            </a:r>
+            <a:endParaRPr lang="en-US" altLang="zh-CN"/>
+          </a:p>
+          <a:p>
+            <a:pPr lvl="1"/>
+            <a:r>
+              <a:rPr lang="en-US" altLang="zh-CN"/>
+              <a:t>https://www.jianshu.com/p/0e77beb3c1e5</a:t>
+            </a:r>
+            <a:endParaRPr lang="en-US" altLang="zh-CN"/>
+          </a:p>
+        </p:txBody>
+      </p:sp>
+      <p:pic>
+        <p:nvPicPr>
+          <p:cNvPr id="100" name="图片 99"/>
+          <p:cNvPicPr/>
+          <p:nvPr/>
+        </p:nvPicPr>
+        <p:blipFill>
+          <a:blip r:embed="rId1"/>
+          <a:stretch>
+            <a:fillRect/>
+          </a:stretch>
+        </p:blipFill>
+        <p:spPr>
+          <a:xfrm>
+            <a:off x="6550025" y="710565"/>
+            <a:ext cx="5372100" cy="2966085"/>
+          </a:xfrm>
+          <a:prstGeom prst="rect">
+            <a:avLst/>
+          </a:prstGeom>
+          <a:noFill/>
+          <a:ln w="9525">
+            <a:noFill/>
+          </a:ln>
+        </p:spPr>
+      </p:pic>
+    </p:spTree>
+    <p:custDataLst>
+      <p:tags r:id="rId2"/>
+    </p:custDataLst>
+  </p:cSld>
+  <p:clrMapOvr>
+    <a:masterClrMapping/>
+  </p:clrMapOvr>
+</p:sld>
+</file>
+
+<file path=ppt/slides/slide15.xml><?xml version="1.0" encoding="utf-8"?>
+<p:sld xmlns:a="http://schemas.openxmlformats.org/drawingml/2006/main" xmlns:r="http://schemas.openxmlformats.org/officeDocument/2006/relationships" xmlns:p="http://schemas.openxmlformats.org/presentationml/2006/main">
+  <p:cSld>
+    <p:spTree>
+      <p:nvGrpSpPr>
+        <p:cNvPr id="1" name=""/>
+        <p:cNvGrpSpPr/>
+        <p:nvPr/>
+      </p:nvGrpSpPr>
+      <p:grpSpPr/>
+      <p:sp>
+        <p:nvSpPr>
           <p:cNvPr id="4" name="标题 3"/>
           <p:cNvSpPr>
             <a:spLocks noGrp="1"/>
@@ -4113,7 +4504,7 @@
 </p:sld>
 </file>
 
-<file path=ppt/slides/slide14.xml><?xml version="1.0" encoding="utf-8"?>
+<file path=ppt/slides/slide16.xml><?xml version="1.0" encoding="utf-8"?>
 <p:sld xmlns:a="http://schemas.openxmlformats.org/drawingml/2006/main" xmlns:r="http://schemas.openxmlformats.org/officeDocument/2006/relationships" xmlns:p="http://schemas.openxmlformats.org/presentationml/2006/main">
   <p:cSld>
     <p:spTree>
@@ -4409,242 +4800,6 @@
 </p:sld>
 </file>
 
-<file path=ppt/slides/slide15.xml><?xml version="1.0" encoding="utf-8"?>
-<p:sld xmlns:a="http://schemas.openxmlformats.org/drawingml/2006/main" xmlns:r="http://schemas.openxmlformats.org/officeDocument/2006/relationships" xmlns:p="http://schemas.openxmlformats.org/presentationml/2006/main">
-  <p:cSld>
-    <p:spTree>
-      <p:nvGrpSpPr>
-        <p:cNvPr id="1" name=""/>
-        <p:cNvGrpSpPr/>
-        <p:nvPr/>
-      </p:nvGrpSpPr>
-      <p:grpSpPr/>
-      <p:sp>
-        <p:nvSpPr>
-          <p:cNvPr id="4" name="标题 3"/>
-          <p:cNvSpPr>
-            <a:spLocks noGrp="1"/>
-          </p:cNvSpPr>
-          <p:nvPr>
-            <p:ph type="title"/>
-          </p:nvPr>
-        </p:nvSpPr>
-        <p:spPr/>
-        <p:txBody>
-          <a:bodyPr/>
-          <a:p>
-            <a:r>
-              <a:rPr lang="en-US" altLang="zh-CN"/>
-              <a:t>Pojo (Plain Old Java Object)</a:t>
-            </a:r>
-            <a:endParaRPr lang="en-US" altLang="zh-CN"/>
-          </a:p>
-        </p:txBody>
-      </p:sp>
-      <p:sp>
-        <p:nvSpPr>
-          <p:cNvPr id="5" name="内容占位符 4"/>
-          <p:cNvSpPr>
-            <a:spLocks noGrp="1"/>
-          </p:cNvSpPr>
-          <p:nvPr>
-            <p:ph idx="1"/>
-          </p:nvPr>
-        </p:nvSpPr>
-        <p:spPr/>
-        <p:txBody>
-          <a:bodyPr/>
-          <a:p>
-            <a:r>
-              <a:rPr lang="en-US" altLang="zh-CN"/>
-              <a:t>A Pojo class</a:t>
-            </a:r>
-            <a:endParaRPr lang="en-US" altLang="zh-CN"/>
-          </a:p>
-          <a:p>
-            <a:pPr lvl="1"/>
-            <a:r>
-              <a:rPr lang="en-US" altLang="zh-CN"/>
-              <a:t>contains variables and their getters and setters</a:t>
-            </a:r>
-            <a:endParaRPr lang="en-US" altLang="zh-CN"/>
-          </a:p>
-          <a:p>
-            <a:pPr lvl="0"/>
-            <a:r>
-              <a:rPr lang="en-US" altLang="zh-CN"/>
-              <a:t>References</a:t>
-            </a:r>
-            <a:endParaRPr lang="en-US" altLang="zh-CN"/>
-          </a:p>
-          <a:p>
-            <a:pPr lvl="1"/>
-            <a:r>
-              <a:rPr lang="en-US" altLang="zh-CN"/>
-              <a:t>https://www.javatpoint.com/pojo-in-java</a:t>
-            </a:r>
-            <a:endParaRPr lang="en-US" altLang="zh-CN"/>
-          </a:p>
-        </p:txBody>
-      </p:sp>
-    </p:spTree>
-    <p:custDataLst>
-      <p:tags r:id="rId1"/>
-    </p:custDataLst>
-  </p:cSld>
-  <p:clrMapOvr>
-    <a:masterClrMapping/>
-  </p:clrMapOvr>
-</p:sld>
-</file>
-
-<file path=ppt/slides/slide16.xml><?xml version="1.0" encoding="utf-8"?>
-<p:sld xmlns:a="http://schemas.openxmlformats.org/drawingml/2006/main" xmlns:r="http://schemas.openxmlformats.org/officeDocument/2006/relationships" xmlns:p="http://schemas.openxmlformats.org/presentationml/2006/main">
-  <p:cSld>
-    <p:spTree>
-      <p:nvGrpSpPr>
-        <p:cNvPr id="1" name=""/>
-        <p:cNvGrpSpPr/>
-        <p:nvPr/>
-      </p:nvGrpSpPr>
-      <p:grpSpPr/>
-      <p:sp>
-        <p:nvSpPr>
-          <p:cNvPr id="4" name="标题 3"/>
-          <p:cNvSpPr>
-            <a:spLocks noGrp="1"/>
-          </p:cNvSpPr>
-          <p:nvPr>
-            <p:ph type="title"/>
-          </p:nvPr>
-        </p:nvSpPr>
-        <p:spPr/>
-        <p:txBody>
-          <a:bodyPr/>
-          <a:p>
-            <a:r>
-              <a:rPr lang="en-US" altLang="zh-CN"/>
-              <a:t>MyBatis</a:t>
-            </a:r>
-            <a:endParaRPr lang="en-US" altLang="zh-CN"/>
-          </a:p>
-        </p:txBody>
-      </p:sp>
-      <p:sp>
-        <p:nvSpPr>
-          <p:cNvPr id="5" name="内容占位符 4"/>
-          <p:cNvSpPr>
-            <a:spLocks noGrp="1"/>
-          </p:cNvSpPr>
-          <p:nvPr>
-            <p:ph idx="1"/>
-          </p:nvPr>
-        </p:nvSpPr>
-        <p:spPr/>
-        <p:txBody>
-          <a:bodyPr>
-            <a:normAutofit lnSpcReduction="10000"/>
-          </a:bodyPr>
-          <a:p>
-            <a:r>
-              <a:rPr lang="en-US" altLang="zh-CN"/>
-              <a:t>Intro</a:t>
-            </a:r>
-            <a:endParaRPr lang="en-US" altLang="zh-CN"/>
-          </a:p>
-          <a:p>
-            <a:pPr lvl="1"/>
-            <a:r>
-              <a:rPr lang="en-US" altLang="zh-CN"/>
-              <a:t>an open source, lightweight, persistence framework</a:t>
-            </a:r>
-            <a:endParaRPr lang="en-US" altLang="zh-CN"/>
-          </a:p>
-          <a:p>
-            <a:pPr lvl="1"/>
-            <a:r>
-              <a:rPr lang="en-US" altLang="zh-CN"/>
-              <a:t>automates the mapping among SQL databases and objects in Java, .NET, and Ruby on Rails.</a:t>
-            </a:r>
-            <a:endParaRPr lang="en-US" altLang="zh-CN"/>
-          </a:p>
-          <a:p>
-            <a:pPr lvl="1"/>
-            <a:r>
-              <a:rPr lang="en-US" altLang="zh-CN"/>
-              <a:t>an alternative to JDBC and Hibernate</a:t>
-            </a:r>
-            <a:endParaRPr lang="en-US" altLang="zh-CN"/>
-          </a:p>
-          <a:p>
-            <a:pPr lvl="0"/>
-            <a:r>
-              <a:rPr lang="en-US" altLang="zh-CN"/>
-              <a:t>Mapper XML</a:t>
-            </a:r>
-            <a:endParaRPr lang="en-US" altLang="zh-CN"/>
-          </a:p>
-          <a:p>
-            <a:pPr lvl="1"/>
-            <a:r>
-              <a:rPr lang="en-US" altLang="zh-CN"/>
-              <a:t>contains a set of statements to configure various SQL statements such as select, insert, update, and delete</a:t>
-            </a:r>
-            <a:endParaRPr lang="en-US" altLang="zh-CN"/>
-          </a:p>
-          <a:p>
-            <a:pPr lvl="1"/>
-            <a:r>
-              <a:rPr lang="en-US" altLang="zh-CN"/>
-              <a:t>in accordance with pojo</a:t>
-            </a:r>
-            <a:endParaRPr lang="en-US" altLang="zh-CN"/>
-          </a:p>
-          <a:p>
-            <a:pPr lvl="0"/>
-            <a:r>
-              <a:rPr lang="en-US" altLang="zh-CN"/>
-              <a:t>Result maps</a:t>
-            </a:r>
-            <a:endParaRPr lang="en-US" altLang="zh-CN"/>
-          </a:p>
-          <a:p>
-            <a:pPr lvl="0"/>
-            <a:r>
-              <a:rPr lang="en-US" altLang="zh-CN"/>
-              <a:t>Add a new DB column</a:t>
-            </a:r>
-            <a:endParaRPr lang="en-US" altLang="zh-CN"/>
-          </a:p>
-          <a:p>
-            <a:pPr lvl="1"/>
-            <a:r>
-              <a:rPr lang="en-US" altLang="zh-CN"/>
-              <a:t>update mapper xml</a:t>
-            </a:r>
-            <a:endParaRPr lang="en-US" altLang="zh-CN"/>
-          </a:p>
-          <a:p>
-            <a:pPr lvl="1"/>
-            <a:r>
-              <a:rPr lang="en-US" altLang="zh-CN"/>
-              <a:t>update pojo</a:t>
-            </a:r>
-            <a:endParaRPr lang="en-US" altLang="zh-CN"/>
-          </a:p>
-        </p:txBody>
-      </p:sp>
-    </p:spTree>
-    <p:custDataLst>
-      <p:tags r:id="rId1"/>
-    </p:custDataLst>
-  </p:cSld>
-  <p:clrMapOvr>
-    <a:masterClrMapping/>
-  </p:clrMapOvr>
-</p:sld>
-</file>
-
 <file path=ppt/slides/slide17.xml><?xml version="1.0" encoding="utf-8"?>
 <p:sld xmlns:a="http://schemas.openxmlformats.org/drawingml/2006/main" xmlns:r="http://schemas.openxmlformats.org/officeDocument/2006/relationships" xmlns:p="http://schemas.openxmlformats.org/presentationml/2006/main">
   <p:cSld>
@@ -4671,27 +4826,63 @@
           <a:p>
             <a:r>
               <a:rPr lang="en-US" altLang="zh-CN"/>
-              <a:t>Misc</a:t>
-            </a:r>
-            <a:endParaRPr lang="en-US" altLang="zh-CN"/>
-          </a:p>
-        </p:txBody>
-      </p:sp>
-      <p:sp>
-        <p:nvSpPr>
-          <p:cNvPr id="5" name="文本占位符 4"/>
-          <p:cNvSpPr>
-            <a:spLocks noGrp="1"/>
-          </p:cNvSpPr>
-          <p:nvPr>
-            <p:ph type="body" idx="1"/>
+              <a:t>Pojo (Plain Old Java Object)</a:t>
+            </a:r>
+            <a:endParaRPr lang="en-US" altLang="zh-CN"/>
+          </a:p>
+        </p:txBody>
+      </p:sp>
+      <p:sp>
+        <p:nvSpPr>
+          <p:cNvPr id="5" name="内容占位符 4"/>
+          <p:cNvSpPr>
+            <a:spLocks noGrp="1"/>
+          </p:cNvSpPr>
+          <p:nvPr>
+            <p:ph idx="1"/>
           </p:nvPr>
         </p:nvSpPr>
         <p:spPr/>
         <p:txBody>
           <a:bodyPr/>
           <a:p>
-            <a:endParaRPr lang="zh-CN" altLang="en-US"/>
+            <a:r>
+              <a:rPr lang="en-US" altLang="zh-CN"/>
+              <a:t>A Pojo class</a:t>
+            </a:r>
+            <a:endParaRPr lang="en-US" altLang="zh-CN"/>
+          </a:p>
+          <a:p>
+            <a:pPr lvl="1"/>
+            <a:r>
+              <a:rPr lang="en-US" altLang="zh-CN"/>
+              <a:t>contains variables and their getters and setters</a:t>
+            </a:r>
+            <a:endParaRPr lang="en-US" altLang="zh-CN"/>
+          </a:p>
+          <a:p>
+            <a:pPr lvl="0"/>
+            <a:r>
+              <a:rPr lang="en-US" altLang="zh-CN"/>
+              <a:t>References</a:t>
+            </a:r>
+            <a:endParaRPr lang="en-US" altLang="zh-CN"/>
+          </a:p>
+          <a:p>
+            <a:pPr lvl="1"/>
+            <a:r>
+              <a:rPr lang="en-US" altLang="zh-CN"/>
+              <a:t>https://www.javatpoint.com/pojo-in-java</a:t>
+            </a:r>
+            <a:endParaRPr lang="en-US" altLang="zh-CN"/>
+          </a:p>
+          <a:p>
+            <a:pPr lvl="1"/>
+            <a:r>
+              <a:rPr lang="en-US" altLang="zh-CN"/>
+              <a:t>https://www.baeldung.com/java-pojo-class</a:t>
+            </a:r>
+            <a:endParaRPr lang="en-US" altLang="zh-CN"/>
           </a:p>
         </p:txBody>
       </p:sp>
@@ -4732,7 +4923,7 @@
           <a:p>
             <a:r>
               <a:rPr lang="en-US" altLang="zh-CN"/>
-              <a:t>Base64</a:t>
+              <a:t>MyBatis</a:t>
             </a:r>
             <a:endParaRPr lang="en-US" altLang="zh-CN"/>
           </a:p>
@@ -4748,20 +4939,20 @@
             <p:ph idx="1"/>
           </p:nvPr>
         </p:nvSpPr>
-        <p:spPr/>
-        <p:txBody>
-          <a:bodyPr/>
-          <a:p>
-            <a:r>
-              <a:rPr lang="zh-CN" altLang="en-US"/>
-              <a:t>java.util.Base64</a:t>
-            </a:r>
-            <a:endParaRPr lang="zh-CN" altLang="en-US"/>
-          </a:p>
-          <a:p>
-            <a:r>
-              <a:rPr lang="en-US" altLang="zh-CN"/>
-              <a:t>encoding</a:t>
+        <p:spPr>
+          <a:xfrm>
+            <a:off x="838200" y="1211580"/>
+            <a:ext cx="10515600" cy="4966970"/>
+          </a:xfrm>
+        </p:spPr>
+        <p:txBody>
+          <a:bodyPr>
+            <a:normAutofit fontScale="70000"/>
+          </a:bodyPr>
+          <a:p>
+            <a:r>
+              <a:rPr lang="en-US" altLang="zh-CN"/>
+              <a:t>References</a:t>
             </a:r>
             <a:endParaRPr lang="en-US" altLang="zh-CN"/>
           </a:p>
@@ -4769,7 +4960,14 @@
             <a:pPr lvl="1"/>
             <a:r>
               <a:rPr lang="en-US" altLang="zh-CN"/>
-              <a:t>String originalInput = "test input";</a:t>
+              <a:t>https://www.baeldung.com/mybatis</a:t>
+            </a:r>
+            <a:endParaRPr lang="en-US" altLang="zh-CN"/>
+          </a:p>
+          <a:p>
+            <a:r>
+              <a:rPr lang="en-US" altLang="zh-CN"/>
+              <a:t>Intro</a:t>
             </a:r>
             <a:endParaRPr lang="en-US" altLang="zh-CN"/>
           </a:p>
@@ -4777,7 +4975,33 @@
             <a:pPr lvl="1"/>
             <a:r>
               <a:rPr lang="en-US" altLang="zh-CN"/>
-              <a:t>String encodedString = Base64.getEncoder().encodeToString(originalInput.getBytes());</a:t>
+              <a:t>an open source, lightweight, persistence framework</a:t>
+            </a:r>
+            <a:endParaRPr lang="en-US" altLang="zh-CN"/>
+          </a:p>
+          <a:p>
+            <a:pPr lvl="1"/>
+            <a:r>
+              <a:rPr lang="en-US" altLang="zh-CN"/>
+              <a:t>automates the mapping among SQL databases and objects in Java, .NET, and Ruby on Rails.</a:t>
+            </a:r>
+            <a:endParaRPr lang="en-US" altLang="zh-CN"/>
+          </a:p>
+          <a:p>
+            <a:pPr lvl="1"/>
+            <a:r>
+              <a:rPr lang="en-US" altLang="zh-CN"/>
+              <a:t>an alternative to JDBC and Hibernate</a:t>
+            </a:r>
+            <a:endParaRPr lang="en-US" altLang="zh-CN"/>
+          </a:p>
+          <a:p>
+            <a:pPr lvl="1"/>
+            <a:r>
+              <a:rPr lang="en-US" altLang="zh-CN">
+                <a:sym typeface="+mn-ea"/>
+              </a:rPr>
+              <a:t>set up all the queries using annotations</a:t>
             </a:r>
             <a:endParaRPr lang="en-US" altLang="zh-CN"/>
           </a:p>
@@ -4785,7 +5009,7 @@
             <a:pPr lvl="0"/>
             <a:r>
               <a:rPr lang="en-US" altLang="zh-CN"/>
-              <a:t>decoding</a:t>
+              <a:t>Mapper class</a:t>
             </a:r>
             <a:endParaRPr lang="en-US" altLang="zh-CN"/>
           </a:p>
@@ -4793,7 +5017,7 @@
             <a:pPr lvl="1"/>
             <a:r>
               <a:rPr lang="en-US" altLang="zh-CN"/>
-              <a:t>byte[] decodedBytes = Base64.getDecoder().decode(encodedString);</a:t>
+              <a:t>an interface with method definitions that match up against the SqlSession methods</a:t>
             </a:r>
             <a:endParaRPr lang="en-US" altLang="zh-CN"/>
           </a:p>
@@ -4801,7 +5025,63 @@
             <a:pPr lvl="1"/>
             <a:r>
               <a:rPr lang="en-US" altLang="zh-CN"/>
-              <a:t>String decodedString = new String(decodedBytes);</a:t>
+              <a:t>@Results, @Result, @Select, @Update, @Delete, @Insert</a:t>
+            </a:r>
+            <a:endParaRPr lang="en-US" altLang="zh-CN"/>
+          </a:p>
+          <a:p>
+            <a:pPr lvl="0"/>
+            <a:r>
+              <a:rPr lang="en-US" altLang="zh-CN"/>
+              <a:t>Mapper XML</a:t>
+            </a:r>
+            <a:endParaRPr lang="en-US" altLang="zh-CN"/>
+          </a:p>
+          <a:p>
+            <a:pPr lvl="1"/>
+            <a:r>
+              <a:rPr lang="en-US" altLang="zh-CN"/>
+              <a:t>contains a set of statements to configure various SQL statements such as select, insert, update, and delete</a:t>
+            </a:r>
+            <a:endParaRPr lang="en-US" altLang="zh-CN"/>
+          </a:p>
+          <a:p>
+            <a:pPr lvl="1"/>
+            <a:r>
+              <a:rPr lang="en-US" altLang="zh-CN"/>
+              <a:t>in accordance with pojo</a:t>
+            </a:r>
+            <a:endParaRPr lang="en-US" altLang="zh-CN"/>
+          </a:p>
+          <a:p>
+            <a:pPr lvl="0"/>
+            <a:r>
+              <a:rPr lang="en-US" altLang="zh-CN"/>
+              <a:t>Result maps</a:t>
+            </a:r>
+            <a:endParaRPr lang="en-US" altLang="zh-CN"/>
+          </a:p>
+          <a:p>
+            <a:pPr lvl="0"/>
+            <a:r>
+              <a:rPr lang="en-US" altLang="zh-CN"/>
+              <a:t>Add a new DB column</a:t>
+            </a:r>
+            <a:endParaRPr lang="en-US" altLang="zh-CN"/>
+          </a:p>
+          <a:p>
+            <a:pPr lvl="1"/>
+            <a:r>
+              <a:rPr lang="en-US" altLang="zh-CN"/>
+              <a:t>update mapper xml</a:t>
+            </a:r>
+            <a:endParaRPr lang="en-US" altLang="zh-CN"/>
+          </a:p>
+          <a:p>
+            <a:pPr lvl="1"/>
+            <a:r>
+              <a:rPr lang="en-US" altLang="zh-CN"/>
+              <a:t>update pojo</a:t>
             </a:r>
             <a:endParaRPr lang="en-US" altLang="zh-CN"/>
           </a:p>
@@ -4844,15 +5124,15 @@
           <a:p>
             <a:r>
               <a:rPr lang="en-US" altLang="zh-CN"/>
-              <a:t>Configure Tomcat as Windows Service</a:t>
-            </a:r>
-            <a:endParaRPr lang="en-US" altLang="zh-CN"/>
-          </a:p>
-        </p:txBody>
-      </p:sp>
-      <p:sp>
-        <p:nvSpPr>
-          <p:cNvPr id="3" name="内容占位符 2"/>
+              <a:t>MyBatis Plus</a:t>
+            </a:r>
+            <a:endParaRPr lang="en-US" altLang="zh-CN"/>
+          </a:p>
+        </p:txBody>
+      </p:sp>
+      <p:sp>
+        <p:nvSpPr>
+          <p:cNvPr id="5" name="内容占位符 4"/>
           <p:cNvSpPr>
             <a:spLocks noGrp="1"/>
           </p:cNvSpPr>
@@ -4860,15 +5140,253 @@
             <p:ph idx="1"/>
           </p:nvPr>
         </p:nvSpPr>
-        <p:spPr/>
+        <p:spPr>
+          <a:xfrm>
+            <a:off x="838200" y="1211580"/>
+            <a:ext cx="5453380" cy="4549140"/>
+          </a:xfrm>
+        </p:spPr>
         <p:txBody>
           <a:bodyPr/>
           <a:p>
             <a:r>
-              <a:rPr lang="en-US" altLang="zh-CN"/>
-              <a:t>Run “bin/service.bat install”</a:t>
-            </a:r>
-            <a:endParaRPr lang="en-US" altLang="zh-CN"/>
+              <a:rPr lang="en-US" altLang="zh-CN" sz="1800"/>
+              <a:t>References</a:t>
+            </a:r>
+            <a:endParaRPr lang="en-US" altLang="zh-CN" sz="1800"/>
+          </a:p>
+          <a:p>
+            <a:pPr lvl="1"/>
+            <a:r>
+              <a:rPr lang="en-US" altLang="zh-CN" sz="1500"/>
+              <a:t>https://www.bmabk.com/index.php/post/84156.html</a:t>
+            </a:r>
+            <a:endParaRPr lang="en-US" altLang="zh-CN" sz="1500"/>
+          </a:p>
+          <a:p>
+            <a:r>
+              <a:rPr lang="en-US" altLang="zh-CN" sz="1800"/>
+              <a:t>Features</a:t>
+            </a:r>
+            <a:endParaRPr lang="en-US" altLang="zh-CN" sz="1800"/>
+          </a:p>
+          <a:p>
+            <a:pPr lvl="1"/>
+            <a:r>
+              <a:rPr lang="en-US" altLang="zh-CN" sz="1600"/>
+              <a:t>启动即会自动注入基本 CURD，性能基本无损耗，直接面向对象操作</a:t>
+            </a:r>
+            <a:endParaRPr lang="en-US" altLang="zh-CN" sz="1600"/>
+          </a:p>
+          <a:p>
+            <a:pPr lvl="1"/>
+            <a:r>
+              <a:rPr lang="en-US" altLang="zh-CN" sz="1600"/>
+              <a:t>强大的 CRUD 操作：内置通用 Mapper、通用 Service，仅仅通过少量配置即可实现单表大部分 CRUD 操作，更有强大的条件构造器，满足各类使用需求</a:t>
+            </a:r>
+            <a:endParaRPr lang="en-US" altLang="zh-CN" sz="1600"/>
+          </a:p>
+          <a:p>
+            <a:pPr lvl="1"/>
+            <a:r>
+              <a:rPr lang="en-US" altLang="zh-CN" sz="1600"/>
+              <a:t>内置代码生成器</a:t>
+            </a:r>
+            <a:endParaRPr lang="en-US" altLang="zh-CN" sz="1600"/>
+          </a:p>
+          <a:p>
+            <a:pPr lvl="1"/>
+            <a:r>
+              <a:rPr lang="en-US" altLang="zh-CN" sz="1600"/>
+              <a:t>内置分页插件</a:t>
+            </a:r>
+            <a:endParaRPr lang="en-US" altLang="zh-CN" sz="1600"/>
+          </a:p>
+          <a:p>
+            <a:pPr lvl="1"/>
+            <a:endParaRPr lang="en-US" altLang="zh-CN" sz="1600"/>
+          </a:p>
+        </p:txBody>
+      </p:sp>
+      <p:sp>
+        <p:nvSpPr>
+          <p:cNvPr id="4" name="文本框 3"/>
+          <p:cNvSpPr txBox="1"/>
+          <p:nvPr/>
+        </p:nvSpPr>
+        <p:spPr>
+          <a:xfrm>
+            <a:off x="6489065" y="1264285"/>
+            <a:ext cx="4916805" cy="5046345"/>
+          </a:xfrm>
+          <a:prstGeom prst="rect">
+            <a:avLst/>
+          </a:prstGeom>
+          <a:noFill/>
+          <a:ln>
+            <a:solidFill>
+              <a:srgbClr val="C00000"/>
+            </a:solidFill>
+          </a:ln>
+        </p:spPr>
+        <p:txBody>
+          <a:bodyPr wrap="square" rtlCol="0">
+            <a:spAutoFit/>
+          </a:bodyPr>
+          <a:p>
+            <a:pPr algn="ctr"/>
+            <a:r>
+              <a:rPr lang="en-US" altLang="zh-CN" sz="1400" b="1"/>
+              <a:t>IService</a:t>
+            </a:r>
+            <a:endParaRPr lang="zh-CN" altLang="en-US" sz="1400"/>
+          </a:p>
+          <a:p>
+            <a:r>
+              <a:rPr lang="zh-CN" altLang="en-US" sz="1400"/>
+              <a:t>boolean save(T entity)</a:t>
+            </a:r>
+            <a:endParaRPr lang="zh-CN" altLang="en-US" sz="1400"/>
+          </a:p>
+          <a:p>
+            <a:r>
+              <a:rPr lang="zh-CN" altLang="en-US" sz="1400"/>
+              <a:t>boolean saveBatch(Collection&lt;T&gt; entityList)</a:t>
+            </a:r>
+            <a:endParaRPr lang="zh-CN" altLang="en-US" sz="1400"/>
+          </a:p>
+          <a:p>
+            <a:r>
+              <a:rPr lang="zh-CN" altLang="en-US" sz="1400"/>
+              <a:t>boolean saveOrUpdateBatch(Collection&lt;T&gt; entityList)</a:t>
+            </a:r>
+            <a:endParaRPr lang="zh-CN" altLang="en-US" sz="1400"/>
+          </a:p>
+          <a:p>
+            <a:r>
+              <a:rPr lang="zh-CN" altLang="en-US" sz="1400"/>
+              <a:t>boolean removeById(Serializable id)</a:t>
+            </a:r>
+            <a:endParaRPr lang="zh-CN" altLang="en-US" sz="1400"/>
+          </a:p>
+          <a:p>
+            <a:r>
+              <a:rPr lang="zh-CN" altLang="en-US" sz="1400"/>
+              <a:t>boolean removeById(T entity)</a:t>
+            </a:r>
+            <a:endParaRPr lang="zh-CN" altLang="en-US" sz="1400"/>
+          </a:p>
+          <a:p>
+            <a:r>
+              <a:rPr lang="zh-CN" altLang="en-US" sz="1400"/>
+              <a:t>boolean removeByMap(Map&lt;String, Object&gt; columnMap)</a:t>
+            </a:r>
+            <a:endParaRPr lang="zh-CN" altLang="en-US" sz="1400"/>
+          </a:p>
+          <a:p>
+            <a:r>
+              <a:rPr lang="zh-CN" altLang="en-US" sz="1400"/>
+              <a:t>boolean remove(Wrapper&lt;T&gt; queryWrapper)</a:t>
+            </a:r>
+            <a:endParaRPr lang="zh-CN" altLang="en-US" sz="1400"/>
+          </a:p>
+          <a:p>
+            <a:r>
+              <a:rPr lang="zh-CN" altLang="en-US" sz="1400"/>
+              <a:t>boolean removeByIds(Collection&lt;?&gt; list)</a:t>
+            </a:r>
+            <a:endParaRPr lang="zh-CN" altLang="en-US" sz="1400"/>
+          </a:p>
+          <a:p>
+            <a:r>
+              <a:rPr lang="zh-CN" altLang="en-US" sz="1400"/>
+              <a:t>boolean removeBatchByIds(Collection&lt;?&gt; list)</a:t>
+            </a:r>
+            <a:endParaRPr lang="zh-CN" altLang="en-US" sz="1400"/>
+          </a:p>
+          <a:p>
+            <a:r>
+              <a:rPr lang="zh-CN" altLang="en-US" sz="1400"/>
+              <a:t>boolean updateById(T entity)</a:t>
+            </a:r>
+            <a:endParaRPr lang="zh-CN" altLang="en-US" sz="1400"/>
+          </a:p>
+          <a:p>
+            <a:r>
+              <a:rPr lang="zh-CN" altLang="en-US" sz="1400"/>
+              <a:t>boolean update(T entity, Wrapper&lt;T&gt; updateWrapper)</a:t>
+            </a:r>
+            <a:endParaRPr lang="zh-CN" altLang="en-US" sz="1400"/>
+          </a:p>
+          <a:p>
+            <a:r>
+              <a:rPr lang="zh-CN" altLang="en-US" sz="1400"/>
+              <a:t>boolean updateBatchById(Collection&lt;T&gt; entityList)</a:t>
+            </a:r>
+            <a:endParaRPr lang="zh-CN" altLang="en-US" sz="1400"/>
+          </a:p>
+          <a:p>
+            <a:r>
+              <a:rPr lang="zh-CN" altLang="en-US" sz="1400"/>
+              <a:t>boolean saveOrUpdate(T entity);</a:t>
+            </a:r>
+            <a:endParaRPr lang="zh-CN" altLang="en-US" sz="1400"/>
+          </a:p>
+          <a:p>
+            <a:r>
+              <a:rPr lang="zh-CN" altLang="en-US" sz="1400"/>
+              <a:t>T getById(Serializable id)</a:t>
+            </a:r>
+            <a:endParaRPr lang="zh-CN" altLang="en-US" sz="1400"/>
+          </a:p>
+          <a:p>
+            <a:r>
+              <a:rPr lang="zh-CN" altLang="en-US" sz="1400"/>
+              <a:t>listByIds(Collection&lt;? extends Serializable&gt; idList)</a:t>
+            </a:r>
+            <a:endParaRPr lang="zh-CN" altLang="en-US" sz="1400"/>
+          </a:p>
+          <a:p>
+            <a:r>
+              <a:rPr lang="zh-CN" altLang="en-US" sz="1400"/>
+              <a:t>List&lt;T&gt; listByMap(Map&lt;String, Object&gt; columnMap)</a:t>
+            </a:r>
+            <a:endParaRPr lang="zh-CN" altLang="en-US" sz="1400"/>
+          </a:p>
+          <a:p>
+            <a:r>
+              <a:rPr lang="zh-CN" altLang="en-US" sz="1400"/>
+              <a:t>T getOne(Wrapper&lt;T&gt; queryWrapper)</a:t>
+            </a:r>
+            <a:endParaRPr lang="zh-CN" altLang="en-US" sz="1400"/>
+          </a:p>
+          <a:p>
+            <a:r>
+              <a:rPr lang="zh-CN" altLang="en-US" sz="1400"/>
+              <a:t>long count()</a:t>
+            </a:r>
+            <a:endParaRPr lang="zh-CN" altLang="en-US" sz="1400"/>
+          </a:p>
+          <a:p>
+            <a:r>
+              <a:rPr lang="zh-CN" altLang="en-US" sz="1400"/>
+              <a:t>List&lt;T&gt; list()</a:t>
+            </a:r>
+            <a:endParaRPr lang="zh-CN" altLang="en-US" sz="1400"/>
+          </a:p>
+          <a:p>
+            <a:r>
+              <a:rPr lang="zh-CN" altLang="en-US" sz="1400"/>
+              <a:t>&lt;E extends IPage&lt;T&gt;&gt; E page(E page, Wrapper&lt;T&gt; queryWrapper)</a:t>
+            </a:r>
+            <a:endParaRPr lang="zh-CN" altLang="en-US" sz="1400"/>
+          </a:p>
+          <a:p>
+            <a:r>
+              <a:rPr lang="zh-CN" altLang="en-US" sz="1400"/>
+              <a:t>List&lt;Object&gt; listObjs()</a:t>
+            </a:r>
+            <a:endParaRPr lang="zh-CN" altLang="en-US" sz="1400"/>
           </a:p>
         </p:txBody>
       </p:sp>
@@ -4960,6 +5478,14 @@
             <a:endParaRPr lang="en-US" altLang="zh-CN"/>
           </a:p>
           <a:p>
+            <a:pPr lvl="2"/>
+            <a:r>
+              <a:rPr lang="en-US" altLang="zh-CN" sz="1800"/>
+              <a:t>v1.8.0_162</a:t>
+            </a:r>
+            <a:endParaRPr lang="en-US" altLang="zh-CN"/>
+          </a:p>
+          <a:p>
             <a:pPr lvl="1"/>
             <a:r>
               <a:rPr lang="en-US" altLang="zh-CN"/>
@@ -4968,11 +5494,404 @@
             <a:endParaRPr lang="en-US" altLang="zh-CN"/>
           </a:p>
           <a:p>
+            <a:pPr lvl="2"/>
+            <a:r>
+              <a:rPr lang="en-US" altLang="zh-CN" sz="1800"/>
+              <a:t>JAVA_HOME C:\Program Files\Java\jdk1.8.0_162</a:t>
+            </a:r>
+            <a:endParaRPr lang="en-US" altLang="zh-CN"/>
+          </a:p>
+        </p:txBody>
+      </p:sp>
+    </p:spTree>
+    <p:custDataLst>
+      <p:tags r:id="rId1"/>
+    </p:custDataLst>
+  </p:cSld>
+  <p:clrMapOvr>
+    <a:masterClrMapping/>
+  </p:clrMapOvr>
+</p:sld>
+</file>
+
+<file path=ppt/slides/slide20.xml><?xml version="1.0" encoding="utf-8"?>
+<p:sld xmlns:a="http://schemas.openxmlformats.org/drawingml/2006/main" xmlns:r="http://schemas.openxmlformats.org/officeDocument/2006/relationships" xmlns:p="http://schemas.openxmlformats.org/presentationml/2006/main">
+  <p:cSld>
+    <p:spTree>
+      <p:nvGrpSpPr>
+        <p:cNvPr id="1" name=""/>
+        <p:cNvGrpSpPr/>
+        <p:nvPr/>
+      </p:nvGrpSpPr>
+      <p:grpSpPr/>
+      <p:sp>
+        <p:nvSpPr>
+          <p:cNvPr id="4" name="标题 3"/>
+          <p:cNvSpPr>
+            <a:spLocks noGrp="1"/>
+          </p:cNvSpPr>
+          <p:nvPr>
+            <p:ph type="title"/>
+          </p:nvPr>
+        </p:nvSpPr>
+        <p:spPr/>
+        <p:txBody>
+          <a:bodyPr/>
+          <a:p>
+            <a:r>
+              <a:rPr lang="en-US" altLang="zh-CN"/>
+              <a:t>Misc</a:t>
+            </a:r>
+            <a:endParaRPr lang="en-US" altLang="zh-CN"/>
+          </a:p>
+        </p:txBody>
+      </p:sp>
+      <p:sp>
+        <p:nvSpPr>
+          <p:cNvPr id="5" name="文本占位符 4"/>
+          <p:cNvSpPr>
+            <a:spLocks noGrp="1"/>
+          </p:cNvSpPr>
+          <p:nvPr>
+            <p:ph type="body" idx="1"/>
+          </p:nvPr>
+        </p:nvSpPr>
+        <p:spPr/>
+        <p:txBody>
+          <a:bodyPr/>
+          <a:p>
+            <a:endParaRPr lang="zh-CN" altLang="en-US"/>
+          </a:p>
+        </p:txBody>
+      </p:sp>
+    </p:spTree>
+    <p:custDataLst>
+      <p:tags r:id="rId1"/>
+    </p:custDataLst>
+  </p:cSld>
+  <p:clrMapOvr>
+    <a:masterClrMapping/>
+  </p:clrMapOvr>
+</p:sld>
+</file>
+
+<file path=ppt/slides/slide21.xml><?xml version="1.0" encoding="utf-8"?>
+<p:sld xmlns:a="http://schemas.openxmlformats.org/drawingml/2006/main" xmlns:r="http://schemas.openxmlformats.org/officeDocument/2006/relationships" xmlns:p="http://schemas.openxmlformats.org/presentationml/2006/main">
+  <p:cSld>
+    <p:spTree>
+      <p:nvGrpSpPr>
+        <p:cNvPr id="1" name=""/>
+        <p:cNvGrpSpPr/>
+        <p:nvPr/>
+      </p:nvGrpSpPr>
+      <p:grpSpPr/>
+      <p:sp>
+        <p:nvSpPr>
+          <p:cNvPr id="4" name="标题 3"/>
+          <p:cNvSpPr>
+            <a:spLocks noGrp="1"/>
+          </p:cNvSpPr>
+          <p:nvPr>
+            <p:ph type="title"/>
+          </p:nvPr>
+        </p:nvSpPr>
+        <p:spPr/>
+        <p:txBody>
+          <a:bodyPr/>
+          <a:p>
+            <a:r>
+              <a:rPr lang="en-US" altLang="zh-CN"/>
+              <a:t>Base64</a:t>
+            </a:r>
+            <a:endParaRPr lang="en-US" altLang="zh-CN"/>
+          </a:p>
+        </p:txBody>
+      </p:sp>
+      <p:sp>
+        <p:nvSpPr>
+          <p:cNvPr id="5" name="内容占位符 4"/>
+          <p:cNvSpPr>
+            <a:spLocks noGrp="1"/>
+          </p:cNvSpPr>
+          <p:nvPr>
+            <p:ph idx="1"/>
+          </p:nvPr>
+        </p:nvSpPr>
+        <p:spPr/>
+        <p:txBody>
+          <a:bodyPr/>
+          <a:p>
+            <a:r>
+              <a:rPr lang="zh-CN" altLang="en-US"/>
+              <a:t>java.util.Base64</a:t>
+            </a:r>
+            <a:endParaRPr lang="zh-CN" altLang="en-US"/>
+          </a:p>
+          <a:p>
+            <a:r>
+              <a:rPr lang="en-US" altLang="zh-CN"/>
+              <a:t>encoding</a:t>
+            </a:r>
+            <a:endParaRPr lang="en-US" altLang="zh-CN"/>
+          </a:p>
+          <a:p>
             <a:pPr lvl="1"/>
             <a:r>
               <a:rPr lang="en-US" altLang="zh-CN"/>
-              <a:t>Install Eclipse</a:t>
-            </a:r>
+              <a:t>String originalInput = "test input";</a:t>
+            </a:r>
+            <a:endParaRPr lang="en-US" altLang="zh-CN"/>
+          </a:p>
+          <a:p>
+            <a:pPr lvl="1"/>
+            <a:r>
+              <a:rPr lang="en-US" altLang="zh-CN"/>
+              <a:t>String encodedString = Base64.getEncoder().encodeToString(originalInput.getBytes());</a:t>
+            </a:r>
+            <a:endParaRPr lang="en-US" altLang="zh-CN"/>
+          </a:p>
+          <a:p>
+            <a:pPr lvl="0"/>
+            <a:r>
+              <a:rPr lang="en-US" altLang="zh-CN"/>
+              <a:t>decoding</a:t>
+            </a:r>
+            <a:endParaRPr lang="en-US" altLang="zh-CN"/>
+          </a:p>
+          <a:p>
+            <a:pPr lvl="1"/>
+            <a:r>
+              <a:rPr lang="en-US" altLang="zh-CN"/>
+              <a:t>byte[] decodedBytes = Base64.getDecoder().decode(encodedString);</a:t>
+            </a:r>
+            <a:endParaRPr lang="en-US" altLang="zh-CN"/>
+          </a:p>
+          <a:p>
+            <a:pPr lvl="1"/>
+            <a:r>
+              <a:rPr lang="en-US" altLang="zh-CN"/>
+              <a:t>String decodedString = new String(decodedBytes);</a:t>
+            </a:r>
+            <a:endParaRPr lang="en-US" altLang="zh-CN"/>
+          </a:p>
+        </p:txBody>
+      </p:sp>
+    </p:spTree>
+    <p:custDataLst>
+      <p:tags r:id="rId1"/>
+    </p:custDataLst>
+  </p:cSld>
+  <p:clrMapOvr>
+    <a:masterClrMapping/>
+  </p:clrMapOvr>
+</p:sld>
+</file>
+
+<file path=ppt/slides/slide22.xml><?xml version="1.0" encoding="utf-8"?>
+<p:sld xmlns:a="http://schemas.openxmlformats.org/drawingml/2006/main" xmlns:r="http://schemas.openxmlformats.org/officeDocument/2006/relationships" xmlns:p="http://schemas.openxmlformats.org/presentationml/2006/main">
+  <p:cSld>
+    <p:spTree>
+      <p:nvGrpSpPr>
+        <p:cNvPr id="1" name=""/>
+        <p:cNvGrpSpPr/>
+        <p:nvPr/>
+      </p:nvGrpSpPr>
+      <p:grpSpPr/>
+      <p:sp>
+        <p:nvSpPr>
+          <p:cNvPr id="2" name="标题 1"/>
+          <p:cNvSpPr>
+            <a:spLocks noGrp="1"/>
+          </p:cNvSpPr>
+          <p:nvPr>
+            <p:ph type="title"/>
+          </p:nvPr>
+        </p:nvSpPr>
+        <p:spPr/>
+        <p:txBody>
+          <a:bodyPr/>
+          <a:p>
+            <a:r>
+              <a:rPr lang="en-US" altLang="zh-CN"/>
+              <a:t>Properties</a:t>
+            </a:r>
+            <a:endParaRPr lang="en-US" altLang="zh-CN"/>
+          </a:p>
+        </p:txBody>
+      </p:sp>
+      <p:sp>
+        <p:nvSpPr>
+          <p:cNvPr id="3" name="内容占位符 2"/>
+          <p:cNvSpPr>
+            <a:spLocks noGrp="1"/>
+          </p:cNvSpPr>
+          <p:nvPr>
+            <p:ph idx="1"/>
+          </p:nvPr>
+        </p:nvSpPr>
+        <p:spPr/>
+        <p:txBody>
+          <a:bodyPr/>
+          <a:p>
+            <a:r>
+              <a:rPr lang="en-US" altLang="zh-CN"/>
+              <a:t>References</a:t>
+            </a:r>
+            <a:endParaRPr lang="en-US" altLang="zh-CN"/>
+          </a:p>
+          <a:p>
+            <a:pPr lvl="1"/>
+            <a:r>
+              <a:rPr lang="en-US" altLang="zh-CN"/>
+              <a:t>https://javapointers.com/how-to/how-to-load-properties-using-apache-commons-configuration-2/</a:t>
+            </a:r>
+            <a:endParaRPr lang="en-US" altLang="zh-CN"/>
+          </a:p>
+        </p:txBody>
+      </p:sp>
+    </p:spTree>
+    <p:custDataLst>
+      <p:tags r:id="rId1"/>
+    </p:custDataLst>
+  </p:cSld>
+  <p:clrMapOvr>
+    <a:masterClrMapping/>
+  </p:clrMapOvr>
+</p:sld>
+</file>
+
+<file path=ppt/slides/slide23.xml><?xml version="1.0" encoding="utf-8"?>
+<p:sld xmlns:a="http://schemas.openxmlformats.org/drawingml/2006/main" xmlns:r="http://schemas.openxmlformats.org/officeDocument/2006/relationships" xmlns:p="http://schemas.openxmlformats.org/presentationml/2006/main">
+  <p:cSld>
+    <p:spTree>
+      <p:nvGrpSpPr>
+        <p:cNvPr id="1" name=""/>
+        <p:cNvGrpSpPr/>
+        <p:nvPr/>
+      </p:nvGrpSpPr>
+      <p:grpSpPr/>
+      <p:sp>
+        <p:nvSpPr>
+          <p:cNvPr id="2" name="标题 1"/>
+          <p:cNvSpPr>
+            <a:spLocks noGrp="1"/>
+          </p:cNvSpPr>
+          <p:nvPr>
+            <p:ph type="title"/>
+          </p:nvPr>
+        </p:nvSpPr>
+        <p:spPr/>
+        <p:txBody>
+          <a:bodyPr/>
+          <a:p>
+            <a:r>
+              <a:rPr lang="en-US" altLang="zh-CN"/>
+              <a:t>Configure Tomcat as Windows Service</a:t>
+            </a:r>
+            <a:endParaRPr lang="en-US" altLang="zh-CN"/>
+          </a:p>
+        </p:txBody>
+      </p:sp>
+      <p:sp>
+        <p:nvSpPr>
+          <p:cNvPr id="3" name="内容占位符 2"/>
+          <p:cNvSpPr>
+            <a:spLocks noGrp="1"/>
+          </p:cNvSpPr>
+          <p:nvPr>
+            <p:ph idx="1"/>
+          </p:nvPr>
+        </p:nvSpPr>
+        <p:spPr/>
+        <p:txBody>
+          <a:bodyPr/>
+          <a:p>
+            <a:r>
+              <a:rPr lang="en-US" altLang="zh-CN"/>
+              <a:t>Run “bin/service.bat install”</a:t>
+            </a:r>
+            <a:endParaRPr lang="en-US" altLang="zh-CN"/>
+          </a:p>
+        </p:txBody>
+      </p:sp>
+    </p:spTree>
+    <p:custDataLst>
+      <p:tags r:id="rId1"/>
+    </p:custDataLst>
+  </p:cSld>
+  <p:clrMapOvr>
+    <a:masterClrMapping/>
+  </p:clrMapOvr>
+</p:sld>
+</file>
+
+<file path=ppt/slides/slide24.xml><?xml version="1.0" encoding="utf-8"?>
+<p:sld xmlns:a="http://schemas.openxmlformats.org/drawingml/2006/main" xmlns:r="http://schemas.openxmlformats.org/officeDocument/2006/relationships" xmlns:p="http://schemas.openxmlformats.org/presentationml/2006/main">
+  <p:cSld>
+    <p:spTree>
+      <p:nvGrpSpPr>
+        <p:cNvPr id="1" name=""/>
+        <p:cNvGrpSpPr/>
+        <p:nvPr/>
+      </p:nvGrpSpPr>
+      <p:grpSpPr/>
+      <p:sp>
+        <p:nvSpPr>
+          <p:cNvPr id="2" name="标题 1"/>
+          <p:cNvSpPr>
+            <a:spLocks noGrp="1"/>
+          </p:cNvSpPr>
+          <p:nvPr>
+            <p:ph type="title"/>
+          </p:nvPr>
+        </p:nvSpPr>
+        <p:spPr/>
+        <p:txBody>
+          <a:bodyPr/>
+          <a:p>
+            <a:r>
+              <a:rPr lang="en-US" altLang="zh-CN"/>
+              <a:t>Send Email</a:t>
+            </a:r>
+            <a:endParaRPr lang="en-US" altLang="zh-CN"/>
+          </a:p>
+        </p:txBody>
+      </p:sp>
+      <p:sp>
+        <p:nvSpPr>
+          <p:cNvPr id="3" name="内容占位符 2"/>
+          <p:cNvSpPr>
+            <a:spLocks noGrp="1"/>
+          </p:cNvSpPr>
+          <p:nvPr>
+            <p:ph idx="1"/>
+          </p:nvPr>
+        </p:nvSpPr>
+        <p:spPr>
+          <a:xfrm>
+            <a:off x="838200" y="1211580"/>
+            <a:ext cx="6316345" cy="4549140"/>
+          </a:xfrm>
+        </p:spPr>
+        <p:txBody>
+          <a:bodyPr/>
+          <a:p>
+            <a:r>
+              <a:rPr lang="en-US" altLang="zh-CN"/>
+              <a:t>References</a:t>
+            </a:r>
+            <a:endParaRPr lang="en-US" altLang="zh-CN"/>
+          </a:p>
+          <a:p>
+            <a:pPr lvl="1"/>
+            <a:r>
+              <a:rPr lang="en-US" altLang="zh-CN"/>
+              <a:t>https://www.tutorialspoint.com/javamail_api/javamail_api_send_email_with_attachment.htm</a:t>
+            </a:r>
+            <a:endParaRPr lang="en-US" altLang="zh-CN"/>
+          </a:p>
+          <a:p>
+            <a:pPr lvl="1"/>
             <a:endParaRPr lang="en-US" altLang="zh-CN"/>
           </a:p>
         </p:txBody>
@@ -5940,8 +6859,41 @@
 
 <file path=ppt/tags/tag25.xml><?xml version="1.0" encoding="utf-8"?>
 <p:tagLst xmlns:p="http://schemas.openxmlformats.org/presentationml/2006/main">
-  <p:tag name="COMMONDATA" val="eyJoZGlkIjoiODcwZjc5M2RmYzUwOWE5MjVkODVjZGMyZDUwOTRjYmEifQ=="/>
-  <p:tag name="KSO_WPP_MARK_KEY" val="3ca6f6e9-ac9b-4658-8d45-7b53fa102ed1"/>
+  <p:tag name="KSO_WM_BEAUTIFY_FLAG" val="#wm#"/>
+  <p:tag name="KSO_WM_TEMPLATE_CATEGORY" val="custom"/>
+  <p:tag name="KSO_WM_TEMPLATE_INDEX" val="160402"/>
+</p:tagLst>
+</file>
+
+<file path=ppt/tags/tag26.xml><?xml version="1.0" encoding="utf-8"?>
+<p:tagLst xmlns:p="http://schemas.openxmlformats.org/presentationml/2006/main">
+  <p:tag name="KSO_WM_BEAUTIFY_FLAG" val="#wm#"/>
+  <p:tag name="KSO_WM_TEMPLATE_CATEGORY" val="custom"/>
+  <p:tag name="KSO_WM_TEMPLATE_INDEX" val="160402"/>
+</p:tagLst>
+</file>
+
+<file path=ppt/tags/tag27.xml><?xml version="1.0" encoding="utf-8"?>
+<p:tagLst xmlns:p="http://schemas.openxmlformats.org/presentationml/2006/main">
+  <p:tag name="KSO_WM_BEAUTIFY_FLAG" val="#wm#"/>
+  <p:tag name="KSO_WM_TEMPLATE_CATEGORY" val="custom"/>
+  <p:tag name="KSO_WM_TEMPLATE_INDEX" val="160402"/>
+</p:tagLst>
+</file>
+
+<file path=ppt/tags/tag28.xml><?xml version="1.0" encoding="utf-8"?>
+<p:tagLst xmlns:p="http://schemas.openxmlformats.org/presentationml/2006/main">
+  <p:tag name="KSO_WM_BEAUTIFY_FLAG" val="#wm#"/>
+  <p:tag name="KSO_WM_TEMPLATE_CATEGORY" val="custom"/>
+  <p:tag name="KSO_WM_TEMPLATE_INDEX" val="160402"/>
+</p:tagLst>
+</file>
+
+<file path=ppt/tags/tag29.xml><?xml version="1.0" encoding="utf-8"?>
+<p:tagLst xmlns:p="http://schemas.openxmlformats.org/presentationml/2006/main">
+  <p:tag name="KSO_WM_BEAUTIFY_FLAG" val="#wm#"/>
+  <p:tag name="KSO_WM_TEMPLATE_CATEGORY" val="custom"/>
+  <p:tag name="KSO_WM_TEMPLATE_INDEX" val="160402"/>
 </p:tagLst>
 </file>
 
@@ -5952,6 +6904,13 @@
   <p:tag name="KSO_WM_TEMPLATE_INDEX" val="160402"/>
   <p:tag name="KSO_WM_TAG_VERSION" val="1.0"/>
   <p:tag name="KSO_WM_BEAUTIFY_FLAG" val="#wm#"/>
+</p:tagLst>
+</file>
+
+<file path=ppt/tags/tag30.xml><?xml version="1.0" encoding="utf-8"?>
+<p:tagLst xmlns:p="http://schemas.openxmlformats.org/presentationml/2006/main">
+  <p:tag name="COMMONDATA" val="eyJoZGlkIjoiYjRhZjQ5NWVmZmQxNmM3NmNkNDYxNWRmNzNmMjA1ZDAifQ=="/>
+  <p:tag name="KSO_WPP_MARK_KEY" val="3ca6f6e9-ac9b-4658-8d45-7b53fa102ed1"/>
 </p:tagLst>
 </file>
 

--- a/Web/JavaEE.pptx
+++ b/Web/JavaEE.pptx
@@ -5483,6 +5483,46 @@
               <a:rPr lang="en-US" altLang="zh-CN" sz="1800"/>
               <a:t>v1.8.0_162</a:t>
             </a:r>
+            <a:endParaRPr lang="en-US" altLang="zh-CN" sz="1800"/>
+          </a:p>
+          <a:p>
+            <a:pPr lvl="1"/>
+            <a:r>
+              <a:rPr lang="en-US" altLang="zh-CN" sz="2000"/>
+              <a:t>Install OpenJDK in Ubuntu</a:t>
+            </a:r>
+            <a:endParaRPr lang="en-US" altLang="zh-CN" sz="2000"/>
+          </a:p>
+          <a:p>
+            <a:pPr lvl="2"/>
+            <a:r>
+              <a:rPr lang="en-US" altLang="zh-CN"/>
+              <a:t>sudo add-apt-repository ppa:webupd8team/ppa:web-upd8team</a:t>
+            </a:r>
+            <a:endParaRPr lang="en-US" altLang="zh-CN"/>
+          </a:p>
+          <a:p>
+            <a:pPr lvl="2"/>
+            <a:r>
+              <a:rPr lang="en-US" altLang="zh-CN"/>
+              <a:t>sudo apt update</a:t>
+            </a:r>
+            <a:endParaRPr lang="en-US" altLang="zh-CN"/>
+          </a:p>
+          <a:p>
+            <a:pPr lvl="2"/>
+            <a:r>
+              <a:rPr lang="en-US" altLang="zh-CN"/>
+              <a:t>sudo apt install openjdk-8-jdk</a:t>
+            </a:r>
+            <a:endParaRPr lang="en-US" altLang="zh-CN"/>
+          </a:p>
+          <a:p>
+            <a:pPr lvl="2"/>
+            <a:r>
+              <a:rPr lang="en-US" altLang="zh-CN"/>
+              <a:t>java -version</a:t>
+            </a:r>
             <a:endParaRPr lang="en-US" altLang="zh-CN"/>
           </a:p>
           <a:p>
@@ -6256,6 +6296,21 @@
           <a:p>
             <a:r>
               <a:rPr lang="en-US" altLang="zh-CN"/>
+              <a:t>Prerequisite</a:t>
+            </a:r>
+            <a:endParaRPr lang="en-US" altLang="zh-CN"/>
+          </a:p>
+          <a:p>
+            <a:pPr lvl="1"/>
+            <a:r>
+              <a:rPr lang="en-US" altLang="zh-CN" sz="2000"/>
+              <a:t>java -version</a:t>
+            </a:r>
+            <a:endParaRPr lang="en-US" altLang="zh-CN"/>
+          </a:p>
+          <a:p>
+            <a:r>
+              <a:rPr lang="en-US" altLang="zh-CN"/>
               <a:t>Install</a:t>
             </a:r>
             <a:endParaRPr lang="en-US" altLang="zh-CN"/>
@@ -6265,6 +6320,14 @@
             <a:r>
               <a:rPr lang="en-US" altLang="zh-CN"/>
               <a:t>https://gradle.org/install/</a:t>
+            </a:r>
+            <a:endParaRPr lang="en-US" altLang="zh-CN"/>
+          </a:p>
+          <a:p>
+            <a:pPr lvl="1"/>
+            <a:r>
+              <a:rPr lang="en-US" altLang="zh-CN"/>
+              <a:t>download from https://mirrors.cloud.tencent.com/gradle/</a:t>
             </a:r>
             <a:endParaRPr lang="en-US" altLang="zh-CN"/>
           </a:p>
